--- a/Project-6-Presentation.pptx
+++ b/Project-6-Presentation.pptx
@@ -5,7 +5,7 @@
     <p:sldMasterId id="2147483696" r:id="rId4"/>
   </p:sldMasterIdLst>
   <p:notesMasterIdLst>
-    <p:notesMasterId r:id="rId18"/>
+    <p:notesMasterId r:id="rId20"/>
   </p:notesMasterIdLst>
   <p:sldIdLst>
     <p:sldId id="306" r:id="rId5"/>
@@ -13,14 +13,16 @@
     <p:sldId id="309" r:id="rId7"/>
     <p:sldId id="308" r:id="rId8"/>
     <p:sldId id="314" r:id="rId9"/>
-    <p:sldId id="294" r:id="rId10"/>
+    <p:sldId id="318" r:id="rId10"/>
     <p:sldId id="315" r:id="rId11"/>
-    <p:sldId id="295" r:id="rId12"/>
-    <p:sldId id="316" r:id="rId13"/>
-    <p:sldId id="310" r:id="rId14"/>
-    <p:sldId id="317" r:id="rId15"/>
-    <p:sldId id="304" r:id="rId16"/>
-    <p:sldId id="312" r:id="rId17"/>
+    <p:sldId id="319" r:id="rId12"/>
+    <p:sldId id="322" r:id="rId13"/>
+    <p:sldId id="316" r:id="rId14"/>
+    <p:sldId id="320" r:id="rId15"/>
+    <p:sldId id="321" r:id="rId16"/>
+    <p:sldId id="317" r:id="rId17"/>
+    <p:sldId id="304" r:id="rId18"/>
+    <p:sldId id="312" r:id="rId19"/>
   </p:sldIdLst>
   <p:sldSz cx="12192000" cy="6858000"/>
   <p:notesSz cx="6858000" cy="9144000"/>
@@ -149,6 +151,15 @@
 </p188:authorLst>
 </file>
 
+<file path=ppt/revisionInfo.xml><?xml version="1.0" encoding="utf-8"?>
+<p1510:revInfo xmlns:a="http://schemas.openxmlformats.org/drawingml/2006/main" xmlns:r="http://schemas.openxmlformats.org/officeDocument/2006/relationships" xmlns:p1510="http://schemas.microsoft.com/office/powerpoint/2015/10/main">
+  <p1510:revLst>
+    <p1510:client id="{71CEBD9B-F73A-C0D6-AB53-2944F1F431BE}" v="372" dt="2022-04-27T11:20:01.475"/>
+    <p1510:client id="{B20259F3-9FBA-4A5C-A9AB-D09084691209}" v="432" dt="2022-04-27T11:37:23.513"/>
+  </p1510:revLst>
+</p1510:revInfo>
+</file>
+
 <file path=ppt/charts/chart1.xml><?xml version="1.0" encoding="utf-8"?>
 <c:chartSpace xmlns:c="http://schemas.openxmlformats.org/drawingml/2006/chart" xmlns:a="http://schemas.openxmlformats.org/drawingml/2006/main" xmlns:r="http://schemas.openxmlformats.org/officeDocument/2006/relationships" xmlns:c16r2="http://schemas.microsoft.com/office/drawing/2015/06/chart">
   <c:date1904 val="0"/>
@@ -166,9 +177,8 @@
     <c:autoTitleDeleted val="1"/>
     <c:plotArea>
       <c:layout/>
-      <c:barChart>
-        <c:barDir val="col"/>
-        <c:grouping val="clustered"/>
+      <c:lineChart>
+        <c:grouping val="standard"/>
         <c:varyColors val="0"/>
         <c:ser>
           <c:idx val="0"/>
@@ -179,65 +189,75 @@
               <c:strCache>
                 <c:ptCount val="1"/>
                 <c:pt idx="0">
-                  <c:v>Series 1</c:v>
+                  <c:v>1 000 000 </c:v>
                 </c:pt>
               </c:strCache>
             </c:strRef>
           </c:tx>
           <c:spPr>
-            <a:solidFill>
-              <a:schemeClr val="accent1"/>
-            </a:solidFill>
-            <a:ln>
-              <a:noFill/>
+            <a:ln w="28575" cap="rnd">
+              <a:solidFill>
+                <a:schemeClr val="accent1"/>
+              </a:solidFill>
+              <a:round/>
             </a:ln>
             <a:effectLst/>
           </c:spPr>
-          <c:invertIfNegative val="0"/>
+          <c:marker>
+            <c:symbol val="none"/>
+          </c:marker>
           <c:cat>
-            <c:strRef>
-              <c:f>Sheet1!$A$2:$A$5</c:f>
-              <c:strCache>
-                <c:ptCount val="4"/>
+            <c:numRef>
+              <c:f>Sheet1!$A$2:$A$6</c:f>
+              <c:numCache>
+                <c:formatCode>General</c:formatCode>
+                <c:ptCount val="5"/>
                 <c:pt idx="0">
-                  <c:v>Category 1</c:v>
+                  <c:v>500</c:v>
                 </c:pt>
                 <c:pt idx="1">
-                  <c:v>Category 2</c:v>
+                  <c:v>1000</c:v>
                 </c:pt>
                 <c:pt idx="2">
-                  <c:v>Category 3</c:v>
+                  <c:v>10000</c:v>
                 </c:pt>
                 <c:pt idx="3">
-                  <c:v>Category 4</c:v>
+                  <c:v>100000</c:v>
                 </c:pt>
-              </c:strCache>
-            </c:strRef>
+                <c:pt idx="4">
+                  <c:v>1000000</c:v>
+                </c:pt>
+              </c:numCache>
+            </c:numRef>
           </c:cat>
           <c:val>
             <c:numRef>
-              <c:f>Sheet1!$B$2:$B$5</c:f>
+              <c:f>Sheet1!$B$2:$B$6</c:f>
               <c:numCache>
                 <c:formatCode>General</c:formatCode>
-                <c:ptCount val="4"/>
+                <c:ptCount val="5"/>
                 <c:pt idx="0">
-                  <c:v>4.3</c:v>
+                  <c:v>24</c:v>
                 </c:pt>
                 <c:pt idx="1">
-                  <c:v>2.5</c:v>
+                  <c:v>34</c:v>
                 </c:pt>
                 <c:pt idx="2">
-                  <c:v>3.5</c:v>
+                  <c:v>28</c:v>
                 </c:pt>
                 <c:pt idx="3">
-                  <c:v>4.5</c:v>
+                  <c:v>23</c:v>
+                </c:pt>
+                <c:pt idx="4">
+                  <c:v>17</c:v>
                 </c:pt>
               </c:numCache>
             </c:numRef>
           </c:val>
+          <c:smooth val="0"/>
           <c:extLst>
             <c:ext xmlns:c16="http://schemas.microsoft.com/office/drawing/2014/chart" uri="{C3380CC4-5D6E-409C-BE32-E72D297353CC}">
-              <c16:uniqueId val="{00000000-A974-4FBB-8267-A07818BB3818}"/>
+              <c16:uniqueId val="{00000000-DB84-4D92-8C5E-861D75F9E95A}"/>
             </c:ext>
           </c:extLst>
         </c:ser>
@@ -250,136 +270,75 @@
               <c:strCache>
                 <c:ptCount val="1"/>
                 <c:pt idx="0">
-                  <c:v>Series 2</c:v>
+                  <c:v>10 000 000</c:v>
                 </c:pt>
               </c:strCache>
             </c:strRef>
           </c:tx>
           <c:spPr>
-            <a:solidFill>
-              <a:schemeClr val="accent3"/>
-            </a:solidFill>
-            <a:ln>
-              <a:noFill/>
+            <a:ln w="28575" cap="rnd">
+              <a:solidFill>
+                <a:schemeClr val="accent2"/>
+              </a:solidFill>
+              <a:round/>
             </a:ln>
             <a:effectLst/>
           </c:spPr>
-          <c:invertIfNegative val="0"/>
+          <c:marker>
+            <c:symbol val="none"/>
+          </c:marker>
           <c:cat>
-            <c:strRef>
-              <c:f>Sheet1!$A$2:$A$5</c:f>
-              <c:strCache>
-                <c:ptCount val="4"/>
+            <c:numRef>
+              <c:f>Sheet1!$A$2:$A$6</c:f>
+              <c:numCache>
+                <c:formatCode>General</c:formatCode>
+                <c:ptCount val="5"/>
                 <c:pt idx="0">
-                  <c:v>Category 1</c:v>
+                  <c:v>500</c:v>
                 </c:pt>
                 <c:pt idx="1">
-                  <c:v>Category 2</c:v>
+                  <c:v>1000</c:v>
                 </c:pt>
                 <c:pt idx="2">
-                  <c:v>Category 3</c:v>
+                  <c:v>10000</c:v>
                 </c:pt>
                 <c:pt idx="3">
-                  <c:v>Category 4</c:v>
+                  <c:v>100000</c:v>
                 </c:pt>
-              </c:strCache>
-            </c:strRef>
+                <c:pt idx="4">
+                  <c:v>1000000</c:v>
+                </c:pt>
+              </c:numCache>
+            </c:numRef>
           </c:cat>
           <c:val>
             <c:numRef>
-              <c:f>Sheet1!$C$2:$C$5</c:f>
+              <c:f>Sheet1!$C$2:$C$6</c:f>
               <c:numCache>
                 <c:formatCode>General</c:formatCode>
-                <c:ptCount val="4"/>
+                <c:ptCount val="5"/>
                 <c:pt idx="0">
-                  <c:v>2.4</c:v>
+                  <c:v>157</c:v>
                 </c:pt>
                 <c:pt idx="1">
-                  <c:v>4.4000000000000004</c:v>
+                  <c:v>137</c:v>
                 </c:pt>
                 <c:pt idx="2">
-                  <c:v>1.8</c:v>
+                  <c:v>92</c:v>
                 </c:pt>
                 <c:pt idx="3">
-                  <c:v>2.8</c:v>
+                  <c:v>122</c:v>
+                </c:pt>
+                <c:pt idx="4">
+                  <c:v>51</c:v>
                 </c:pt>
               </c:numCache>
             </c:numRef>
           </c:val>
+          <c:smooth val="0"/>
           <c:extLst>
             <c:ext xmlns:c16="http://schemas.microsoft.com/office/drawing/2014/chart" uri="{C3380CC4-5D6E-409C-BE32-E72D297353CC}">
-              <c16:uniqueId val="{00000001-A974-4FBB-8267-A07818BB3818}"/>
-            </c:ext>
-          </c:extLst>
-        </c:ser>
-        <c:ser>
-          <c:idx val="2"/>
-          <c:order val="2"/>
-          <c:tx>
-            <c:strRef>
-              <c:f>Sheet1!$D$1</c:f>
-              <c:strCache>
-                <c:ptCount val="1"/>
-                <c:pt idx="0">
-                  <c:v>Series 3</c:v>
-                </c:pt>
-              </c:strCache>
-            </c:strRef>
-          </c:tx>
-          <c:spPr>
-            <a:solidFill>
-              <a:schemeClr val="accent4"/>
-            </a:solidFill>
-            <a:ln>
-              <a:noFill/>
-            </a:ln>
-            <a:effectLst/>
-          </c:spPr>
-          <c:invertIfNegative val="0"/>
-          <c:cat>
-            <c:strRef>
-              <c:f>Sheet1!$A$2:$A$5</c:f>
-              <c:strCache>
-                <c:ptCount val="4"/>
-                <c:pt idx="0">
-                  <c:v>Category 1</c:v>
-                </c:pt>
-                <c:pt idx="1">
-                  <c:v>Category 2</c:v>
-                </c:pt>
-                <c:pt idx="2">
-                  <c:v>Category 3</c:v>
-                </c:pt>
-                <c:pt idx="3">
-                  <c:v>Category 4</c:v>
-                </c:pt>
-              </c:strCache>
-            </c:strRef>
-          </c:cat>
-          <c:val>
-            <c:numRef>
-              <c:f>Sheet1!$D$2:$D$5</c:f>
-              <c:numCache>
-                <c:formatCode>General</c:formatCode>
-                <c:ptCount val="4"/>
-                <c:pt idx="0">
-                  <c:v>2</c:v>
-                </c:pt>
-                <c:pt idx="1">
-                  <c:v>2</c:v>
-                </c:pt>
-                <c:pt idx="2">
-                  <c:v>3</c:v>
-                </c:pt>
-                <c:pt idx="3">
-                  <c:v>5</c:v>
-                </c:pt>
-              </c:numCache>
-            </c:numRef>
-          </c:val>
-          <c:extLst>
-            <c:ext xmlns:c16="http://schemas.microsoft.com/office/drawing/2014/chart" uri="{C3380CC4-5D6E-409C-BE32-E72D297353CC}">
-              <c16:uniqueId val="{00000002-A974-4FBB-8267-A07818BB3818}"/>
+              <c16:uniqueId val="{00000001-DB84-4D92-8C5E-861D75F9E95A}"/>
             </c:ext>
           </c:extLst>
         </c:ser>
@@ -391,18 +350,72 @@
           <c:showPercent val="0"/>
           <c:showBubbleSize val="0"/>
         </c:dLbls>
-        <c:gapWidth val="219"/>
-        <c:overlap val="-27"/>
-        <c:axId val="1228544223"/>
-        <c:axId val="1196036207"/>
-      </c:barChart>
+        <c:smooth val="0"/>
+        <c:axId val="216065016"/>
+        <c:axId val="216066328"/>
+      </c:lineChart>
       <c:catAx>
-        <c:axId val="1228544223"/>
+        <c:axId val="216065016"/>
         <c:scaling>
           <c:orientation val="minMax"/>
         </c:scaling>
         <c:delete val="0"/>
         <c:axPos val="b"/>
+        <c:title>
+          <c:tx>
+            <c:rich>
+              <a:bodyPr rot="0" spcFirstLastPara="1" vertOverflow="ellipsis" vert="horz" wrap="square" anchor="ctr" anchorCtr="1"/>
+              <a:lstStyle/>
+              <a:p>
+                <a:pPr>
+                  <a:defRPr sz="1330" b="0" i="0" u="none" strike="noStrike" kern="1200" baseline="0">
+                    <a:solidFill>
+                      <a:schemeClr val="tx1">
+                        <a:lumMod val="65000"/>
+                        <a:lumOff val="35000"/>
+                      </a:schemeClr>
+                    </a:solidFill>
+                    <a:latin typeface="+mn-lt"/>
+                    <a:ea typeface="+mn-ea"/>
+                    <a:cs typeface="+mn-cs"/>
+                  </a:defRPr>
+                </a:pPr>
+                <a:r>
+                  <a:rPr lang="en-US" dirty="0"/>
+                  <a:t>Threshold</a:t>
+                </a:r>
+              </a:p>
+            </c:rich>
+          </c:tx>
+          <c:overlay val="0"/>
+          <c:spPr>
+            <a:noFill/>
+            <a:ln>
+              <a:noFill/>
+            </a:ln>
+            <a:effectLst/>
+          </c:spPr>
+          <c:txPr>
+            <a:bodyPr rot="0" spcFirstLastPara="1" vertOverflow="ellipsis" vert="horz" wrap="square" anchor="ctr" anchorCtr="1"/>
+            <a:lstStyle/>
+            <a:p>
+              <a:pPr>
+                <a:defRPr sz="1330" b="0" i="0" u="none" strike="noStrike" kern="1200" baseline="0">
+                  <a:solidFill>
+                    <a:schemeClr val="tx1">
+                      <a:lumMod val="65000"/>
+                      <a:lumOff val="35000"/>
+                    </a:schemeClr>
+                  </a:solidFill>
+                  <a:latin typeface="+mn-lt"/>
+                  <a:ea typeface="+mn-ea"/>
+                  <a:cs typeface="+mn-cs"/>
+                </a:defRPr>
+              </a:pPr>
+              <a:endParaRPr lang="en-US"/>
+            </a:p>
+          </c:txPr>
+        </c:title>
         <c:numFmt formatCode="General" sourceLinked="1"/>
         <c:majorTickMark val="none"/>
         <c:minorTickMark val="none"/>
@@ -427,7 +440,10 @@
             <a:pPr>
               <a:defRPr sz="1197" b="0" i="0" u="none" strike="noStrike" kern="1200" baseline="0">
                 <a:solidFill>
-                  <a:schemeClr val="tx1"/>
+                  <a:schemeClr val="tx1">
+                    <a:lumMod val="65000"/>
+                    <a:lumOff val="35000"/>
+                  </a:schemeClr>
                 </a:solidFill>
                 <a:latin typeface="+mn-lt"/>
                 <a:ea typeface="+mn-ea"/>
@@ -437,7 +453,7 @@
             <a:endParaRPr lang="en-US"/>
           </a:p>
         </c:txPr>
-        <c:crossAx val="1196036207"/>
+        <c:crossAx val="216066328"/>
         <c:crosses val="autoZero"/>
         <c:auto val="1"/>
         <c:lblAlgn val="ctr"/>
@@ -445,7 +461,7 @@
         <c:noMultiLvlLbl val="0"/>
       </c:catAx>
       <c:valAx>
-        <c:axId val="1196036207"/>
+        <c:axId val="216066328"/>
         <c:scaling>
           <c:orientation val="minMax"/>
         </c:scaling>
@@ -465,6 +481,62 @@
             <a:effectLst/>
           </c:spPr>
         </c:majorGridlines>
+        <c:title>
+          <c:tx>
+            <c:rich>
+              <a:bodyPr rot="-5400000" spcFirstLastPara="1" vertOverflow="ellipsis" vert="horz" wrap="square" anchor="ctr" anchorCtr="1"/>
+              <a:lstStyle/>
+              <a:p>
+                <a:pPr>
+                  <a:defRPr sz="1330" b="0" i="0" u="none" strike="noStrike" kern="1200" baseline="0">
+                    <a:solidFill>
+                      <a:schemeClr val="tx1">
+                        <a:lumMod val="65000"/>
+                        <a:lumOff val="35000"/>
+                      </a:schemeClr>
+                    </a:solidFill>
+                    <a:latin typeface="+mn-lt"/>
+                    <a:ea typeface="+mn-ea"/>
+                    <a:cs typeface="+mn-cs"/>
+                  </a:defRPr>
+                </a:pPr>
+                <a:r>
+                  <a:rPr lang="nb-NO" dirty="0"/>
+                  <a:t>ms</a:t>
+                </a:r>
+                <a:endParaRPr lang="en-US" dirty="0"/>
+              </a:p>
+            </c:rich>
+          </c:tx>
+          <c:overlay val="0"/>
+          <c:spPr>
+            <a:noFill/>
+            <a:ln>
+              <a:noFill/>
+            </a:ln>
+            <a:effectLst/>
+          </c:spPr>
+          <c:txPr>
+            <a:bodyPr rot="-5400000" spcFirstLastPara="1" vertOverflow="ellipsis" vert="horz" wrap="square" anchor="ctr" anchorCtr="1"/>
+            <a:lstStyle/>
+            <a:p>
+              <a:pPr>
+                <a:defRPr sz="1330" b="0" i="0" u="none" strike="noStrike" kern="1200" baseline="0">
+                  <a:solidFill>
+                    <a:schemeClr val="tx1">
+                      <a:lumMod val="65000"/>
+                      <a:lumOff val="35000"/>
+                    </a:schemeClr>
+                  </a:solidFill>
+                  <a:latin typeface="+mn-lt"/>
+                  <a:ea typeface="+mn-ea"/>
+                  <a:cs typeface="+mn-cs"/>
+                </a:defRPr>
+              </a:pPr>
+              <a:endParaRPr lang="en-US"/>
+            </a:p>
+          </c:txPr>
+        </c:title>
         <c:numFmt formatCode="General" sourceLinked="1"/>
         <c:majorTickMark val="none"/>
         <c:minorTickMark val="none"/>
@@ -483,7 +555,10 @@
             <a:pPr>
               <a:defRPr sz="1197" b="0" i="0" u="none" strike="noStrike" kern="1200" baseline="0">
                 <a:solidFill>
-                  <a:schemeClr val="tx1"/>
+                  <a:schemeClr val="tx1">
+                    <a:lumMod val="65000"/>
+                    <a:lumOff val="35000"/>
+                  </a:schemeClr>
                 </a:solidFill>
                 <a:latin typeface="+mn-lt"/>
                 <a:ea typeface="+mn-ea"/>
@@ -493,7 +568,7 @@
             <a:endParaRPr lang="en-US"/>
           </a:p>
         </c:txPr>
-        <c:crossAx val="1228544223"/>
+        <c:crossAx val="216065016"/>
         <c:crosses val="autoZero"/>
         <c:crossBetween val="between"/>
       </c:valAx>
@@ -522,7 +597,10 @@
           <a:pPr>
             <a:defRPr sz="1197" b="0" i="0" u="none" strike="noStrike" kern="1200" baseline="0">
               <a:solidFill>
-                <a:schemeClr val="tx1"/>
+                <a:schemeClr val="tx1">
+                  <a:lumMod val="65000"/>
+                  <a:lumOff val="35000"/>
+                </a:schemeClr>
               </a:solidFill>
               <a:latin typeface="+mn-lt"/>
               <a:ea typeface="+mn-ea"/>
@@ -608,7 +686,7 @@
 </file>
 
 <file path=ppt/charts/style1.xml><?xml version="1.0" encoding="utf-8"?>
-<cs:chartStyle xmlns:cs="http://schemas.microsoft.com/office/drawing/2012/chartStyle" xmlns:a="http://schemas.openxmlformats.org/drawingml/2006/main" id="201">
+<cs:chartStyle xmlns:cs="http://schemas.microsoft.com/office/drawing/2012/chartStyle" xmlns:a="http://schemas.openxmlformats.org/drawingml/2006/main" id="227">
   <cs:axisTitle>
     <cs:lnRef idx="0"/>
     <cs:fillRef idx="0"/>
@@ -716,6 +794,11 @@
     <cs:fontRef idx="minor">
       <a:schemeClr val="tx1"/>
     </cs:fontRef>
+    <cs:spPr>
+      <a:solidFill>
+        <a:schemeClr val="phClr"/>
+      </a:solidFill>
+    </cs:spPr>
   </cs:dataPoint>
   <cs:dataPoint3D>
     <cs:lnRef idx="0"/>
@@ -726,6 +809,11 @@
     <cs:fontRef idx="minor">
       <a:schemeClr val="tx1"/>
     </cs:fontRef>
+    <cs:spPr>
+      <a:solidFill>
+        <a:schemeClr val="phClr"/>
+      </a:solidFill>
+    </cs:spPr>
   </cs:dataPoint3D>
   <cs:dataPointLine>
     <cs:lnRef idx="0">
@@ -757,6 +845,9 @@
       <a:schemeClr val="tx1"/>
     </cs:fontRef>
     <cs:spPr>
+      <a:solidFill>
+        <a:schemeClr val="phClr"/>
+      </a:solidFill>
       <a:ln w="9525">
         <a:solidFill>
           <a:schemeClr val="phClr"/>
@@ -1159,7 +1250,7 @@
             </a:lvl1pPr>
           </a:lstStyle>
           <a:p>
-            <a:endParaRPr lang="en-US" dirty="0"/>
+            <a:endParaRPr lang="en-US"/>
           </a:p>
         </p:txBody>
       </p:sp>
@@ -1192,9 +1283,9 @@
           <a:p>
             <a:fld id="{5EA28068-AFBD-4979-B752-9EB6F90B1386}" type="datetimeFigureOut">
               <a:rPr lang="en-US" smtClean="0"/>
-              <a:t>4/26/2022</a:t>
+              <a:t>4/27/2022</a:t>
             </a:fld>
-            <a:endParaRPr lang="en-US" dirty="0"/>
+            <a:endParaRPr lang="en-US"/>
           </a:p>
         </p:txBody>
       </p:sp>
@@ -1227,7 +1318,7 @@
           <a:bodyPr vert="horz" lIns="91440" tIns="45720" rIns="91440" bIns="45720" rtlCol="0" anchor="ctr"/>
           <a:lstStyle/>
           <a:p>
-            <a:endParaRPr lang="en-US" dirty="0"/>
+            <a:endParaRPr lang="en-US"/>
           </a:p>
         </p:txBody>
       </p:sp>
@@ -1317,7 +1408,7 @@
             </a:lvl1pPr>
           </a:lstStyle>
           <a:p>
-            <a:endParaRPr lang="en-US" dirty="0"/>
+            <a:endParaRPr lang="en-US"/>
           </a:p>
         </p:txBody>
       </p:sp>
@@ -1352,7 +1443,7 @@
               <a:rPr lang="en-US" smtClean="0"/>
               <a:t>‹#›</a:t>
             </a:fld>
-            <a:endParaRPr lang="en-US" dirty="0"/>
+            <a:endParaRPr lang="en-US"/>
           </a:p>
         </p:txBody>
       </p:sp>
@@ -1459,6 +1550,90 @@
 </p:notesMaster>
 </file>
 
+<file path=ppt/notesSlides/notesSlide1.xml><?xml version="1.0" encoding="utf-8"?>
+<p:notes xmlns:a="http://schemas.openxmlformats.org/drawingml/2006/main" xmlns:r="http://schemas.openxmlformats.org/officeDocument/2006/relationships" xmlns:p="http://schemas.openxmlformats.org/presentationml/2006/main">
+  <p:cSld>
+    <p:spTree>
+      <p:nvGrpSpPr>
+        <p:cNvPr id="1" name=""/>
+        <p:cNvGrpSpPr/>
+        <p:nvPr/>
+      </p:nvGrpSpPr>
+      <p:grpSpPr>
+        <a:xfrm>
+          <a:off x="0" y="0"/>
+          <a:ext cx="0" cy="0"/>
+          <a:chOff x="0" y="0"/>
+          <a:chExt cx="0" cy="0"/>
+        </a:xfrm>
+      </p:grpSpPr>
+      <p:sp>
+        <p:nvSpPr>
+          <p:cNvPr id="2" name="Slide Image Placeholder 1"/>
+          <p:cNvSpPr>
+            <a:spLocks noGrp="1" noRot="1" noChangeAspect="1"/>
+          </p:cNvSpPr>
+          <p:nvPr>
+            <p:ph type="sldImg"/>
+          </p:nvPr>
+        </p:nvSpPr>
+        <p:spPr/>
+      </p:sp>
+      <p:sp>
+        <p:nvSpPr>
+          <p:cNvPr id="3" name="Notes Placeholder 2"/>
+          <p:cNvSpPr>
+            <a:spLocks noGrp="1"/>
+          </p:cNvSpPr>
+          <p:nvPr>
+            <p:ph type="body" idx="1"/>
+          </p:nvPr>
+        </p:nvSpPr>
+        <p:spPr/>
+        <p:txBody>
+          <a:bodyPr/>
+          <a:lstStyle/>
+          <a:p>
+            <a:endParaRPr lang="en-US" dirty="0"/>
+          </a:p>
+        </p:txBody>
+      </p:sp>
+      <p:sp>
+        <p:nvSpPr>
+          <p:cNvPr id="4" name="Slide Number Placeholder 3"/>
+          <p:cNvSpPr>
+            <a:spLocks noGrp="1"/>
+          </p:cNvSpPr>
+          <p:nvPr>
+            <p:ph type="sldNum" sz="quarter" idx="5"/>
+          </p:nvPr>
+        </p:nvSpPr>
+        <p:spPr/>
+        <p:txBody>
+          <a:bodyPr/>
+          <a:lstStyle/>
+          <a:p>
+            <a:fld id="{D5939589-3E79-4C82-AA4A-FE78234FAA59}" type="slidenum">
+              <a:rPr lang="en-US" smtClean="0"/>
+              <a:t>6</a:t>
+            </a:fld>
+            <a:endParaRPr lang="en-US"/>
+          </a:p>
+        </p:txBody>
+      </p:sp>
+    </p:spTree>
+    <p:extLst>
+      <p:ext uri="{BB962C8B-B14F-4D97-AF65-F5344CB8AC3E}">
+        <p14:creationId xmlns:p14="http://schemas.microsoft.com/office/powerpoint/2010/main" val="712773489"/>
+      </p:ext>
+    </p:extLst>
+  </p:cSld>
+  <p:clrMapOvr>
+    <a:masterClrMapping/>
+  </p:clrMapOvr>
+</p:notes>
+</file>
+
 <file path=ppt/slideLayouts/slideLayout1.xml><?xml version="1.0" encoding="utf-8"?>
 <p:sldLayout xmlns:a="http://schemas.openxmlformats.org/drawingml/2006/main" xmlns:r="http://schemas.openxmlformats.org/officeDocument/2006/relationships" xmlns:p="http://schemas.openxmlformats.org/presentationml/2006/main" type="title" preserve="1">
   <p:cSld name="Title Slide">
@@ -1510,7 +1685,6 @@
               <a:rPr lang="en-US"/>
               <a:t>Click to edit Master title style</a:t>
             </a:r>
-            <a:endParaRPr lang="en-US" dirty="0"/>
           </a:p>
         </p:txBody>
       </p:sp>
@@ -1848,7 +2022,6 @@
               <a:rPr lang="en-US"/>
               <a:t>Fifth level</a:t>
             </a:r>
-            <a:endParaRPr lang="en-US" dirty="0"/>
           </a:p>
         </p:txBody>
       </p:sp>
@@ -2000,7 +2173,6 @@
               <a:rPr lang="en-US"/>
               <a:t>Fifth level</a:t>
             </a:r>
-            <a:endParaRPr lang="en-US" dirty="0"/>
           </a:p>
         </p:txBody>
       </p:sp>
@@ -2253,7 +2425,7 @@
           <a:bodyPr rtlCol="0" anchor="ctr"/>
           <a:lstStyle/>
           <a:p>
-            <a:endParaRPr lang="en-US" dirty="0"/>
+            <a:endParaRPr lang="en-US"/>
           </a:p>
         </p:txBody>
       </p:sp>
@@ -2397,7 +2569,7 @@
           <a:bodyPr rtlCol="0" anchor="ctr"/>
           <a:lstStyle/>
           <a:p>
-            <a:endParaRPr lang="en-US" dirty="0"/>
+            <a:endParaRPr lang="en-US"/>
           </a:p>
         </p:txBody>
       </p:sp>
@@ -2493,7 +2665,7 @@
           <a:bodyPr rtlCol="0" anchor="ctr"/>
           <a:lstStyle/>
           <a:p>
-            <a:endParaRPr lang="en-US" dirty="0"/>
+            <a:endParaRPr lang="en-US"/>
           </a:p>
         </p:txBody>
       </p:sp>
@@ -3083,7 +3255,7 @@
           <a:bodyPr rtlCol="0" anchor="ctr"/>
           <a:lstStyle/>
           <a:p>
-            <a:endParaRPr lang="en-US" dirty="0"/>
+            <a:endParaRPr lang="en-US"/>
           </a:p>
         </p:txBody>
       </p:sp>
@@ -3227,7 +3399,7 @@
           <a:bodyPr rtlCol="0" anchor="ctr"/>
           <a:lstStyle/>
           <a:p>
-            <a:endParaRPr lang="en-US" dirty="0"/>
+            <a:endParaRPr lang="en-US"/>
           </a:p>
         </p:txBody>
       </p:sp>
@@ -3323,7 +3495,7 @@
           <a:bodyPr rtlCol="0" anchor="ctr"/>
           <a:lstStyle/>
           <a:p>
-            <a:endParaRPr lang="en-US" dirty="0"/>
+            <a:endParaRPr lang="en-US"/>
           </a:p>
         </p:txBody>
       </p:sp>
@@ -3525,7 +3697,7 @@
           </a:lstStyle>
           <a:p>
             <a:r>
-              <a:rPr lang="en-US" dirty="0"/>
+              <a:rPr lang="en-US"/>
               <a:t>Title</a:t>
             </a:r>
           </a:p>
@@ -3641,7 +3813,7 @@
           </a:lstStyle>
           <a:p>
             <a:r>
-              <a:rPr lang="en-US" dirty="0"/>
+              <a:rPr lang="en-US"/>
               <a:t>Presentation Title</a:t>
             </a:r>
           </a:p>
@@ -3681,7 +3853,7 @@
               <a:pPr/>
               <a:t>‹#›</a:t>
             </a:fld>
-            <a:endParaRPr lang="en-US" dirty="0"/>
+            <a:endParaRPr lang="en-US"/>
           </a:p>
         </p:txBody>
       </p:sp>
@@ -3795,7 +3967,7 @@
           <a:lstStyle/>
           <a:p>
             <a:pPr algn="ctr"/>
-            <a:endParaRPr lang="en-US" dirty="0"/>
+            <a:endParaRPr lang="en-US"/>
           </a:p>
         </p:txBody>
       </p:sp>
@@ -3838,7 +4010,6 @@
               <a:rPr lang="en-US"/>
               <a:t>Click icon to add picture</a:t>
             </a:r>
-            <a:endParaRPr lang="en-US" dirty="0"/>
           </a:p>
         </p:txBody>
       </p:sp>
@@ -3881,7 +4052,6 @@
               <a:rPr lang="en-US"/>
               <a:t>Click icon to add picture</a:t>
             </a:r>
-            <a:endParaRPr lang="en-US" dirty="0"/>
           </a:p>
         </p:txBody>
       </p:sp>
@@ -3924,7 +4094,6 @@
               <a:rPr lang="en-US"/>
               <a:t>Click icon to add picture</a:t>
             </a:r>
-            <a:endParaRPr lang="en-US" dirty="0"/>
           </a:p>
         </p:txBody>
       </p:sp>
@@ -4077,7 +4246,6 @@
               <a:rPr lang="en-US"/>
               <a:t>Click icon to add picture</a:t>
             </a:r>
-            <a:endParaRPr lang="en-US" dirty="0"/>
           </a:p>
         </p:txBody>
       </p:sp>
@@ -4232,7 +4400,6 @@
               <a:rPr lang="en-US"/>
               <a:t>Click icon to add picture</a:t>
             </a:r>
-            <a:endParaRPr lang="en-US" dirty="0"/>
           </a:p>
         </p:txBody>
       </p:sp>
@@ -4363,7 +4530,6 @@
               <a:rPr lang="en-US"/>
               <a:t>Click icon to add picture</a:t>
             </a:r>
-            <a:endParaRPr lang="en-US" dirty="0"/>
           </a:p>
         </p:txBody>
       </p:sp>
@@ -4510,7 +4676,6 @@
               <a:rPr lang="en-US"/>
               <a:t>Click icon to add picture</a:t>
             </a:r>
-            <a:endParaRPr lang="en-US" dirty="0"/>
           </a:p>
         </p:txBody>
       </p:sp>
@@ -4552,7 +4717,6 @@
               <a:rPr lang="en-US"/>
               <a:t>Click to edit Master title style</a:t>
             </a:r>
-            <a:endParaRPr lang="en-US" dirty="0"/>
           </a:p>
         </p:txBody>
       </p:sp>
@@ -4591,7 +4755,7 @@
           </a:lstStyle>
           <a:p>
             <a:r>
-              <a:rPr lang="en-US" dirty="0"/>
+              <a:rPr lang="en-US"/>
               <a:t>9/3/20XX</a:t>
             </a:r>
           </a:p>
@@ -4632,7 +4796,7 @@
           </a:lstStyle>
           <a:p>
             <a:r>
-              <a:rPr lang="en-US" dirty="0"/>
+              <a:rPr lang="en-US"/>
               <a:t>Presentation Title</a:t>
             </a:r>
           </a:p>
@@ -4677,7 +4841,7 @@
               <a:pPr/>
               <a:t>‹#›</a:t>
             </a:fld>
-            <a:endParaRPr lang="en-US" dirty="0"/>
+            <a:endParaRPr lang="en-US"/>
           </a:p>
         </p:txBody>
       </p:sp>
@@ -4877,7 +5041,7 @@
           <a:bodyPr rtlCol="0" anchor="ctr"/>
           <a:lstStyle/>
           <a:p>
-            <a:endParaRPr lang="en-US" dirty="0"/>
+            <a:endParaRPr lang="en-US"/>
           </a:p>
         </p:txBody>
       </p:sp>
@@ -5021,7 +5185,7 @@
           <a:bodyPr rtlCol="0" anchor="ctr"/>
           <a:lstStyle/>
           <a:p>
-            <a:endParaRPr lang="en-US" dirty="0"/>
+            <a:endParaRPr lang="en-US"/>
           </a:p>
         </p:txBody>
       </p:sp>
@@ -5117,7 +5281,7 @@
           <a:bodyPr rtlCol="0" anchor="ctr"/>
           <a:lstStyle/>
           <a:p>
-            <a:endParaRPr lang="en-US" dirty="0"/>
+            <a:endParaRPr lang="en-US"/>
           </a:p>
         </p:txBody>
       </p:sp>
@@ -5288,7 +5452,7 @@
           <a:lstStyle/>
           <a:p>
             <a:r>
-              <a:rPr lang="en-US" dirty="0"/>
+              <a:rPr lang="en-US"/>
               <a:t>9/3/20XX</a:t>
             </a:r>
           </a:p>
@@ -5316,7 +5480,7 @@
           <a:lstStyle/>
           <a:p>
             <a:r>
-              <a:rPr lang="en-US" dirty="0"/>
+              <a:rPr lang="en-US"/>
               <a:t>Presentation Title</a:t>
             </a:r>
           </a:p>
@@ -5347,7 +5511,7 @@
               <a:rPr lang="en-US" smtClean="0"/>
               <a:t>‹#›</a:t>
             </a:fld>
-            <a:endParaRPr lang="en-US" dirty="0"/>
+            <a:endParaRPr lang="en-US"/>
           </a:p>
         </p:txBody>
       </p:sp>
@@ -5456,7 +5620,7 @@
           <a:lstStyle/>
           <a:p>
             <a:r>
-              <a:rPr lang="en-US" dirty="0"/>
+              <a:rPr lang="en-US"/>
               <a:t>9/3/20XX</a:t>
             </a:r>
           </a:p>
@@ -5484,7 +5648,7 @@
           <a:lstStyle/>
           <a:p>
             <a:r>
-              <a:rPr lang="en-US" dirty="0"/>
+              <a:rPr lang="en-US"/>
               <a:t>Presentation Title</a:t>
             </a:r>
           </a:p>
@@ -5515,7 +5679,7 @@
               <a:rPr lang="en-US" smtClean="0"/>
               <a:t>‹#›</a:t>
             </a:fld>
-            <a:endParaRPr lang="en-US" dirty="0"/>
+            <a:endParaRPr lang="en-US"/>
           </a:p>
         </p:txBody>
       </p:sp>
@@ -5822,7 +5986,7 @@
           <a:lstStyle/>
           <a:p>
             <a:r>
-              <a:rPr lang="en-US" dirty="0"/>
+              <a:rPr lang="en-US"/>
               <a:t>9/3/20XX</a:t>
             </a:r>
           </a:p>
@@ -5850,7 +6014,7 @@
           <a:lstStyle/>
           <a:p>
             <a:r>
-              <a:rPr lang="en-US" dirty="0"/>
+              <a:rPr lang="en-US"/>
               <a:t>Presentation Title</a:t>
             </a:r>
           </a:p>
@@ -5881,7 +6045,7 @@
               <a:rPr lang="en-US" smtClean="0"/>
               <a:t>‹#›</a:t>
             </a:fld>
-            <a:endParaRPr lang="en-US" dirty="0"/>
+            <a:endParaRPr lang="en-US"/>
           </a:p>
         </p:txBody>
       </p:sp>
@@ -6072,7 +6236,6 @@
               <a:rPr lang="en-US"/>
               <a:t>Click icon to add picture</a:t>
             </a:r>
-            <a:endParaRPr lang="en-US" dirty="0"/>
           </a:p>
         </p:txBody>
       </p:sp>
@@ -6169,7 +6332,7 @@
           <a:lstStyle/>
           <a:p>
             <a:r>
-              <a:rPr lang="en-US" dirty="0"/>
+              <a:rPr lang="en-US"/>
               <a:t>9/3/20XX</a:t>
             </a:r>
           </a:p>
@@ -6197,7 +6360,7 @@
           <a:lstStyle/>
           <a:p>
             <a:r>
-              <a:rPr lang="en-US" dirty="0"/>
+              <a:rPr lang="en-US"/>
               <a:t>Presentation Title</a:t>
             </a:r>
           </a:p>
@@ -6228,7 +6391,7 @@
               <a:rPr lang="en-US" smtClean="0"/>
               <a:t>‹#›</a:t>
             </a:fld>
-            <a:endParaRPr lang="en-US" dirty="0"/>
+            <a:endParaRPr lang="en-US"/>
           </a:p>
         </p:txBody>
       </p:sp>
@@ -6369,7 +6532,6 @@
               <a:rPr lang="en-US"/>
               <a:t>Click to edit Master title style</a:t>
             </a:r>
-            <a:endParaRPr lang="en-US" dirty="0"/>
           </a:p>
         </p:txBody>
       </p:sp>
@@ -6585,7 +6747,7 @@
           <a:bodyPr rtlCol="0" anchor="ctr"/>
           <a:lstStyle/>
           <a:p>
-            <a:endParaRPr lang="en-US" dirty="0"/>
+            <a:endParaRPr lang="en-US"/>
           </a:p>
         </p:txBody>
       </p:sp>
@@ -6785,7 +6947,7 @@
           <a:bodyPr rtlCol="0" anchor="ctr"/>
           <a:lstStyle/>
           <a:p>
-            <a:endParaRPr lang="en-US" dirty="0"/>
+            <a:endParaRPr lang="en-US"/>
           </a:p>
         </p:txBody>
       </p:sp>
@@ -6929,7 +7091,7 @@
           <a:bodyPr rtlCol="0" anchor="ctr"/>
           <a:lstStyle/>
           <a:p>
-            <a:endParaRPr lang="en-US" dirty="0"/>
+            <a:endParaRPr lang="en-US"/>
           </a:p>
         </p:txBody>
       </p:sp>
@@ -7106,7 +7268,6 @@
               <a:rPr lang="en-US"/>
               <a:t>Click icon to add picture</a:t>
             </a:r>
-            <a:endParaRPr lang="en-US" dirty="0"/>
           </a:p>
         </p:txBody>
       </p:sp>
@@ -7145,7 +7306,7 @@
           </a:lstStyle>
           <a:p>
             <a:r>
-              <a:rPr lang="en-US" dirty="0"/>
+              <a:rPr lang="en-US"/>
               <a:t>Title</a:t>
             </a:r>
           </a:p>
@@ -7186,7 +7347,7 @@
           </a:lstStyle>
           <a:p>
             <a:r>
-              <a:rPr lang="en-US" dirty="0"/>
+              <a:rPr lang="en-US"/>
               <a:t>9/3/20XX</a:t>
             </a:r>
           </a:p>
@@ -7227,7 +7388,7 @@
           </a:lstStyle>
           <a:p>
             <a:r>
-              <a:rPr lang="en-US" dirty="0"/>
+              <a:rPr lang="en-US"/>
               <a:t>Presentation Title</a:t>
             </a:r>
           </a:p>
@@ -7272,7 +7433,7 @@
               <a:pPr/>
               <a:t>‹#›</a:t>
             </a:fld>
-            <a:endParaRPr lang="en-US" dirty="0"/>
+            <a:endParaRPr lang="en-US"/>
           </a:p>
         </p:txBody>
       </p:sp>
@@ -7455,7 +7616,7 @@
           <a:bodyPr rtlCol="0" anchor="ctr"/>
           <a:lstStyle/>
           <a:p>
-            <a:endParaRPr lang="en-US" dirty="0"/>
+            <a:endParaRPr lang="en-US"/>
           </a:p>
         </p:txBody>
       </p:sp>
@@ -7655,7 +7816,7 @@
           <a:bodyPr rtlCol="0" anchor="ctr"/>
           <a:lstStyle/>
           <a:p>
-            <a:endParaRPr lang="en-US" dirty="0"/>
+            <a:endParaRPr lang="en-US"/>
           </a:p>
         </p:txBody>
       </p:sp>
@@ -7799,7 +7960,7 @@
           <a:bodyPr rtlCol="0" anchor="ctr"/>
           <a:lstStyle/>
           <a:p>
-            <a:endParaRPr lang="en-US" dirty="0"/>
+            <a:endParaRPr lang="en-US"/>
           </a:p>
         </p:txBody>
       </p:sp>
@@ -7980,7 +8141,6 @@
               <a:rPr lang="en-US"/>
               <a:t>Click icon to add picture</a:t>
             </a:r>
-            <a:endParaRPr lang="en-US" dirty="0"/>
           </a:p>
         </p:txBody>
       </p:sp>
@@ -8018,7 +8178,6 @@
               <a:rPr lang="en-US"/>
               <a:t>Click to edit Master title style</a:t>
             </a:r>
-            <a:endParaRPr lang="en-US" dirty="0"/>
           </a:p>
         </p:txBody>
       </p:sp>
@@ -8127,7 +8286,7 @@
           </a:lstStyle>
           <a:p>
             <a:r>
-              <a:rPr lang="en-US" dirty="0"/>
+              <a:rPr lang="en-US"/>
               <a:t>9/3/20XX</a:t>
             </a:r>
           </a:p>
@@ -8168,7 +8327,7 @@
           </a:lstStyle>
           <a:p>
             <a:r>
-              <a:rPr lang="en-US" dirty="0"/>
+              <a:rPr lang="en-US"/>
               <a:t>Presentation Title</a:t>
             </a:r>
           </a:p>
@@ -8208,7 +8367,7 @@
               <a:pPr/>
               <a:t>‹#›</a:t>
             </a:fld>
-            <a:endParaRPr lang="en-US" dirty="0"/>
+            <a:endParaRPr lang="en-US"/>
           </a:p>
         </p:txBody>
       </p:sp>
@@ -8357,7 +8516,7 @@
           <a:bodyPr rtlCol="0" anchor="ctr"/>
           <a:lstStyle/>
           <a:p>
-            <a:endParaRPr lang="en-US" dirty="0"/>
+            <a:endParaRPr lang="en-US"/>
           </a:p>
         </p:txBody>
       </p:sp>
@@ -8557,7 +8716,7 @@
           <a:bodyPr rtlCol="0" anchor="ctr"/>
           <a:lstStyle/>
           <a:p>
-            <a:endParaRPr lang="en-US" dirty="0"/>
+            <a:endParaRPr lang="en-US"/>
           </a:p>
         </p:txBody>
       </p:sp>
@@ -8647,7 +8806,6 @@
               <a:rPr lang="en-US"/>
               <a:t>Click to edit Master title style</a:t>
             </a:r>
-            <a:endParaRPr lang="en-US" dirty="0"/>
           </a:p>
         </p:txBody>
       </p:sp>
@@ -8819,7 +8977,7 @@
           <a:bodyPr rtlCol="0" anchor="ctr"/>
           <a:lstStyle/>
           <a:p>
-            <a:endParaRPr lang="en-US" dirty="0"/>
+            <a:endParaRPr lang="en-US"/>
           </a:p>
         </p:txBody>
       </p:sp>
@@ -9019,7 +9177,7 @@
           <a:bodyPr rtlCol="0" anchor="ctr"/>
           <a:lstStyle/>
           <a:p>
-            <a:endParaRPr lang="en-US" dirty="0"/>
+            <a:endParaRPr lang="en-US"/>
           </a:p>
         </p:txBody>
       </p:sp>
@@ -9163,7 +9321,7 @@
           <a:bodyPr rtlCol="0" anchor="ctr"/>
           <a:lstStyle/>
           <a:p>
-            <a:endParaRPr lang="en-US" dirty="0"/>
+            <a:endParaRPr lang="en-US"/>
           </a:p>
         </p:txBody>
       </p:sp>
@@ -9363,7 +9521,7 @@
           <a:bodyPr rtlCol="0" anchor="ctr"/>
           <a:lstStyle/>
           <a:p>
-            <a:endParaRPr lang="en-US" dirty="0"/>
+            <a:endParaRPr lang="en-US"/>
           </a:p>
         </p:txBody>
       </p:sp>
@@ -9459,7 +9617,7 @@
           <a:bodyPr rtlCol="0" anchor="ctr"/>
           <a:lstStyle/>
           <a:p>
-            <a:endParaRPr lang="en-US" dirty="0"/>
+            <a:endParaRPr lang="en-US"/>
           </a:p>
         </p:txBody>
       </p:sp>
@@ -9603,7 +9761,7 @@
           <a:bodyPr rtlCol="0" anchor="ctr"/>
           <a:lstStyle/>
           <a:p>
-            <a:endParaRPr lang="en-US" dirty="0"/>
+            <a:endParaRPr lang="en-US"/>
           </a:p>
         </p:txBody>
       </p:sp>
@@ -9666,7 +9824,6 @@
               <a:rPr lang="en-US"/>
               <a:t>Click to edit Master title style</a:t>
             </a:r>
-            <a:endParaRPr lang="en-US" dirty="0"/>
           </a:p>
         </p:txBody>
       </p:sp>
@@ -9752,7 +9909,7 @@
               <a:rPr lang="en-US" smtClean="0"/>
               <a:t>‹#›</a:t>
             </a:fld>
-            <a:endParaRPr lang="en-US" dirty="0"/>
+            <a:endParaRPr lang="en-US"/>
           </a:p>
         </p:txBody>
       </p:sp>
@@ -9879,7 +10036,6 @@
               <a:rPr lang="en-US"/>
               <a:t>Click to edit Master title style</a:t>
             </a:r>
-            <a:endParaRPr lang="en-US" dirty="0"/>
           </a:p>
         </p:txBody>
       </p:sp>
@@ -9991,7 +10147,7 @@
           </a:lstStyle>
           <a:p>
             <a:r>
-              <a:rPr lang="en-US" dirty="0"/>
+              <a:rPr lang="en-US"/>
               <a:t>Presentation Title</a:t>
             </a:r>
           </a:p>
@@ -10031,7 +10187,7 @@
               <a:pPr/>
               <a:t>‹#›</a:t>
             </a:fld>
-            <a:endParaRPr lang="en-US" dirty="0"/>
+            <a:endParaRPr lang="en-US"/>
           </a:p>
         </p:txBody>
       </p:sp>
@@ -10145,7 +10301,7 @@
           <a:lstStyle/>
           <a:p>
             <a:pPr algn="ctr"/>
-            <a:endParaRPr lang="en-US" dirty="0"/>
+            <a:endParaRPr lang="en-US"/>
           </a:p>
         </p:txBody>
       </p:sp>
@@ -10188,7 +10344,6 @@
               <a:rPr lang="en-US"/>
               <a:t>Click icon to add picture</a:t>
             </a:r>
-            <a:endParaRPr lang="en-US" dirty="0"/>
           </a:p>
         </p:txBody>
       </p:sp>
@@ -10273,7 +10428,7 @@
           </a:lstStyle>
           <a:p>
             <a:r>
-              <a:rPr lang="en-US" dirty="0"/>
+              <a:rPr lang="en-US"/>
               <a:t>Title</a:t>
             </a:r>
           </a:p>
@@ -10412,7 +10567,7 @@
           </a:lstStyle>
           <a:p>
             <a:r>
-              <a:rPr lang="en-US" dirty="0"/>
+              <a:rPr lang="en-US"/>
               <a:t>9/3/20XX</a:t>
             </a:r>
           </a:p>
@@ -10453,7 +10608,7 @@
           </a:lstStyle>
           <a:p>
             <a:r>
-              <a:rPr lang="en-US" dirty="0"/>
+              <a:rPr lang="en-US"/>
               <a:t>Presentation Title</a:t>
             </a:r>
           </a:p>
@@ -10493,7 +10648,7 @@
               <a:pPr/>
               <a:t>‹#›</a:t>
             </a:fld>
-            <a:endParaRPr lang="en-US" dirty="0"/>
+            <a:endParaRPr lang="en-US"/>
           </a:p>
         </p:txBody>
       </p:sp>
@@ -10693,7 +10848,7 @@
           <a:bodyPr rtlCol="0" anchor="ctr"/>
           <a:lstStyle/>
           <a:p>
-            <a:endParaRPr lang="en-US" dirty="0"/>
+            <a:endParaRPr lang="en-US"/>
           </a:p>
         </p:txBody>
       </p:sp>
@@ -10837,7 +10992,7 @@
           <a:bodyPr rtlCol="0" anchor="ctr"/>
           <a:lstStyle/>
           <a:p>
-            <a:endParaRPr lang="en-US" dirty="0"/>
+            <a:endParaRPr lang="en-US"/>
           </a:p>
         </p:txBody>
       </p:sp>
@@ -10976,7 +11131,6 @@
               <a:rPr lang="en-US"/>
               <a:t>Fifth level</a:t>
             </a:r>
-            <a:endParaRPr lang="en-US" dirty="0"/>
           </a:p>
         </p:txBody>
       </p:sp>
@@ -11309,7 +11463,7 @@
           <a:bodyPr rtlCol="0" anchor="ctr"/>
           <a:lstStyle/>
           <a:p>
-            <a:endParaRPr lang="en-US" dirty="0"/>
+            <a:endParaRPr lang="en-US"/>
           </a:p>
         </p:txBody>
       </p:sp>
@@ -11453,7 +11607,7 @@
           <a:bodyPr rtlCol="0" anchor="ctr"/>
           <a:lstStyle/>
           <a:p>
-            <a:endParaRPr lang="en-US" dirty="0"/>
+            <a:endParaRPr lang="en-US"/>
           </a:p>
         </p:txBody>
       </p:sp>
@@ -11549,7 +11703,7 @@
           <a:bodyPr rtlCol="0" anchor="ctr"/>
           <a:lstStyle/>
           <a:p>
-            <a:endParaRPr lang="en-US" dirty="0"/>
+            <a:endParaRPr lang="en-US"/>
           </a:p>
         </p:txBody>
       </p:sp>
@@ -11733,7 +11887,7 @@
           </a:lstStyle>
           <a:p>
             <a:r>
-              <a:rPr lang="en-US" dirty="0"/>
+              <a:rPr lang="en-US"/>
               <a:t>9/3/20XX</a:t>
             </a:r>
           </a:p>
@@ -11779,7 +11933,7 @@
           </a:lstStyle>
           <a:p>
             <a:r>
-              <a:rPr lang="en-US" dirty="0"/>
+              <a:rPr lang="en-US"/>
               <a:t>Presentation Title</a:t>
             </a:r>
           </a:p>
@@ -11828,7 +11982,7 @@
               <a:rPr lang="en-US" smtClean="0"/>
               <a:t>‹#›</a:t>
             </a:fld>
-            <a:endParaRPr lang="en-US" dirty="0"/>
+            <a:endParaRPr lang="en-US"/>
           </a:p>
         </p:txBody>
       </p:sp>
@@ -12182,14 +12336,14 @@
           <a:lstStyle/>
           <a:p>
             <a:r>
-              <a:rPr lang="nb-NO" dirty="0"/>
+              <a:rPr lang="nb-NO"/>
               <a:t>Min/</a:t>
             </a:r>
             <a:r>
-              <a:rPr lang="nb-NO" dirty="0" err="1"/>
+              <a:rPr lang="nb-NO" err="1"/>
               <a:t>max</a:t>
             </a:r>
-            <a:endParaRPr lang="en-US" dirty="0"/>
+            <a:endParaRPr lang="en-US"/>
           </a:p>
         </p:txBody>
       </p:sp>
@@ -12215,7 +12369,7 @@
           <a:lstStyle/>
           <a:p>
             <a:r>
-              <a:rPr lang="en-US" sz="2000" dirty="0">
+              <a:rPr lang="en-US" sz="2000">
                 <a:solidFill>
                   <a:schemeClr val="bg1"/>
                 </a:solidFill>
@@ -12225,17 +12379,17 @@
           </a:p>
           <a:p>
             <a:r>
-              <a:rPr lang="en-US" dirty="0"/>
+              <a:rPr lang="en-US"/>
               <a:t>Kristoffer Eriksen Beck</a:t>
             </a:r>
-            <a:endParaRPr lang="en-US" sz="2000" dirty="0">
+            <a:endParaRPr lang="en-US" sz="2000">
               <a:solidFill>
                 <a:schemeClr val="bg1"/>
               </a:solidFill>
             </a:endParaRPr>
           </a:p>
           <a:p>
-            <a:endParaRPr lang="en-US" dirty="0"/>
+            <a:endParaRPr lang="en-US"/>
           </a:p>
         </p:txBody>
       </p:sp>
@@ -12274,7 +12428,7 @@
           <p:cNvPr id="2" name="Title 1">
             <a:extLst>
               <a:ext uri="{FF2B5EF4-FFF2-40B4-BE49-F238E27FC236}">
-                <a16:creationId xmlns:a16="http://schemas.microsoft.com/office/drawing/2014/main" id="{94FDFB95-2803-4882-8DE6-333A75D37240}"/>
+                <a16:creationId xmlns:a16="http://schemas.microsoft.com/office/drawing/2014/main" id="{C5F2FB0B-15EC-453B-BC9B-69AD35DDCEA3}"/>
               </a:ext>
             </a:extLst>
           </p:cNvPr>
@@ -12291,10 +12445,15 @@
           <a:lstStyle/>
           <a:p>
             <a:r>
-              <a:rPr lang="en-US" sz="3600" dirty="0"/>
-              <a:t>The way to get started is to quit talking and begin doing.</a:t>
+              <a:rPr lang="en-US" b="1" cap="all" spc="400">
+                <a:solidFill>
+                  <a:schemeClr val="bg1"/>
+                </a:solidFill>
+                <a:latin typeface="+mn-lt"/>
+              </a:rPr>
+              <a:t>Performance Evaluations</a:t>
             </a:r>
-            <a:endParaRPr lang="en-US" dirty="0"/>
+            <a:endParaRPr lang="en-US"/>
           </a:p>
         </p:txBody>
       </p:sp>
@@ -12303,7 +12462,7 @@
           <p:cNvPr id="3" name="Subtitle 2">
             <a:extLst>
               <a:ext uri="{FF2B5EF4-FFF2-40B4-BE49-F238E27FC236}">
-                <a16:creationId xmlns:a16="http://schemas.microsoft.com/office/drawing/2014/main" id="{8AFC25C2-2815-4A92-A043-0CEC83591A94}"/>
+                <a16:creationId xmlns:a16="http://schemas.microsoft.com/office/drawing/2014/main" id="{05408798-0DB3-46BF-880E-7BB904D700F6}"/>
               </a:ext>
             </a:extLst>
           </p:cNvPr>
@@ -12320,97 +12479,21 @@
           <a:lstStyle/>
           <a:p>
             <a:r>
-              <a:rPr lang="en-US" sz="1800" dirty="0"/>
-              <a:t>Walt Disney</a:t>
+              <a:rPr lang="en-US" sz="2000">
+                <a:solidFill>
+                  <a:schemeClr val="bg1"/>
+                </a:solidFill>
+              </a:rPr>
+              <a:t>Speedup and Efficiency</a:t>
             </a:r>
-          </a:p>
-        </p:txBody>
-      </p:sp>
-      <p:pic>
-        <p:nvPicPr>
-          <p:cNvPr id="8" name="Picture Placeholder 7" descr="mountains at sunset">
-            <a:extLst>
-              <a:ext uri="{FF2B5EF4-FFF2-40B4-BE49-F238E27FC236}">
-                <a16:creationId xmlns:a16="http://schemas.microsoft.com/office/drawing/2014/main" id="{8DD372BB-220C-48D2-B19A-562BE88C2109}"/>
-              </a:ext>
-            </a:extLst>
-          </p:cNvPr>
-          <p:cNvPicPr>
-            <a:picLocks noGrp="1" noChangeAspect="1"/>
-          </p:cNvPicPr>
-          <p:nvPr>
-            <p:ph type="pic" sz="quarter" idx="13"/>
-          </p:nvPr>
-        </p:nvPicPr>
-        <p:blipFill rotWithShape="1">
-          <a:blip r:embed="rId2"/>
-          <a:srcRect/>
-          <a:stretch/>
-        </p:blipFill>
-        <p:spPr/>
-      </p:pic>
-      <p:sp>
-        <p:nvSpPr>
-          <p:cNvPr id="9" name="Footer Placeholder 8">
-            <a:extLst>
-              <a:ext uri="{FF2B5EF4-FFF2-40B4-BE49-F238E27FC236}">
-                <a16:creationId xmlns:a16="http://schemas.microsoft.com/office/drawing/2014/main" id="{A2055D38-CE59-4FC4-85CE-CF9DA81D858C}"/>
-              </a:ext>
-            </a:extLst>
-          </p:cNvPr>
-          <p:cNvSpPr>
-            <a:spLocks noGrp="1"/>
-          </p:cNvSpPr>
-          <p:nvPr>
-            <p:ph type="ftr" sz="quarter" idx="11"/>
-          </p:nvPr>
-        </p:nvSpPr>
-        <p:spPr/>
-        <p:txBody>
-          <a:bodyPr/>
-          <a:lstStyle/>
-          <a:p>
-            <a:r>
-              <a:rPr lang="en-US" dirty="0"/>
-              <a:t>Presentation Title</a:t>
-            </a:r>
-          </a:p>
-        </p:txBody>
-      </p:sp>
-      <p:sp>
-        <p:nvSpPr>
-          <p:cNvPr id="10" name="Slide Number Placeholder 9">
-            <a:extLst>
-              <a:ext uri="{FF2B5EF4-FFF2-40B4-BE49-F238E27FC236}">
-                <a16:creationId xmlns:a16="http://schemas.microsoft.com/office/drawing/2014/main" id="{FE0D311A-C366-4A86-9404-C0F5CBF9C811}"/>
-              </a:ext>
-            </a:extLst>
-          </p:cNvPr>
-          <p:cNvSpPr>
-            <a:spLocks noGrp="1"/>
-          </p:cNvSpPr>
-          <p:nvPr>
-            <p:ph type="sldNum" sz="quarter" idx="12"/>
-          </p:nvPr>
-        </p:nvSpPr>
-        <p:spPr/>
-        <p:txBody>
-          <a:bodyPr/>
-          <a:lstStyle/>
-          <a:p>
-            <a:fld id="{D8DA9DAA-006C-4F4B-980E-E3DF019B24E2}" type="slidenum">
-              <a:rPr lang="en-US" smtClean="0"/>
-              <a:pPr/>
-              <a:t>10</a:t>
-            </a:fld>
-            <a:endParaRPr lang="en-US" dirty="0"/>
+            <a:endParaRPr lang="en-US"/>
           </a:p>
         </p:txBody>
       </p:sp>
     </p:spTree>
     <p:extLst>
       <p:ext uri="{BB962C8B-B14F-4D97-AF65-F5344CB8AC3E}">
-        <p14:creationId xmlns:p14="http://schemas.microsoft.com/office/powerpoint/2010/main" val="3561473475"/>
+        <p14:creationId xmlns:p14="http://schemas.microsoft.com/office/powerpoint/2010/main" val="3196366112"/>
       </p:ext>
     </p:extLst>
   </p:cSld>
@@ -12439,94 +12522,10 @@
       </p:grpSpPr>
       <p:sp>
         <p:nvSpPr>
-          <p:cNvPr id="2" name="Title 1">
-            <a:extLst>
-              <a:ext uri="{FF2B5EF4-FFF2-40B4-BE49-F238E27FC236}">
-                <a16:creationId xmlns:a16="http://schemas.microsoft.com/office/drawing/2014/main" id="{C5F2FB0B-15EC-453B-BC9B-69AD35DDCEA3}"/>
-              </a:ext>
-            </a:extLst>
-          </p:cNvPr>
-          <p:cNvSpPr>
-            <a:spLocks noGrp="1"/>
-          </p:cNvSpPr>
-          <p:nvPr>
-            <p:ph type="ctrTitle"/>
-          </p:nvPr>
-        </p:nvSpPr>
-        <p:spPr/>
-        <p:txBody>
-          <a:bodyPr/>
-          <a:lstStyle/>
-          <a:p>
-            <a:r>
-              <a:rPr lang="nb-NO" dirty="0" err="1"/>
-              <a:t>Conclusions</a:t>
-            </a:r>
-            <a:endParaRPr lang="en-US" dirty="0"/>
-          </a:p>
-        </p:txBody>
-      </p:sp>
-      <p:sp>
-        <p:nvSpPr>
-          <p:cNvPr id="3" name="Subtitle 2">
-            <a:extLst>
-              <a:ext uri="{FF2B5EF4-FFF2-40B4-BE49-F238E27FC236}">
-                <a16:creationId xmlns:a16="http://schemas.microsoft.com/office/drawing/2014/main" id="{05408798-0DB3-46BF-880E-7BB904D700F6}"/>
-              </a:ext>
-            </a:extLst>
-          </p:cNvPr>
-          <p:cNvSpPr>
-            <a:spLocks noGrp="1"/>
-          </p:cNvSpPr>
-          <p:nvPr>
-            <p:ph type="subTitle" idx="1"/>
-          </p:nvPr>
-        </p:nvSpPr>
-        <p:spPr/>
-        <p:txBody>
-          <a:bodyPr/>
-          <a:lstStyle/>
-          <a:p>
-            <a:endParaRPr lang="en-US" dirty="0"/>
-          </a:p>
-        </p:txBody>
-      </p:sp>
-    </p:spTree>
-    <p:extLst>
-      <p:ext uri="{BB962C8B-B14F-4D97-AF65-F5344CB8AC3E}">
-        <p14:creationId xmlns:p14="http://schemas.microsoft.com/office/powerpoint/2010/main" val="378010570"/>
-      </p:ext>
-    </p:extLst>
-  </p:cSld>
-  <p:clrMapOvr>
-    <a:masterClrMapping/>
-  </p:clrMapOvr>
-</p:sld>
-</file>
-
-<file path=ppt/slides/slide12.xml><?xml version="1.0" encoding="utf-8"?>
-<p:sld xmlns:a="http://schemas.openxmlformats.org/drawingml/2006/main" xmlns:r="http://schemas.openxmlformats.org/officeDocument/2006/relationships" xmlns:p="http://schemas.openxmlformats.org/presentationml/2006/main">
-  <p:cSld>
-    <p:spTree>
-      <p:nvGrpSpPr>
-        <p:cNvPr id="1" name=""/>
-        <p:cNvGrpSpPr/>
-        <p:nvPr/>
-      </p:nvGrpSpPr>
-      <p:grpSpPr>
-        <a:xfrm>
-          <a:off x="0" y="0"/>
-          <a:ext cx="0" cy="0"/>
-          <a:chOff x="0" y="0"/>
-          <a:chExt cx="0" cy="0"/>
-        </a:xfrm>
-      </p:grpSpPr>
-      <p:sp>
-        <p:nvSpPr>
-          <p:cNvPr id="2" name="Title 1">
-            <a:extLst>
-              <a:ext uri="{FF2B5EF4-FFF2-40B4-BE49-F238E27FC236}">
-                <a16:creationId xmlns:a16="http://schemas.microsoft.com/office/drawing/2014/main" id="{CFACDA59-55A0-4EA5-B3E4-646D1D3B4CEB}"/>
+          <p:cNvPr id="4" name="Title 3">
+            <a:extLst>
+              <a:ext uri="{FF2B5EF4-FFF2-40B4-BE49-F238E27FC236}">
+                <a16:creationId xmlns:a16="http://schemas.microsoft.com/office/drawing/2014/main" id="{55E27C7C-4B68-4BBC-BF36-8959D8493E4A}"/>
               </a:ext>
             </a:extLst>
           </p:cNvPr>
@@ -12545,1097 +12544,19 @@
           <a:lstStyle/>
           <a:p>
             <a:r>
-              <a:rPr lang="en-US" sz="5400" dirty="0"/>
-              <a:t>Title</a:t>
+              <a:rPr lang="en-US"/>
+              <a:t>Min/Max performance</a:t>
             </a:r>
-          </a:p>
-        </p:txBody>
-      </p:sp>
-      <p:sp>
-        <p:nvSpPr>
-          <p:cNvPr id="3" name="Text Placeholder 2">
-            <a:extLst>
-              <a:ext uri="{FF2B5EF4-FFF2-40B4-BE49-F238E27FC236}">
-                <a16:creationId xmlns:a16="http://schemas.microsoft.com/office/drawing/2014/main" id="{D14ABC42-7E22-4F59-A0B6-AD98B5CAE0C5}"/>
-              </a:ext>
-            </a:extLst>
-          </p:cNvPr>
-          <p:cNvSpPr>
-            <a:spLocks noGrp="1"/>
-          </p:cNvSpPr>
-          <p:nvPr>
-            <p:ph type="body" idx="1"/>
-          </p:nvPr>
-        </p:nvSpPr>
-        <p:spPr>
-          <a:xfrm>
-            <a:off x="1447800" y="1681163"/>
-            <a:ext cx="4549775" cy="823912"/>
-          </a:xfrm>
-        </p:spPr>
-        <p:txBody>
-          <a:bodyPr/>
-          <a:lstStyle/>
-          <a:p>
-            <a:r>
-              <a:rPr lang="en-US" dirty="0"/>
-              <a:t>Subtitle</a:t>
-            </a:r>
-          </a:p>
-        </p:txBody>
-      </p:sp>
-      <p:sp>
-        <p:nvSpPr>
-          <p:cNvPr id="4" name="Content Placeholder 3">
-            <a:extLst>
-              <a:ext uri="{FF2B5EF4-FFF2-40B4-BE49-F238E27FC236}">
-                <a16:creationId xmlns:a16="http://schemas.microsoft.com/office/drawing/2014/main" id="{1FE9CB6C-6FF8-4B8C-9B41-2DDD39B25DE3}"/>
-              </a:ext>
-            </a:extLst>
-          </p:cNvPr>
-          <p:cNvSpPr>
-            <a:spLocks noGrp="1"/>
-          </p:cNvSpPr>
-          <p:nvPr>
-            <p:ph sz="half" idx="2"/>
-          </p:nvPr>
-        </p:nvSpPr>
-        <p:spPr>
-          <a:xfrm>
-            <a:off x="1447800" y="2505075"/>
-            <a:ext cx="4549775" cy="3684588"/>
-          </a:xfrm>
-        </p:spPr>
-        <p:txBody>
-          <a:bodyPr>
-            <a:normAutofit/>
-          </a:bodyPr>
-          <a:lstStyle/>
-          <a:p>
-            <a:r>
-              <a:rPr lang="en-US" sz="2000" dirty="0"/>
-              <a:t>Add text, images, art, and videos. </a:t>
-            </a:r>
-          </a:p>
-          <a:p>
-            <a:r>
-              <a:rPr lang="en-US" sz="2000" dirty="0"/>
-              <a:t>Add transitions, animations, and motion. </a:t>
-            </a:r>
-          </a:p>
-          <a:p>
-            <a:r>
-              <a:rPr lang="en-US" sz="2000" dirty="0"/>
-              <a:t>Save to OneDrive, to get to your presentations from your computer, tablet, or phone. </a:t>
-            </a:r>
-          </a:p>
-        </p:txBody>
-      </p:sp>
-      <p:sp>
-        <p:nvSpPr>
-          <p:cNvPr id="5" name="Text Placeholder 4">
-            <a:extLst>
-              <a:ext uri="{FF2B5EF4-FFF2-40B4-BE49-F238E27FC236}">
-                <a16:creationId xmlns:a16="http://schemas.microsoft.com/office/drawing/2014/main" id="{2347FB98-C049-45C5-86B4-4CF44B247B2C}"/>
-              </a:ext>
-            </a:extLst>
-          </p:cNvPr>
-          <p:cNvSpPr>
-            <a:spLocks noGrp="1"/>
-          </p:cNvSpPr>
-          <p:nvPr>
-            <p:ph type="body" sz="quarter" idx="3"/>
-          </p:nvPr>
-        </p:nvSpPr>
-        <p:spPr>
-          <a:xfrm>
-            <a:off x="6783206" y="1681163"/>
-            <a:ext cx="4572182" cy="823912"/>
-          </a:xfrm>
-        </p:spPr>
-        <p:txBody>
-          <a:bodyPr/>
-          <a:lstStyle/>
-          <a:p>
-            <a:r>
-              <a:rPr lang="en-US" dirty="0"/>
-              <a:t>Subtitle</a:t>
-            </a:r>
-          </a:p>
-        </p:txBody>
-      </p:sp>
-      <p:sp>
-        <p:nvSpPr>
-          <p:cNvPr id="6" name="Content Placeholder 5">
-            <a:extLst>
-              <a:ext uri="{FF2B5EF4-FFF2-40B4-BE49-F238E27FC236}">
-                <a16:creationId xmlns:a16="http://schemas.microsoft.com/office/drawing/2014/main" id="{5A74CB9D-E60B-4C8A-B4E7-23BC1D9FA66E}"/>
-              </a:ext>
-            </a:extLst>
-          </p:cNvPr>
-          <p:cNvSpPr>
-            <a:spLocks noGrp="1"/>
-          </p:cNvSpPr>
-          <p:nvPr>
-            <p:ph sz="quarter" idx="4"/>
-          </p:nvPr>
-        </p:nvSpPr>
-        <p:spPr>
-          <a:xfrm>
-            <a:off x="6783206" y="2505075"/>
-            <a:ext cx="4572182" cy="3684588"/>
-          </a:xfrm>
-        </p:spPr>
-        <p:txBody>
-          <a:bodyPr>
-            <a:normAutofit/>
-          </a:bodyPr>
-          <a:lstStyle/>
-          <a:p>
-            <a:r>
-              <a:rPr lang="en-US" sz="2000" dirty="0"/>
-              <a:t>Open the Design Ideas pane for instant slide makeovers. </a:t>
-            </a:r>
-          </a:p>
-          <a:p>
-            <a:r>
-              <a:rPr lang="en-US" sz="2000" dirty="0"/>
-              <a:t>When we have design ideas, we’ll show them to you right there. </a:t>
-            </a:r>
-          </a:p>
-        </p:txBody>
-      </p:sp>
-    </p:spTree>
-    <p:extLst>
-      <p:ext uri="{BB962C8B-B14F-4D97-AF65-F5344CB8AC3E}">
-        <p14:creationId xmlns:p14="http://schemas.microsoft.com/office/powerpoint/2010/main" val="3124766000"/>
-      </p:ext>
-    </p:extLst>
-  </p:cSld>
-  <p:clrMapOvr>
-    <a:masterClrMapping/>
-  </p:clrMapOvr>
-</p:sld>
-</file>
-
-<file path=ppt/slides/slide13.xml><?xml version="1.0" encoding="utf-8"?>
-<p:sld xmlns:a="http://schemas.openxmlformats.org/drawingml/2006/main" xmlns:r="http://schemas.openxmlformats.org/officeDocument/2006/relationships" xmlns:p="http://schemas.openxmlformats.org/presentationml/2006/main">
-  <p:cSld>
-    <p:spTree>
-      <p:nvGrpSpPr>
-        <p:cNvPr id="1" name=""/>
-        <p:cNvGrpSpPr/>
-        <p:nvPr/>
-      </p:nvGrpSpPr>
-      <p:grpSpPr>
-        <a:xfrm>
-          <a:off x="0" y="0"/>
-          <a:ext cx="0" cy="0"/>
-          <a:chOff x="0" y="0"/>
-          <a:chExt cx="0" cy="0"/>
-        </a:xfrm>
-      </p:grpSpPr>
-      <p:sp>
-        <p:nvSpPr>
-          <p:cNvPr id="24" name="Slide Number Placeholder 23">
-            <a:extLst>
-              <a:ext uri="{FF2B5EF4-FFF2-40B4-BE49-F238E27FC236}">
-                <a16:creationId xmlns:a16="http://schemas.microsoft.com/office/drawing/2014/main" id="{5D838446-B95D-4AB7-B8CA-D5804BB79A11}"/>
-              </a:ext>
-            </a:extLst>
-          </p:cNvPr>
-          <p:cNvSpPr>
-            <a:spLocks noGrp="1"/>
-          </p:cNvSpPr>
-          <p:nvPr>
-            <p:ph type="sldNum" sz="quarter" idx="12"/>
-          </p:nvPr>
-        </p:nvSpPr>
-        <p:spPr/>
-        <p:txBody>
-          <a:bodyPr/>
-          <a:lstStyle/>
-          <a:p>
-            <a:fld id="{D8DA9DAA-006C-4F4B-980E-E3DF019B24E2}" type="slidenum">
-              <a:rPr lang="en-US" smtClean="0"/>
-              <a:pPr/>
-              <a:t>13</a:t>
-            </a:fld>
-            <a:endParaRPr lang="en-US" dirty="0"/>
-          </a:p>
-        </p:txBody>
-      </p:sp>
-      <p:sp>
-        <p:nvSpPr>
-          <p:cNvPr id="23" name="Footer Placeholder 22">
-            <a:extLst>
-              <a:ext uri="{FF2B5EF4-FFF2-40B4-BE49-F238E27FC236}">
-                <a16:creationId xmlns:a16="http://schemas.microsoft.com/office/drawing/2014/main" id="{DE8D546E-0F46-4CC0-B2B1-8B2430D00C0C}"/>
-              </a:ext>
-            </a:extLst>
-          </p:cNvPr>
-          <p:cNvSpPr>
-            <a:spLocks noGrp="1"/>
-          </p:cNvSpPr>
-          <p:nvPr>
-            <p:ph type="ftr" sz="quarter" idx="11"/>
-          </p:nvPr>
-        </p:nvSpPr>
-        <p:spPr/>
-        <p:txBody>
-          <a:bodyPr/>
-          <a:lstStyle/>
-          <a:p>
-            <a:r>
-              <a:rPr lang="en-US" dirty="0"/>
-              <a:t>Presentation Title</a:t>
-            </a:r>
-          </a:p>
-        </p:txBody>
-      </p:sp>
-      <p:pic>
-        <p:nvPicPr>
-          <p:cNvPr id="9" name="Picture Placeholder 8" descr="mountains at sunset">
-            <a:extLst>
-              <a:ext uri="{FF2B5EF4-FFF2-40B4-BE49-F238E27FC236}">
-                <a16:creationId xmlns:a16="http://schemas.microsoft.com/office/drawing/2014/main" id="{C82DA925-978C-48A9-98AD-0653B7A3D2D9}"/>
-              </a:ext>
-            </a:extLst>
-          </p:cNvPr>
-          <p:cNvPicPr>
-            <a:picLocks noGrp="1" noChangeAspect="1"/>
-          </p:cNvPicPr>
-          <p:nvPr>
-            <p:ph type="pic" sz="quarter" idx="14"/>
-          </p:nvPr>
-        </p:nvPicPr>
-        <p:blipFill rotWithShape="1">
-          <a:blip r:embed="rId2"/>
-          <a:srcRect t="41" b="41"/>
-          <a:stretch/>
-        </p:blipFill>
-        <p:spPr/>
-      </p:pic>
-      <p:pic>
-        <p:nvPicPr>
-          <p:cNvPr id="11" name="Picture Placeholder 10" descr="mountains at sunset">
-            <a:extLst>
-              <a:ext uri="{FF2B5EF4-FFF2-40B4-BE49-F238E27FC236}">
-                <a16:creationId xmlns:a16="http://schemas.microsoft.com/office/drawing/2014/main" id="{E63B7C3F-04A4-43F6-881D-FA11061CBAFA}"/>
-              </a:ext>
-            </a:extLst>
-          </p:cNvPr>
-          <p:cNvPicPr>
-            <a:picLocks noGrp="1" noChangeAspect="1"/>
-          </p:cNvPicPr>
-          <p:nvPr>
-            <p:ph type="pic" sz="quarter" idx="15"/>
-          </p:nvPr>
-        </p:nvPicPr>
-        <p:blipFill rotWithShape="1">
-          <a:blip r:embed="rId3"/>
-          <a:srcRect t="347" b="347"/>
-          <a:stretch/>
-        </p:blipFill>
-        <p:spPr/>
-      </p:pic>
-      <p:sp>
-        <p:nvSpPr>
-          <p:cNvPr id="6" name="Title 5">
-            <a:extLst>
-              <a:ext uri="{FF2B5EF4-FFF2-40B4-BE49-F238E27FC236}">
-                <a16:creationId xmlns:a16="http://schemas.microsoft.com/office/drawing/2014/main" id="{FF777B66-94CB-491C-AC6B-BDAC98E21D57}"/>
-              </a:ext>
-            </a:extLst>
-          </p:cNvPr>
-          <p:cNvSpPr>
-            <a:spLocks noGrp="1"/>
-          </p:cNvSpPr>
-          <p:nvPr>
-            <p:ph type="title"/>
-          </p:nvPr>
-        </p:nvSpPr>
-        <p:spPr/>
-        <p:txBody>
-          <a:bodyPr/>
-          <a:lstStyle/>
-          <a:p>
-            <a:r>
-              <a:rPr lang="en-US" dirty="0"/>
-              <a:t>Thank you</a:t>
-            </a:r>
-          </a:p>
-        </p:txBody>
-      </p:sp>
-      <p:sp>
-        <p:nvSpPr>
-          <p:cNvPr id="7" name="Text Placeholder 6">
-            <a:extLst>
-              <a:ext uri="{FF2B5EF4-FFF2-40B4-BE49-F238E27FC236}">
-                <a16:creationId xmlns:a16="http://schemas.microsoft.com/office/drawing/2014/main" id="{42AF1107-8D35-4E35-93C7-D3640946F742}"/>
-              </a:ext>
-            </a:extLst>
-          </p:cNvPr>
-          <p:cNvSpPr>
-            <a:spLocks noGrp="1"/>
-          </p:cNvSpPr>
-          <p:nvPr>
-            <p:ph type="body" sz="quarter" idx="13"/>
-          </p:nvPr>
-        </p:nvSpPr>
-        <p:spPr/>
-        <p:txBody>
-          <a:bodyPr/>
-          <a:lstStyle/>
-          <a:p>
-            <a:r>
-              <a:rPr lang="en-US" dirty="0"/>
-              <a:t>Presenter name</a:t>
-            </a:r>
-          </a:p>
-          <a:p>
-            <a:r>
-              <a:rPr lang="en-US" dirty="0"/>
-              <a:t>Email address</a:t>
-            </a:r>
-          </a:p>
-          <a:p>
-            <a:r>
-              <a:rPr lang="en-US" dirty="0"/>
-              <a:t>Website</a:t>
-            </a:r>
-          </a:p>
-          <a:p>
-            <a:endParaRPr lang="en-US" dirty="0"/>
-          </a:p>
-        </p:txBody>
-      </p:sp>
-      <p:pic>
-        <p:nvPicPr>
-          <p:cNvPr id="15" name="Picture Placeholder 14" descr="mountains under near dusk sky">
-            <a:extLst>
-              <a:ext uri="{FF2B5EF4-FFF2-40B4-BE49-F238E27FC236}">
-                <a16:creationId xmlns:a16="http://schemas.microsoft.com/office/drawing/2014/main" id="{3D15FDC1-74B5-4FD8-BD17-0E2502C411A6}"/>
-              </a:ext>
-            </a:extLst>
-          </p:cNvPr>
-          <p:cNvPicPr>
-            <a:picLocks noGrp="1" noChangeAspect="1"/>
-          </p:cNvPicPr>
-          <p:nvPr>
-            <p:ph type="pic" sz="quarter" idx="17"/>
-          </p:nvPr>
-        </p:nvPicPr>
-        <p:blipFill rotWithShape="1">
-          <a:blip r:embed="rId4"/>
-          <a:srcRect l="16" r="16"/>
-          <a:stretch/>
-        </p:blipFill>
-        <p:spPr/>
-      </p:pic>
-      <p:pic>
-        <p:nvPicPr>
-          <p:cNvPr id="13" name="Picture Placeholder 12" descr="mountains under the night sky just before dawn">
-            <a:extLst>
-              <a:ext uri="{FF2B5EF4-FFF2-40B4-BE49-F238E27FC236}">
-                <a16:creationId xmlns:a16="http://schemas.microsoft.com/office/drawing/2014/main" id="{E02C4914-F076-4415-9C5D-A9BDB6CC6110}"/>
-              </a:ext>
-            </a:extLst>
-          </p:cNvPr>
-          <p:cNvPicPr>
-            <a:picLocks noGrp="1" noChangeAspect="1"/>
-          </p:cNvPicPr>
-          <p:nvPr>
-            <p:ph type="pic" sz="quarter" idx="16"/>
-          </p:nvPr>
-        </p:nvPicPr>
-        <p:blipFill rotWithShape="1">
-          <a:blip r:embed="rId5"/>
-          <a:srcRect t="108" b="108"/>
-          <a:stretch/>
-        </p:blipFill>
-        <p:spPr/>
-      </p:pic>
-    </p:spTree>
-    <p:extLst>
-      <p:ext uri="{BB962C8B-B14F-4D97-AF65-F5344CB8AC3E}">
-        <p14:creationId xmlns:p14="http://schemas.microsoft.com/office/powerpoint/2010/main" val="927313156"/>
-      </p:ext>
-    </p:extLst>
-  </p:cSld>
-  <p:clrMapOvr>
-    <a:masterClrMapping/>
-  </p:clrMapOvr>
-</p:sld>
-</file>
-
-<file path=ppt/slides/slide2.xml><?xml version="1.0" encoding="utf-8"?>
-<p:sld xmlns:a="http://schemas.openxmlformats.org/drawingml/2006/main" xmlns:r="http://schemas.openxmlformats.org/officeDocument/2006/relationships" xmlns:p="http://schemas.openxmlformats.org/presentationml/2006/main">
-  <p:cSld>
-    <p:spTree>
-      <p:nvGrpSpPr>
-        <p:cNvPr id="1" name=""/>
-        <p:cNvGrpSpPr/>
-        <p:nvPr/>
-      </p:nvGrpSpPr>
-      <p:grpSpPr>
-        <a:xfrm>
-          <a:off x="0" y="0"/>
-          <a:ext cx="0" cy="0"/>
-          <a:chOff x="0" y="0"/>
-          <a:chExt cx="0" cy="0"/>
-        </a:xfrm>
-      </p:grpSpPr>
-      <p:sp>
-        <p:nvSpPr>
-          <p:cNvPr id="3" name="Title 2">
-            <a:extLst>
-              <a:ext uri="{FF2B5EF4-FFF2-40B4-BE49-F238E27FC236}">
-                <a16:creationId xmlns:a16="http://schemas.microsoft.com/office/drawing/2014/main" id="{1DDBBC93-70DF-4E4E-98E3-08124185AB18}"/>
-              </a:ext>
-            </a:extLst>
-          </p:cNvPr>
-          <p:cNvSpPr>
-            <a:spLocks noGrp="1"/>
-          </p:cNvSpPr>
-          <p:nvPr>
-            <p:ph type="title"/>
-          </p:nvPr>
-        </p:nvSpPr>
-        <p:spPr/>
-        <p:txBody>
-          <a:bodyPr/>
-          <a:lstStyle/>
-          <a:p>
-            <a:r>
-              <a:rPr lang="en-US" b="1" cap="all" spc="400" dirty="0">
-                <a:solidFill>
-                  <a:schemeClr val="bg1"/>
-                </a:solidFill>
-                <a:latin typeface="+mn-lt"/>
-              </a:rPr>
-              <a:t>Agenda</a:t>
-            </a:r>
-            <a:endParaRPr lang="en-US" dirty="0"/>
-          </a:p>
-        </p:txBody>
-      </p:sp>
-      <p:sp>
-        <p:nvSpPr>
-          <p:cNvPr id="4" name="Text Placeholder 3">
-            <a:extLst>
-              <a:ext uri="{FF2B5EF4-FFF2-40B4-BE49-F238E27FC236}">
-                <a16:creationId xmlns:a16="http://schemas.microsoft.com/office/drawing/2014/main" id="{65DE74E9-AA78-46C1-845A-0B72FA8AF35E}"/>
-              </a:ext>
-            </a:extLst>
-          </p:cNvPr>
-          <p:cNvSpPr>
-            <a:spLocks noGrp="1"/>
-          </p:cNvSpPr>
-          <p:nvPr>
-            <p:ph type="body" sz="quarter" idx="13"/>
-          </p:nvPr>
-        </p:nvSpPr>
-        <p:spPr/>
-        <p:txBody>
-          <a:bodyPr/>
-          <a:lstStyle/>
-          <a:p>
-            <a:pPr algn="r"/>
-            <a:r>
-              <a:rPr lang="en-US" sz="1800" dirty="0">
-                <a:solidFill>
-                  <a:schemeClr val="bg1"/>
-                </a:solidFill>
-              </a:rPr>
-              <a:t>Problem statement</a:t>
-            </a:r>
-          </a:p>
-          <a:p>
-            <a:pPr algn="r"/>
-            <a:r>
-              <a:rPr lang="en-US" sz="1800" dirty="0">
-                <a:solidFill>
-                  <a:schemeClr val="bg1"/>
-                </a:solidFill>
-              </a:rPr>
-              <a:t>	Sequential Programming</a:t>
-            </a:r>
-          </a:p>
-          <a:p>
-            <a:pPr algn="r"/>
-            <a:r>
-              <a:rPr lang="en-US" dirty="0"/>
-              <a:t>Parallel Programming</a:t>
-            </a:r>
-          </a:p>
-          <a:p>
-            <a:pPr algn="r"/>
-            <a:r>
-              <a:rPr lang="en-US" sz="1800" dirty="0">
-                <a:solidFill>
-                  <a:schemeClr val="bg1"/>
-                </a:solidFill>
-              </a:rPr>
-              <a:t>Performance Evaluations</a:t>
-            </a:r>
-          </a:p>
-          <a:p>
-            <a:pPr algn="r"/>
-            <a:r>
-              <a:rPr lang="en-US" dirty="0"/>
-              <a:t>Conclusions</a:t>
-            </a:r>
-            <a:endParaRPr lang="en-US" sz="1800" dirty="0">
-              <a:solidFill>
-                <a:schemeClr val="bg1"/>
-              </a:solidFill>
-            </a:endParaRPr>
-          </a:p>
-        </p:txBody>
-      </p:sp>
-      <p:pic>
-        <p:nvPicPr>
-          <p:cNvPr id="6" name="Picture Placeholder 5" descr="mountains at sunset">
-            <a:hlinkClick r:id="" action="ppaction://hlinkshowjump?jump=nextslide"/>
-            <a:extLst>
-              <a:ext uri="{FF2B5EF4-FFF2-40B4-BE49-F238E27FC236}">
-                <a16:creationId xmlns:a16="http://schemas.microsoft.com/office/drawing/2014/main" id="{4642631A-6ABE-41EA-A308-9CF1230F1421}"/>
-              </a:ext>
-            </a:extLst>
-          </p:cNvPr>
-          <p:cNvPicPr>
-            <a:picLocks noGrp="1" noChangeAspect="1"/>
-          </p:cNvPicPr>
-          <p:nvPr>
-            <p:ph type="pic" sz="quarter" idx="14"/>
-          </p:nvPr>
-        </p:nvPicPr>
-        <p:blipFill rotWithShape="1">
-          <a:blip r:embed="rId2"/>
-          <a:srcRect/>
-          <a:stretch/>
-        </p:blipFill>
-        <p:spPr>
-          <a:xfrm>
-            <a:off x="1494964" y="2478304"/>
-            <a:ext cx="3707972" cy="3707971"/>
-          </a:xfrm>
-        </p:spPr>
-      </p:pic>
-      <p:sp>
-        <p:nvSpPr>
-          <p:cNvPr id="7" name="Date Placeholder 6">
-            <a:extLst>
-              <a:ext uri="{FF2B5EF4-FFF2-40B4-BE49-F238E27FC236}">
-                <a16:creationId xmlns:a16="http://schemas.microsoft.com/office/drawing/2014/main" id="{05C25F72-F9A7-42F9-9720-0801ED77D4D1}"/>
-              </a:ext>
-            </a:extLst>
-          </p:cNvPr>
-          <p:cNvSpPr>
-            <a:spLocks noGrp="1"/>
-          </p:cNvSpPr>
-          <p:nvPr>
-            <p:ph type="dt" sz="half" idx="10"/>
-          </p:nvPr>
-        </p:nvSpPr>
-        <p:spPr/>
-        <p:txBody>
-          <a:bodyPr/>
-          <a:lstStyle/>
-          <a:p>
-            <a:r>
-              <a:rPr lang="en-US" dirty="0"/>
-              <a:t>9/3/20XX</a:t>
-            </a:r>
-          </a:p>
-        </p:txBody>
-      </p:sp>
-      <p:sp>
-        <p:nvSpPr>
-          <p:cNvPr id="8" name="Footer Placeholder 7">
-            <a:extLst>
-              <a:ext uri="{FF2B5EF4-FFF2-40B4-BE49-F238E27FC236}">
-                <a16:creationId xmlns:a16="http://schemas.microsoft.com/office/drawing/2014/main" id="{AEEDFC2F-FF0A-4EC9-A0BB-0AA2B1E6BA4A}"/>
-              </a:ext>
-            </a:extLst>
-          </p:cNvPr>
-          <p:cNvSpPr>
-            <a:spLocks noGrp="1"/>
-          </p:cNvSpPr>
-          <p:nvPr>
-            <p:ph type="ftr" sz="quarter" idx="11"/>
-          </p:nvPr>
-        </p:nvSpPr>
-        <p:spPr/>
-        <p:txBody>
-          <a:bodyPr/>
-          <a:lstStyle/>
-          <a:p>
-            <a:r>
-              <a:rPr lang="en-US" dirty="0"/>
-              <a:t>Presentation Title</a:t>
-            </a:r>
-          </a:p>
-        </p:txBody>
-      </p:sp>
-      <p:sp>
-        <p:nvSpPr>
-          <p:cNvPr id="9" name="Slide Number Placeholder 8">
-            <a:extLst>
-              <a:ext uri="{FF2B5EF4-FFF2-40B4-BE49-F238E27FC236}">
-                <a16:creationId xmlns:a16="http://schemas.microsoft.com/office/drawing/2014/main" id="{6DCF8D89-56D9-4E2B-9838-07DFB6E9D2BB}"/>
-              </a:ext>
-            </a:extLst>
-          </p:cNvPr>
-          <p:cNvSpPr>
-            <a:spLocks noGrp="1"/>
-          </p:cNvSpPr>
-          <p:nvPr>
-            <p:ph type="sldNum" sz="quarter" idx="12"/>
-          </p:nvPr>
-        </p:nvSpPr>
-        <p:spPr/>
-        <p:txBody>
-          <a:bodyPr/>
-          <a:lstStyle/>
-          <a:p>
-            <a:fld id="{D8DA9DAA-006C-4F4B-980E-E3DF019B24E2}" type="slidenum">
-              <a:rPr lang="en-US" smtClean="0"/>
-              <a:pPr/>
-              <a:t>2</a:t>
-            </a:fld>
-            <a:endParaRPr lang="en-US" dirty="0"/>
-          </a:p>
-        </p:txBody>
-      </p:sp>
-    </p:spTree>
-    <p:extLst>
-      <p:ext uri="{BB962C8B-B14F-4D97-AF65-F5344CB8AC3E}">
-        <p14:creationId xmlns:p14="http://schemas.microsoft.com/office/powerpoint/2010/main" val="1613598062"/>
-      </p:ext>
-    </p:extLst>
-  </p:cSld>
-  <p:clrMapOvr>
-    <a:masterClrMapping/>
-  </p:clrMapOvr>
-</p:sld>
-</file>
-
-<file path=ppt/slides/slide3.xml><?xml version="1.0" encoding="utf-8"?>
-<p:sld xmlns:a="http://schemas.openxmlformats.org/drawingml/2006/main" xmlns:r="http://schemas.openxmlformats.org/officeDocument/2006/relationships" xmlns:p="http://schemas.openxmlformats.org/presentationml/2006/main">
-  <p:cSld>
-    <p:spTree>
-      <p:nvGrpSpPr>
-        <p:cNvPr id="1" name=""/>
-        <p:cNvGrpSpPr/>
-        <p:nvPr/>
-      </p:nvGrpSpPr>
-      <p:grpSpPr>
-        <a:xfrm>
-          <a:off x="0" y="0"/>
-          <a:ext cx="0" cy="0"/>
-          <a:chOff x="0" y="0"/>
-          <a:chExt cx="0" cy="0"/>
-        </a:xfrm>
-      </p:grpSpPr>
-      <p:sp>
-        <p:nvSpPr>
-          <p:cNvPr id="2" name="Title 1">
-            <a:extLst>
-              <a:ext uri="{FF2B5EF4-FFF2-40B4-BE49-F238E27FC236}">
-                <a16:creationId xmlns:a16="http://schemas.microsoft.com/office/drawing/2014/main" id="{C5F2FB0B-15EC-453B-BC9B-69AD35DDCEA3}"/>
-              </a:ext>
-            </a:extLst>
-          </p:cNvPr>
-          <p:cNvSpPr>
-            <a:spLocks noGrp="1"/>
-          </p:cNvSpPr>
-          <p:nvPr>
-            <p:ph type="ctrTitle"/>
-          </p:nvPr>
-        </p:nvSpPr>
-        <p:spPr/>
-        <p:txBody>
-          <a:bodyPr/>
-          <a:lstStyle/>
-          <a:p>
-            <a:r>
-              <a:rPr lang="nb-NO" dirty="0"/>
-              <a:t>P</a:t>
-            </a:r>
-            <a:r>
-              <a:rPr lang="en-US" dirty="0" err="1"/>
-              <a:t>roblem</a:t>
-            </a:r>
-            <a:r>
-              <a:rPr lang="en-US" dirty="0"/>
-              <a:t> statement</a:t>
-            </a:r>
-          </a:p>
-        </p:txBody>
-      </p:sp>
-      <p:sp>
-        <p:nvSpPr>
-          <p:cNvPr id="3" name="Subtitle 2">
-            <a:extLst>
-              <a:ext uri="{FF2B5EF4-FFF2-40B4-BE49-F238E27FC236}">
-                <a16:creationId xmlns:a16="http://schemas.microsoft.com/office/drawing/2014/main" id="{05408798-0DB3-46BF-880E-7BB904D700F6}"/>
-              </a:ext>
-            </a:extLst>
-          </p:cNvPr>
-          <p:cNvSpPr>
-            <a:spLocks noGrp="1"/>
-          </p:cNvSpPr>
-          <p:nvPr>
-            <p:ph type="subTitle" idx="1"/>
-          </p:nvPr>
-        </p:nvSpPr>
-        <p:spPr/>
-        <p:txBody>
-          <a:bodyPr/>
-          <a:lstStyle/>
-          <a:p>
-            <a:r>
-              <a:rPr lang="en-US" sz="2000" dirty="0">
-                <a:solidFill>
-                  <a:schemeClr val="bg1"/>
-                </a:solidFill>
-              </a:rPr>
-              <a:t>Subtitle</a:t>
-            </a:r>
-            <a:endParaRPr lang="en-US" dirty="0"/>
-          </a:p>
-        </p:txBody>
-      </p:sp>
-    </p:spTree>
-    <p:extLst>
-      <p:ext uri="{BB962C8B-B14F-4D97-AF65-F5344CB8AC3E}">
-        <p14:creationId xmlns:p14="http://schemas.microsoft.com/office/powerpoint/2010/main" val="2227882511"/>
-      </p:ext>
-    </p:extLst>
-  </p:cSld>
-  <p:clrMapOvr>
-    <a:masterClrMapping/>
-  </p:clrMapOvr>
-</p:sld>
-</file>
-
-<file path=ppt/slides/slide4.xml><?xml version="1.0" encoding="utf-8"?>
-<p:sld xmlns:a="http://schemas.openxmlformats.org/drawingml/2006/main" xmlns:r="http://schemas.openxmlformats.org/officeDocument/2006/relationships" xmlns:p="http://schemas.openxmlformats.org/presentationml/2006/main">
-  <p:cSld>
-    <p:spTree>
-      <p:nvGrpSpPr>
-        <p:cNvPr id="1" name=""/>
-        <p:cNvGrpSpPr/>
-        <p:nvPr/>
-      </p:nvGrpSpPr>
-      <p:grpSpPr>
-        <a:xfrm>
-          <a:off x="0" y="0"/>
-          <a:ext cx="0" cy="0"/>
-          <a:chOff x="0" y="0"/>
-          <a:chExt cx="0" cy="0"/>
-        </a:xfrm>
-      </p:grpSpPr>
-      <p:sp>
-        <p:nvSpPr>
-          <p:cNvPr id="3" name="Title 2">
-            <a:extLst>
-              <a:ext uri="{FF2B5EF4-FFF2-40B4-BE49-F238E27FC236}">
-                <a16:creationId xmlns:a16="http://schemas.microsoft.com/office/drawing/2014/main" id="{0115FF41-AFA4-4D25-AB42-AB034F4B4FEC}"/>
-              </a:ext>
-            </a:extLst>
-          </p:cNvPr>
-          <p:cNvSpPr>
-            <a:spLocks noGrp="1"/>
-          </p:cNvSpPr>
-          <p:nvPr>
-            <p:ph type="title"/>
-          </p:nvPr>
-        </p:nvSpPr>
-        <p:spPr/>
-        <p:txBody>
-          <a:bodyPr>
-            <a:normAutofit/>
-          </a:bodyPr>
-          <a:lstStyle/>
-          <a:p>
-            <a:r>
-              <a:rPr lang="nb-NO" dirty="0"/>
-              <a:t>Min/Max</a:t>
-            </a:r>
-            <a:endParaRPr lang="en-US" dirty="0"/>
-          </a:p>
-        </p:txBody>
-      </p:sp>
-      <p:sp>
-        <p:nvSpPr>
-          <p:cNvPr id="4" name="Content Placeholder 3">
-            <a:extLst>
-              <a:ext uri="{FF2B5EF4-FFF2-40B4-BE49-F238E27FC236}">
-                <a16:creationId xmlns:a16="http://schemas.microsoft.com/office/drawing/2014/main" id="{B0881FA9-F3B0-4912-B0E1-352094195C30}"/>
-              </a:ext>
-            </a:extLst>
-          </p:cNvPr>
-          <p:cNvSpPr>
-            <a:spLocks noGrp="1"/>
-          </p:cNvSpPr>
-          <p:nvPr>
-            <p:ph idx="1"/>
-          </p:nvPr>
-        </p:nvSpPr>
-        <p:spPr/>
-        <p:txBody>
-          <a:bodyPr/>
-          <a:lstStyle/>
-          <a:p>
-            <a:r>
-              <a:rPr lang="en-US" sz="2000" dirty="0"/>
-              <a:t>With PowerPoint, you can create presentations and share your work with others, wherever they are. Type the text you want here to get started. You can also add images, art, and videos on this template. Save to OneDrive and access your presentations from your computer, tablet, or phone. </a:t>
-            </a:r>
-          </a:p>
-          <a:p>
-            <a:endParaRPr lang="en-US" dirty="0"/>
-          </a:p>
-        </p:txBody>
-      </p:sp>
-      <p:pic>
-        <p:nvPicPr>
-          <p:cNvPr id="8" name="Picture Placeholder 7" descr="mountains under the night sky just before dawn">
-            <a:extLst>
-              <a:ext uri="{FF2B5EF4-FFF2-40B4-BE49-F238E27FC236}">
-                <a16:creationId xmlns:a16="http://schemas.microsoft.com/office/drawing/2014/main" id="{B53D1AAB-32B2-4F04-828F-AB1C758AF004}"/>
-              </a:ext>
-            </a:extLst>
-          </p:cNvPr>
-          <p:cNvPicPr>
-            <a:picLocks noGrp="1" noChangeAspect="1"/>
-          </p:cNvPicPr>
-          <p:nvPr>
-            <p:ph type="pic" sz="quarter" idx="13"/>
-          </p:nvPr>
-        </p:nvPicPr>
-        <p:blipFill rotWithShape="1">
-          <a:blip r:embed="rId2"/>
-          <a:srcRect l="71" r="71"/>
-          <a:stretch/>
-        </p:blipFill>
-        <p:spPr/>
-      </p:pic>
-      <p:sp>
-        <p:nvSpPr>
-          <p:cNvPr id="10" name="Footer Placeholder 9">
-            <a:extLst>
-              <a:ext uri="{FF2B5EF4-FFF2-40B4-BE49-F238E27FC236}">
-                <a16:creationId xmlns:a16="http://schemas.microsoft.com/office/drawing/2014/main" id="{A8C7C3A0-5E78-49C8-B8D4-F3DF62B2BC93}"/>
-              </a:ext>
-            </a:extLst>
-          </p:cNvPr>
-          <p:cNvSpPr>
-            <a:spLocks noGrp="1"/>
-          </p:cNvSpPr>
-          <p:nvPr>
-            <p:ph type="ftr" sz="quarter" idx="11"/>
-          </p:nvPr>
-        </p:nvSpPr>
-        <p:spPr/>
-        <p:txBody>
-          <a:bodyPr/>
-          <a:lstStyle/>
-          <a:p>
-            <a:r>
-              <a:rPr lang="en-US" dirty="0"/>
-              <a:t>Presentation Title</a:t>
-            </a:r>
-          </a:p>
-        </p:txBody>
-      </p:sp>
-      <p:sp>
-        <p:nvSpPr>
-          <p:cNvPr id="11" name="Slide Number Placeholder 10">
-            <a:extLst>
-              <a:ext uri="{FF2B5EF4-FFF2-40B4-BE49-F238E27FC236}">
-                <a16:creationId xmlns:a16="http://schemas.microsoft.com/office/drawing/2014/main" id="{56AE2454-CE9A-4A6B-AB5A-349E0D967654}"/>
-              </a:ext>
-            </a:extLst>
-          </p:cNvPr>
-          <p:cNvSpPr>
-            <a:spLocks noGrp="1"/>
-          </p:cNvSpPr>
-          <p:nvPr>
-            <p:ph type="sldNum" sz="quarter" idx="12"/>
-          </p:nvPr>
-        </p:nvSpPr>
-        <p:spPr/>
-        <p:txBody>
-          <a:bodyPr/>
-          <a:lstStyle/>
-          <a:p>
-            <a:fld id="{D8DA9DAA-006C-4F4B-980E-E3DF019B24E2}" type="slidenum">
-              <a:rPr lang="en-US" smtClean="0"/>
-              <a:pPr/>
-              <a:t>4</a:t>
-            </a:fld>
-            <a:endParaRPr lang="en-US" dirty="0"/>
-          </a:p>
-        </p:txBody>
-      </p:sp>
-    </p:spTree>
-    <p:extLst>
-      <p:ext uri="{BB962C8B-B14F-4D97-AF65-F5344CB8AC3E}">
-        <p14:creationId xmlns:p14="http://schemas.microsoft.com/office/powerpoint/2010/main" val="365334912"/>
-      </p:ext>
-    </p:extLst>
-  </p:cSld>
-  <p:clrMapOvr>
-    <a:masterClrMapping/>
-  </p:clrMapOvr>
-</p:sld>
-</file>
-
-<file path=ppt/slides/slide5.xml><?xml version="1.0" encoding="utf-8"?>
-<p:sld xmlns:a="http://schemas.openxmlformats.org/drawingml/2006/main" xmlns:r="http://schemas.openxmlformats.org/officeDocument/2006/relationships" xmlns:p="http://schemas.openxmlformats.org/presentationml/2006/main">
-  <p:cSld>
-    <p:spTree>
-      <p:nvGrpSpPr>
-        <p:cNvPr id="1" name=""/>
-        <p:cNvGrpSpPr/>
-        <p:nvPr/>
-      </p:nvGrpSpPr>
-      <p:grpSpPr>
-        <a:xfrm>
-          <a:off x="0" y="0"/>
-          <a:ext cx="0" cy="0"/>
-          <a:chOff x="0" y="0"/>
-          <a:chExt cx="0" cy="0"/>
-        </a:xfrm>
-      </p:grpSpPr>
-      <p:sp>
-        <p:nvSpPr>
-          <p:cNvPr id="2" name="Title 1">
-            <a:extLst>
-              <a:ext uri="{FF2B5EF4-FFF2-40B4-BE49-F238E27FC236}">
-                <a16:creationId xmlns:a16="http://schemas.microsoft.com/office/drawing/2014/main" id="{C5F2FB0B-15EC-453B-BC9B-69AD35DDCEA3}"/>
-              </a:ext>
-            </a:extLst>
-          </p:cNvPr>
-          <p:cNvSpPr>
-            <a:spLocks noGrp="1"/>
-          </p:cNvSpPr>
-          <p:nvPr>
-            <p:ph type="ctrTitle"/>
-          </p:nvPr>
-        </p:nvSpPr>
-        <p:spPr/>
-        <p:txBody>
-          <a:bodyPr/>
-          <a:lstStyle/>
-          <a:p>
-            <a:r>
-              <a:rPr lang="en-US" b="1" cap="all" spc="400" dirty="0">
-                <a:solidFill>
-                  <a:schemeClr val="bg1"/>
-                </a:solidFill>
-                <a:latin typeface="+mn-lt"/>
-              </a:rPr>
-              <a:t>Sequential programming</a:t>
-            </a:r>
-            <a:endParaRPr lang="en-US" dirty="0"/>
-          </a:p>
-        </p:txBody>
-      </p:sp>
-      <p:sp>
-        <p:nvSpPr>
-          <p:cNvPr id="5" name="Subtitle 4">
-            <a:extLst>
-              <a:ext uri="{FF2B5EF4-FFF2-40B4-BE49-F238E27FC236}">
-                <a16:creationId xmlns:a16="http://schemas.microsoft.com/office/drawing/2014/main" id="{6672777C-F41D-46F3-8DE8-6E6F7D693210}"/>
-              </a:ext>
-            </a:extLst>
-          </p:cNvPr>
-          <p:cNvSpPr>
-            <a:spLocks noGrp="1"/>
-          </p:cNvSpPr>
-          <p:nvPr>
-            <p:ph type="subTitle" idx="1"/>
-          </p:nvPr>
-        </p:nvSpPr>
-        <p:spPr/>
-        <p:txBody>
-          <a:bodyPr/>
-          <a:lstStyle/>
-          <a:p>
-            <a:endParaRPr lang="en-US"/>
-          </a:p>
-        </p:txBody>
-      </p:sp>
-    </p:spTree>
-    <p:extLst>
-      <p:ext uri="{BB962C8B-B14F-4D97-AF65-F5344CB8AC3E}">
-        <p14:creationId xmlns:p14="http://schemas.microsoft.com/office/powerpoint/2010/main" val="3038824661"/>
-      </p:ext>
-    </p:extLst>
-  </p:cSld>
-  <p:clrMapOvr>
-    <a:masterClrMapping/>
-  </p:clrMapOvr>
-</p:sld>
-</file>
-
-<file path=ppt/slides/slide6.xml><?xml version="1.0" encoding="utf-8"?>
-<p:sld xmlns:a="http://schemas.openxmlformats.org/drawingml/2006/main" xmlns:r="http://schemas.openxmlformats.org/officeDocument/2006/relationships" xmlns:p="http://schemas.openxmlformats.org/presentationml/2006/main">
-  <p:cSld>
-    <p:spTree>
-      <p:nvGrpSpPr>
-        <p:cNvPr id="1" name=""/>
-        <p:cNvGrpSpPr/>
-        <p:nvPr/>
-      </p:nvGrpSpPr>
-      <p:grpSpPr>
-        <a:xfrm>
-          <a:off x="0" y="0"/>
-          <a:ext cx="0" cy="0"/>
-          <a:chOff x="0" y="0"/>
-          <a:chExt cx="0" cy="0"/>
-        </a:xfrm>
-      </p:grpSpPr>
-      <p:sp>
-        <p:nvSpPr>
-          <p:cNvPr id="4" name="Title 3">
-            <a:extLst>
-              <a:ext uri="{FF2B5EF4-FFF2-40B4-BE49-F238E27FC236}">
-                <a16:creationId xmlns:a16="http://schemas.microsoft.com/office/drawing/2014/main" id="{55E27C7C-4B68-4BBC-BF36-8959D8493E4A}"/>
-              </a:ext>
-            </a:extLst>
-          </p:cNvPr>
-          <p:cNvSpPr>
-            <a:spLocks noGrp="1"/>
-          </p:cNvSpPr>
-          <p:nvPr>
-            <p:ph type="title"/>
-          </p:nvPr>
-        </p:nvSpPr>
-        <p:spPr/>
-        <p:txBody>
-          <a:bodyPr>
-            <a:normAutofit/>
-          </a:bodyPr>
-          <a:lstStyle/>
-          <a:p>
-            <a:r>
-              <a:rPr lang="en-US" sz="5400" dirty="0"/>
-              <a:t>Chart</a:t>
-            </a:r>
+            <a:endParaRPr lang="en-US" sz="5400"/>
           </a:p>
         </p:txBody>
       </p:sp>
       <p:graphicFrame>
         <p:nvGraphicFramePr>
-          <p:cNvPr id="8" name="Content Placeholder 7" descr="chart">
-            <a:extLst>
-              <a:ext uri="{FF2B5EF4-FFF2-40B4-BE49-F238E27FC236}">
-                <a16:creationId xmlns:a16="http://schemas.microsoft.com/office/drawing/2014/main" id="{314209B2-7DC1-4F18-AD3E-91CE29A6776E}"/>
+          <p:cNvPr id="5" name="Table 5">
+            <a:extLst>
+              <a:ext uri="{FF2B5EF4-FFF2-40B4-BE49-F238E27FC236}">
+                <a16:creationId xmlns:a16="http://schemas.microsoft.com/office/drawing/2014/main" id="{709A0DA2-E530-420B-ACE1-7D645AE7D06B}"/>
               </a:ext>
             </a:extLst>
           </p:cNvPr>
@@ -13646,244 +12567,14 @@
             <p:ph idx="1"/>
             <p:extLst>
               <p:ext uri="{D42A27DB-BD31-4B8C-83A1-F6EECF244321}">
-                <p14:modId xmlns:p14="http://schemas.microsoft.com/office/powerpoint/2010/main" val="1669518980"/>
+                <p14:modId xmlns:p14="http://schemas.microsoft.com/office/powerpoint/2010/main" val="568896187"/>
               </p:ext>
             </p:extLst>
           </p:nvPr>
         </p:nvGraphicFramePr>
         <p:xfrm>
-          <a:off x="1447800" y="2185945"/>
-          <a:ext cx="9906000" cy="3650975"/>
-        </p:xfrm>
-        <a:graphic>
-          <a:graphicData uri="http://schemas.openxmlformats.org/drawingml/2006/chart">
-            <c:chart xmlns:c="http://schemas.openxmlformats.org/drawingml/2006/chart" xmlns:r="http://schemas.openxmlformats.org/officeDocument/2006/relationships" r:id="rId2"/>
-          </a:graphicData>
-        </a:graphic>
-      </p:graphicFrame>
-      <p:sp>
-        <p:nvSpPr>
-          <p:cNvPr id="9" name="Slide Number Placeholder 5">
-            <a:extLst>
-              <a:ext uri="{FF2B5EF4-FFF2-40B4-BE49-F238E27FC236}">
-                <a16:creationId xmlns:a16="http://schemas.microsoft.com/office/drawing/2014/main" id="{4FC290B8-BF94-4636-BFAB-9FD67F4AAC6D}"/>
-              </a:ext>
-            </a:extLst>
-          </p:cNvPr>
-          <p:cNvSpPr>
-            <a:spLocks noGrp="1"/>
-          </p:cNvSpPr>
-          <p:nvPr>
-            <p:ph type="sldNum" sz="quarter" idx="12"/>
-          </p:nvPr>
-        </p:nvSpPr>
-        <p:spPr>
-          <a:xfrm>
-            <a:off x="8610600" y="6356350"/>
-            <a:ext cx="2743200" cy="365125"/>
-          </a:xfrm>
-        </p:spPr>
-        <p:txBody>
-          <a:bodyPr/>
-          <a:lstStyle/>
-          <a:p>
-            <a:fld id="{D8DA9DAA-006C-4F4B-980E-E3DF019B24E2}" type="slidenum">
-              <a:rPr lang="en-US" b="1" cap="all" spc="100" smtClean="0">
-                <a:solidFill>
-                  <a:schemeClr val="accent2"/>
-                </a:solidFill>
-              </a:rPr>
-              <a:t>6</a:t>
-            </a:fld>
-            <a:endParaRPr lang="en-US" b="1" cap="all" spc="100" dirty="0">
-              <a:solidFill>
-                <a:schemeClr val="accent2"/>
-              </a:solidFill>
-            </a:endParaRPr>
-          </a:p>
-        </p:txBody>
-      </p:sp>
-    </p:spTree>
-    <p:extLst>
-      <p:ext uri="{BB962C8B-B14F-4D97-AF65-F5344CB8AC3E}">
-        <p14:creationId xmlns:p14="http://schemas.microsoft.com/office/powerpoint/2010/main" val="783914445"/>
-      </p:ext>
-    </p:extLst>
-  </p:cSld>
-  <p:clrMapOvr>
-    <a:masterClrMapping/>
-  </p:clrMapOvr>
-</p:sld>
-</file>
-
-<file path=ppt/slides/slide7.xml><?xml version="1.0" encoding="utf-8"?>
-<p:sld xmlns:a="http://schemas.openxmlformats.org/drawingml/2006/main" xmlns:r="http://schemas.openxmlformats.org/officeDocument/2006/relationships" xmlns:p="http://schemas.openxmlformats.org/presentationml/2006/main">
-  <p:cSld>
-    <p:spTree>
-      <p:nvGrpSpPr>
-        <p:cNvPr id="1" name=""/>
-        <p:cNvGrpSpPr/>
-        <p:nvPr/>
-      </p:nvGrpSpPr>
-      <p:grpSpPr>
-        <a:xfrm>
-          <a:off x="0" y="0"/>
-          <a:ext cx="0" cy="0"/>
-          <a:chOff x="0" y="0"/>
-          <a:chExt cx="0" cy="0"/>
-        </a:xfrm>
-      </p:grpSpPr>
-      <p:sp>
-        <p:nvSpPr>
-          <p:cNvPr id="2" name="Title 1">
-            <a:extLst>
-              <a:ext uri="{FF2B5EF4-FFF2-40B4-BE49-F238E27FC236}">
-                <a16:creationId xmlns:a16="http://schemas.microsoft.com/office/drawing/2014/main" id="{C5F2FB0B-15EC-453B-BC9B-69AD35DDCEA3}"/>
-              </a:ext>
-            </a:extLst>
-          </p:cNvPr>
-          <p:cNvSpPr>
-            <a:spLocks noGrp="1"/>
-          </p:cNvSpPr>
-          <p:nvPr>
-            <p:ph type="ctrTitle"/>
-          </p:nvPr>
-        </p:nvSpPr>
-        <p:spPr/>
-        <p:txBody>
-          <a:bodyPr/>
-          <a:lstStyle/>
-          <a:p>
-            <a:r>
-              <a:rPr lang="en-US" b="1" cap="all" spc="400" dirty="0">
-                <a:solidFill>
-                  <a:schemeClr val="bg1"/>
-                </a:solidFill>
-                <a:latin typeface="+mn-lt"/>
-              </a:rPr>
-              <a:t>Parallel Programming</a:t>
-            </a:r>
-            <a:endParaRPr lang="en-US" dirty="0"/>
-          </a:p>
-        </p:txBody>
-      </p:sp>
-      <p:sp>
-        <p:nvSpPr>
-          <p:cNvPr id="3" name="Subtitle 2">
-            <a:extLst>
-              <a:ext uri="{FF2B5EF4-FFF2-40B4-BE49-F238E27FC236}">
-                <a16:creationId xmlns:a16="http://schemas.microsoft.com/office/drawing/2014/main" id="{05408798-0DB3-46BF-880E-7BB904D700F6}"/>
-              </a:ext>
-            </a:extLst>
-          </p:cNvPr>
-          <p:cNvSpPr>
-            <a:spLocks noGrp="1"/>
-          </p:cNvSpPr>
-          <p:nvPr>
-            <p:ph type="subTitle" idx="1"/>
-          </p:nvPr>
-        </p:nvSpPr>
-        <p:spPr/>
-        <p:txBody>
-          <a:bodyPr/>
-          <a:lstStyle/>
-          <a:p>
-            <a:r>
-              <a:rPr lang="en-US" sz="2000" dirty="0">
-                <a:solidFill>
-                  <a:schemeClr val="bg1"/>
-                </a:solidFill>
-              </a:rPr>
-              <a:t>Subtitle</a:t>
-            </a:r>
-            <a:endParaRPr lang="en-US" dirty="0"/>
-          </a:p>
-        </p:txBody>
-      </p:sp>
-    </p:spTree>
-    <p:extLst>
-      <p:ext uri="{BB962C8B-B14F-4D97-AF65-F5344CB8AC3E}">
-        <p14:creationId xmlns:p14="http://schemas.microsoft.com/office/powerpoint/2010/main" val="1064640400"/>
-      </p:ext>
-    </p:extLst>
-  </p:cSld>
-  <p:clrMapOvr>
-    <a:masterClrMapping/>
-  </p:clrMapOvr>
-</p:sld>
-</file>
-
-<file path=ppt/slides/slide8.xml><?xml version="1.0" encoding="utf-8"?>
-<p:sld xmlns:a="http://schemas.openxmlformats.org/drawingml/2006/main" xmlns:r="http://schemas.openxmlformats.org/officeDocument/2006/relationships" xmlns:p="http://schemas.openxmlformats.org/presentationml/2006/main">
-  <p:cSld>
-    <p:spTree>
-      <p:nvGrpSpPr>
-        <p:cNvPr id="1" name=""/>
-        <p:cNvGrpSpPr/>
-        <p:nvPr/>
-      </p:nvGrpSpPr>
-      <p:grpSpPr>
-        <a:xfrm>
-          <a:off x="0" y="0"/>
-          <a:ext cx="0" cy="0"/>
-          <a:chOff x="0" y="0"/>
-          <a:chExt cx="0" cy="0"/>
-        </a:xfrm>
-      </p:grpSpPr>
-      <p:sp>
-        <p:nvSpPr>
-          <p:cNvPr id="4" name="Title 3">
-            <a:extLst>
-              <a:ext uri="{FF2B5EF4-FFF2-40B4-BE49-F238E27FC236}">
-                <a16:creationId xmlns:a16="http://schemas.microsoft.com/office/drawing/2014/main" id="{55E27C7C-4B68-4BBC-BF36-8959D8493E4A}"/>
-              </a:ext>
-            </a:extLst>
-          </p:cNvPr>
-          <p:cNvSpPr>
-            <a:spLocks noGrp="1"/>
-          </p:cNvSpPr>
-          <p:nvPr>
-            <p:ph type="title"/>
-          </p:nvPr>
-        </p:nvSpPr>
-        <p:spPr/>
-        <p:txBody>
-          <a:bodyPr>
-            <a:normAutofit/>
-          </a:bodyPr>
-          <a:lstStyle/>
-          <a:p>
-            <a:r>
-              <a:rPr lang="en-US" sz="5400" dirty="0"/>
-              <a:t>Table</a:t>
-            </a:r>
-          </a:p>
-        </p:txBody>
-      </p:sp>
-      <p:graphicFrame>
-        <p:nvGraphicFramePr>
-          <p:cNvPr id="5" name="Table 5">
-            <a:extLst>
-              <a:ext uri="{FF2B5EF4-FFF2-40B4-BE49-F238E27FC236}">
-                <a16:creationId xmlns:a16="http://schemas.microsoft.com/office/drawing/2014/main" id="{709A0DA2-E530-420B-ACE1-7D645AE7D06B}"/>
-              </a:ext>
-            </a:extLst>
-          </p:cNvPr>
-          <p:cNvGraphicFramePr>
-            <a:graphicFrameLocks noGrp="1"/>
-          </p:cNvGraphicFramePr>
-          <p:nvPr>
-            <p:ph idx="1"/>
-            <p:extLst>
-              <p:ext uri="{D42A27DB-BD31-4B8C-83A1-F6EECF244321}">
-                <p14:modId xmlns:p14="http://schemas.microsoft.com/office/powerpoint/2010/main" val="3612315666"/>
-              </p:ext>
-            </p:extLst>
-          </p:nvPr>
-        </p:nvGraphicFramePr>
-        <p:xfrm>
-          <a:off x="1447800" y="2209799"/>
-          <a:ext cx="9753600" cy="3010885"/>
+          <a:off x="1419519" y="1874100"/>
+          <a:ext cx="9753600" cy="4618775"/>
         </p:xfrm>
         <a:graphic>
           <a:graphicData uri="http://schemas.openxmlformats.org/drawingml/2006/table">
@@ -13928,17 +12619,20 @@
                   </a:extLst>
                 </a:gridCol>
               </a:tblGrid>
-              <a:tr h="602177">
+              <a:tr h="659825">
                 <a:tc>
                   <a:txBody>
                     <a:bodyPr/>
                     <a:lstStyle/>
                     <a:p>
-                      <a:endParaRPr lang="en-US" dirty="0">
-                        <a:solidFill>
-                          <a:schemeClr val="tx1"/>
-                        </a:solidFill>
-                      </a:endParaRPr>
+                      <a:r>
+                        <a:rPr lang="en-US">
+                          <a:solidFill>
+                            <a:schemeClr val="tx1"/>
+                          </a:solidFill>
+                        </a:rPr>
+                        <a:t>Total values</a:t>
+                      </a:r>
                     </a:p>
                   </a:txBody>
                   <a:tcPr anchor="ctr">
@@ -13972,13 +12666,18 @@
                     <a:p>
                       <a:pPr algn="ctr"/>
                       <a:r>
-                        <a:rPr lang="en-US" dirty="0">
+                        <a:rPr lang="en-US">
                           <a:solidFill>
                             <a:schemeClr val="bg1"/>
                           </a:solidFill>
                         </a:rPr>
-                        <a:t>Category 1</a:t>
+                        <a:t>Sequential ms</a:t>
                       </a:r>
+                      <a:endParaRPr lang="en-US" err="1">
+                        <a:solidFill>
+                          <a:schemeClr val="bg1"/>
+                        </a:solidFill>
+                      </a:endParaRPr>
                     </a:p>
                   </a:txBody>
                   <a:tcPr anchor="ctr">
@@ -14014,13 +12713,18 @@
                     <a:p>
                       <a:pPr algn="ctr"/>
                       <a:r>
-                        <a:rPr lang="en-US" dirty="0">
+                        <a:rPr lang="en-US">
                           <a:solidFill>
                             <a:schemeClr val="bg1"/>
                           </a:solidFill>
                         </a:rPr>
-                        <a:t>Category 2</a:t>
+                        <a:t>Parallel ms</a:t>
                       </a:r>
+                      <a:endParaRPr lang="en-US" err="1">
+                        <a:solidFill>
+                          <a:schemeClr val="bg1"/>
+                        </a:solidFill>
+                      </a:endParaRPr>
                     </a:p>
                   </a:txBody>
                   <a:tcPr anchor="ctr">
@@ -14056,12 +12760,12 @@
                     <a:p>
                       <a:pPr algn="ctr"/>
                       <a:r>
-                        <a:rPr lang="en-US" dirty="0">
+                        <a:rPr lang="en-US">
                           <a:solidFill>
                             <a:schemeClr val="bg1"/>
                           </a:solidFill>
                         </a:rPr>
-                        <a:t>Category 3</a:t>
+                        <a:t>Speedup</a:t>
                       </a:r>
                     </a:p>
                   </a:txBody>
@@ -14103,7 +12807,7 @@
                             <a:schemeClr val="bg1"/>
                           </a:solidFill>
                         </a:rPr>
-                        <a:t>Category 4</a:t>
+                        <a:t>Efficiency %</a:t>
                       </a:r>
                     </a:p>
                   </a:txBody>
@@ -14139,7 +12843,7 @@
                   </a:ext>
                 </a:extLst>
               </a:tr>
-              <a:tr h="602177">
+              <a:tr h="659825">
                 <a:tc>
                   <a:txBody>
                     <a:bodyPr/>
@@ -14147,8 +12851,8 @@
                     <a:p>
                       <a:pPr algn="ctr"/>
                       <a:r>
-                        <a:rPr lang="en-US" b="0" dirty="0"/>
-                        <a:t>Item 1 </a:t>
+                        <a:rPr lang="en-US" b="0"/>
+                        <a:t>1000</a:t>
                       </a:r>
                     </a:p>
                   </a:txBody>
@@ -14193,8 +12897,8 @@
                     <a:p>
                       <a:pPr algn="ctr"/>
                       <a:r>
-                        <a:rPr lang="en-US" dirty="0"/>
-                        <a:t>4.5</a:t>
+                        <a:rPr lang="en-US"/>
+                        <a:t>1</a:t>
                       </a:r>
                     </a:p>
                   </a:txBody>
@@ -14245,8 +12949,8 @@
                     <a:p>
                       <a:pPr algn="ctr"/>
                       <a:r>
-                        <a:rPr lang="en-US" dirty="0"/>
-                        <a:t>2.3</a:t>
+                        <a:rPr lang="en-US"/>
+                        <a:t>16</a:t>
                       </a:r>
                     </a:p>
                   </a:txBody>
@@ -14297,8 +13001,8 @@
                     <a:p>
                       <a:pPr algn="ctr"/>
                       <a:r>
-                        <a:rPr lang="en-US" dirty="0"/>
-                        <a:t>1.7</a:t>
+                        <a:rPr lang="en-US"/>
+                        <a:t>16</a:t>
                       </a:r>
                     </a:p>
                   </a:txBody>
@@ -14349,8 +13053,8 @@
                     <a:p>
                       <a:pPr algn="ctr"/>
                       <a:r>
-                        <a:rPr lang="en-US" dirty="0"/>
-                        <a:t>5</a:t>
+                        <a:rPr lang="en-US"/>
+                        <a:t>200</a:t>
                       </a:r>
                     </a:p>
                   </a:txBody>
@@ -14394,7 +13098,7 @@
                   </a:ext>
                 </a:extLst>
               </a:tr>
-              <a:tr h="602177">
+              <a:tr h="659825">
                 <a:tc>
                   <a:txBody>
                     <a:bodyPr/>
@@ -14402,8 +13106,12 @@
                     <a:p>
                       <a:pPr algn="ctr"/>
                       <a:r>
+                        <a:rPr lang="nb-NO" b="0" dirty="0"/>
+                        <a:t>1</a:t>
+                      </a:r>
+                      <a:r>
                         <a:rPr lang="en-US" b="0" dirty="0"/>
-                        <a:t>Item 2</a:t>
+                        <a:t>0 000</a:t>
                       </a:r>
                     </a:p>
                   </a:txBody>
@@ -14430,8 +13138,8 @@
                     <a:p>
                       <a:pPr algn="ctr"/>
                       <a:r>
-                        <a:rPr lang="en-US" dirty="0"/>
-                        <a:t>3.2</a:t>
+                        <a:rPr lang="en-US"/>
+                        <a:t>1</a:t>
                       </a:r>
                     </a:p>
                   </a:txBody>
@@ -14467,8 +13175,8 @@
                     <a:p>
                       <a:pPr algn="ctr"/>
                       <a:r>
-                        <a:rPr lang="en-US" dirty="0"/>
-                        <a:t>5.1</a:t>
+                        <a:rPr lang="en-US"/>
+                        <a:t>17</a:t>
                       </a:r>
                     </a:p>
                   </a:txBody>
@@ -14504,8 +13212,8 @@
                     <a:p>
                       <a:pPr algn="ctr"/>
                       <a:r>
-                        <a:rPr lang="en-US" dirty="0"/>
-                        <a:t>4.4</a:t>
+                        <a:rPr lang="en-US"/>
+                        <a:t>17</a:t>
                       </a:r>
                     </a:p>
                   </a:txBody>
@@ -14541,8 +13249,8 @@
                     <a:p>
                       <a:pPr algn="ctr"/>
                       <a:r>
-                        <a:rPr lang="en-US" dirty="0"/>
-                        <a:t>3</a:t>
+                        <a:rPr lang="en-US"/>
+                        <a:t>212.5</a:t>
                       </a:r>
                     </a:p>
                   </a:txBody>
@@ -14568,7 +13276,7 @@
                   </a:ext>
                 </a:extLst>
               </a:tr>
-              <a:tr h="602177">
+              <a:tr h="659825">
                 <a:tc>
                   <a:txBody>
                     <a:bodyPr/>
@@ -14576,8 +13284,12 @@
                     <a:p>
                       <a:pPr algn="ctr"/>
                       <a:r>
+                        <a:rPr lang="nb-NO" b="0" dirty="0"/>
+                        <a:t>1</a:t>
+                      </a:r>
+                      <a:r>
                         <a:rPr lang="en-US" b="0" dirty="0"/>
-                        <a:t>Item 3</a:t>
+                        <a:t>00 000</a:t>
                       </a:r>
                     </a:p>
                   </a:txBody>
@@ -14602,7 +13314,7 @@
                       <a:pPr algn="ctr"/>
                       <a:r>
                         <a:rPr lang="en-US" dirty="0"/>
-                        <a:t>2.1</a:t>
+                        <a:t>2</a:t>
                       </a:r>
                     </a:p>
                   </a:txBody>
@@ -14635,8 +13347,8 @@
                     <a:p>
                       <a:pPr algn="ctr"/>
                       <a:r>
-                        <a:rPr lang="en-US" dirty="0"/>
-                        <a:t>1.7</a:t>
+                        <a:rPr lang="en-US"/>
+                        <a:t>15</a:t>
                       </a:r>
                     </a:p>
                   </a:txBody>
@@ -14669,8 +13381,171 @@
                     <a:p>
                       <a:pPr algn="ctr"/>
                       <a:r>
-                        <a:rPr lang="en-US" dirty="0"/>
-                        <a:t>2.5</a:t>
+                        <a:rPr lang="en-US"/>
+                        <a:t>7.5</a:t>
+                      </a:r>
+                    </a:p>
+                  </a:txBody>
+                  <a:tcPr anchor="ctr">
+                    <a:lnL w="6350" cap="flat" cmpd="sng" algn="ctr">
+                      <a:solidFill>
+                        <a:schemeClr val="accent3"/>
+                      </a:solidFill>
+                      <a:prstDash val="solid"/>
+                      <a:round/>
+                      <a:headEnd type="none" w="med" len="med"/>
+                      <a:tailEnd type="none" w="med" len="med"/>
+                    </a:lnL>
+                    <a:lnR w="6350" cap="flat" cmpd="sng" algn="ctr">
+                      <a:solidFill>
+                        <a:schemeClr val="accent4"/>
+                      </a:solidFill>
+                      <a:prstDash val="solid"/>
+                      <a:round/>
+                      <a:headEnd type="none" w="med" len="med"/>
+                      <a:tailEnd type="none" w="med" len="med"/>
+                    </a:lnR>
+                    <a:noFill/>
+                  </a:tcPr>
+                </a:tc>
+                <a:tc>
+                  <a:txBody>
+                    <a:bodyPr/>
+                    <a:lstStyle/>
+                    <a:p>
+                      <a:pPr algn="ctr"/>
+                      <a:r>
+                        <a:rPr lang="en-US"/>
+                        <a:t>93.8</a:t>
+                      </a:r>
+                    </a:p>
+                  </a:txBody>
+                  <a:tcPr anchor="ctr">
+                    <a:lnL w="6350" cap="flat" cmpd="sng" algn="ctr">
+                      <a:solidFill>
+                        <a:schemeClr val="accent4"/>
+                      </a:solidFill>
+                      <a:prstDash val="solid"/>
+                      <a:round/>
+                      <a:headEnd type="none" w="med" len="med"/>
+                      <a:tailEnd type="none" w="med" len="med"/>
+                    </a:lnL>
+                    <a:noFill/>
+                  </a:tcPr>
+                </a:tc>
+                <a:extLst>
+                  <a:ext uri="{0D108BD9-81ED-4DB2-BD59-A6C34878D82A}">
+                    <a16:rowId xmlns:a16="http://schemas.microsoft.com/office/drawing/2014/main" val="1400497281"/>
+                  </a:ext>
+                </a:extLst>
+              </a:tr>
+              <a:tr h="659825">
+                <a:tc>
+                  <a:txBody>
+                    <a:bodyPr/>
+                    <a:lstStyle/>
+                    <a:p>
+                      <a:pPr algn="ctr"/>
+                      <a:r>
+                        <a:rPr lang="nb-NO" b="0" dirty="0"/>
+                        <a:t>1 </a:t>
+                      </a:r>
+                      <a:r>
+                        <a:rPr lang="en-US" b="0" dirty="0"/>
+                        <a:t>000 000</a:t>
+                      </a:r>
+                    </a:p>
+                  </a:txBody>
+                  <a:tcPr anchor="ctr">
+                    <a:lnR w="6350" cap="flat" cmpd="sng" algn="ctr">
+                      <a:solidFill>
+                        <a:schemeClr val="accent1"/>
+                      </a:solidFill>
+                      <a:prstDash val="solid"/>
+                      <a:round/>
+                      <a:headEnd type="none" w="med" len="med"/>
+                      <a:tailEnd type="none" w="med" len="med"/>
+                    </a:lnR>
+                    <a:noFill/>
+                  </a:tcPr>
+                </a:tc>
+                <a:tc>
+                  <a:txBody>
+                    <a:bodyPr/>
+                    <a:lstStyle/>
+                    <a:p>
+                      <a:pPr algn="ctr"/>
+                      <a:r>
+                        <a:rPr lang="en-US"/>
+                        <a:t>7</a:t>
+                      </a:r>
+                    </a:p>
+                  </a:txBody>
+                  <a:tcPr anchor="ctr">
+                    <a:lnL w="6350" cap="flat" cmpd="sng" algn="ctr">
+                      <a:solidFill>
+                        <a:schemeClr val="accent1"/>
+                      </a:solidFill>
+                      <a:prstDash val="solid"/>
+                      <a:round/>
+                      <a:headEnd type="none" w="med" len="med"/>
+                      <a:tailEnd type="none" w="med" len="med"/>
+                    </a:lnL>
+                    <a:lnR w="6350" cap="flat" cmpd="sng" algn="ctr">
+                      <a:solidFill>
+                        <a:schemeClr val="accent5"/>
+                      </a:solidFill>
+                      <a:prstDash val="solid"/>
+                      <a:round/>
+                      <a:headEnd type="none" w="med" len="med"/>
+                      <a:tailEnd type="none" w="med" len="med"/>
+                    </a:lnR>
+                    <a:noFill/>
+                  </a:tcPr>
+                </a:tc>
+                <a:tc>
+                  <a:txBody>
+                    <a:bodyPr/>
+                    <a:lstStyle/>
+                    <a:p>
+                      <a:pPr algn="ctr"/>
+                      <a:r>
+                        <a:rPr lang="en-US"/>
+                        <a:t>33</a:t>
+                      </a:r>
+                    </a:p>
+                  </a:txBody>
+                  <a:tcPr anchor="ctr">
+                    <a:lnL w="6350" cap="flat" cmpd="sng" algn="ctr">
+                      <a:solidFill>
+                        <a:schemeClr val="accent5"/>
+                      </a:solidFill>
+                      <a:prstDash val="solid"/>
+                      <a:round/>
+                      <a:headEnd type="none" w="med" len="med"/>
+                      <a:tailEnd type="none" w="med" len="med"/>
+                    </a:lnL>
+                    <a:lnR w="6350" cap="flat" cmpd="sng" algn="ctr">
+                      <a:solidFill>
+                        <a:schemeClr val="accent3"/>
+                      </a:solidFill>
+                      <a:prstDash val="solid"/>
+                      <a:round/>
+                      <a:headEnd type="none" w="med" len="med"/>
+                      <a:tailEnd type="none" w="med" len="med"/>
+                    </a:lnR>
+                    <a:noFill/>
+                  </a:tcPr>
+                </a:tc>
+                <a:tc>
+                  <a:txBody>
+                    <a:bodyPr/>
+                    <a:lstStyle/>
+                    <a:p>
+                      <a:pPr algn="ctr"/>
+                      <a:r>
+                        <a:rPr lang="en-US"/>
+                        <a:t>4.71</a:t>
                       </a:r>
                     </a:p>
                   </a:txBody>
@@ -14704,7 +13579,7 @@
                       <a:pPr algn="ctr"/>
                       <a:r>
                         <a:rPr lang="en-US" dirty="0"/>
-                        <a:t>2.8</a:t>
+                        <a:t>58.9</a:t>
                       </a:r>
                     </a:p>
                   </a:txBody>
@@ -14723,11 +13598,11 @@
                 </a:tc>
                 <a:extLst>
                   <a:ext uri="{0D108BD9-81ED-4DB2-BD59-A6C34878D82A}">
-                    <a16:rowId xmlns:a16="http://schemas.microsoft.com/office/drawing/2014/main" val="1400497281"/>
+                    <a16:rowId xmlns:a16="http://schemas.microsoft.com/office/drawing/2014/main" val="567824203"/>
                   </a:ext>
                 </a:extLst>
               </a:tr>
-              <a:tr h="602177">
+              <a:tr h="659825">
                 <a:tc>
                   <a:txBody>
                     <a:bodyPr/>
@@ -14735,8 +13610,8 @@
                     <a:p>
                       <a:pPr algn="ctr"/>
                       <a:r>
-                        <a:rPr lang="en-US" b="0" dirty="0"/>
-                        <a:t>Item 4</a:t>
+                        <a:rPr lang="en-US" b="0"/>
+                        <a:t>10 000 000</a:t>
                       </a:r>
                     </a:p>
                   </a:txBody>
@@ -14760,8 +13635,8 @@
                     <a:p>
                       <a:pPr algn="ctr"/>
                       <a:r>
-                        <a:rPr lang="en-US" dirty="0"/>
-                        <a:t>4.5</a:t>
+                        <a:rPr lang="en-US"/>
+                        <a:t>10</a:t>
                       </a:r>
                     </a:p>
                   </a:txBody>
@@ -14794,8 +13669,8 @@
                     <a:p>
                       <a:pPr algn="ctr"/>
                       <a:r>
-                        <a:rPr lang="en-US" dirty="0"/>
-                        <a:t>2.2</a:t>
+                        <a:rPr lang="en-US"/>
+                        <a:t>153</a:t>
                       </a:r>
                     </a:p>
                   </a:txBody>
@@ -14828,8 +13703,168 @@
                     <a:p>
                       <a:pPr algn="ctr"/>
                       <a:r>
-                        <a:rPr lang="en-US" dirty="0"/>
-                        <a:t>1.7</a:t>
+                        <a:rPr lang="en-US"/>
+                        <a:t>12.75</a:t>
+                      </a:r>
+                    </a:p>
+                  </a:txBody>
+                  <a:tcPr anchor="ctr">
+                    <a:lnL w="6350" cap="flat" cmpd="sng" algn="ctr">
+                      <a:solidFill>
+                        <a:schemeClr val="accent3"/>
+                      </a:solidFill>
+                      <a:prstDash val="solid"/>
+                      <a:round/>
+                      <a:headEnd type="none" w="med" len="med"/>
+                      <a:tailEnd type="none" w="med" len="med"/>
+                    </a:lnL>
+                    <a:lnR w="6350" cap="flat" cmpd="sng" algn="ctr">
+                      <a:solidFill>
+                        <a:schemeClr val="accent4"/>
+                      </a:solidFill>
+                      <a:prstDash val="solid"/>
+                      <a:round/>
+                      <a:headEnd type="none" w="med" len="med"/>
+                      <a:tailEnd type="none" w="med" len="med"/>
+                    </a:lnR>
+                    <a:noFill/>
+                  </a:tcPr>
+                </a:tc>
+                <a:tc>
+                  <a:txBody>
+                    <a:bodyPr/>
+                    <a:lstStyle/>
+                    <a:p>
+                      <a:pPr algn="ctr"/>
+                      <a:r>
+                        <a:rPr lang="en-US"/>
+                        <a:t>159.4</a:t>
+                      </a:r>
+                    </a:p>
+                  </a:txBody>
+                  <a:tcPr anchor="ctr">
+                    <a:lnL w="6350" cap="flat" cmpd="sng" algn="ctr">
+                      <a:solidFill>
+                        <a:schemeClr val="accent4"/>
+                      </a:solidFill>
+                      <a:prstDash val="solid"/>
+                      <a:round/>
+                      <a:headEnd type="none" w="med" len="med"/>
+                      <a:tailEnd type="none" w="med" len="med"/>
+                    </a:lnL>
+                    <a:noFill/>
+                  </a:tcPr>
+                </a:tc>
+                <a:extLst>
+                  <a:ext uri="{0D108BD9-81ED-4DB2-BD59-A6C34878D82A}">
+                    <a16:rowId xmlns:a16="http://schemas.microsoft.com/office/drawing/2014/main" val="1198091620"/>
+                  </a:ext>
+                </a:extLst>
+              </a:tr>
+              <a:tr h="659825">
+                <a:tc>
+                  <a:txBody>
+                    <a:bodyPr/>
+                    <a:lstStyle/>
+                    <a:p>
+                      <a:pPr algn="ctr"/>
+                      <a:r>
+                        <a:rPr lang="nb-NO" b="0" dirty="0"/>
+                        <a:t>100 000 000</a:t>
+                      </a:r>
+                      <a:endParaRPr lang="en-US" b="0" dirty="0"/>
+                    </a:p>
+                  </a:txBody>
+                  <a:tcPr anchor="ctr">
+                    <a:lnR w="6350" cap="flat" cmpd="sng" algn="ctr">
+                      <a:solidFill>
+                        <a:schemeClr val="accent1"/>
+                      </a:solidFill>
+                      <a:prstDash val="solid"/>
+                      <a:round/>
+                      <a:headEnd type="none" w="med" len="med"/>
+                      <a:tailEnd type="none" w="med" len="med"/>
+                    </a:lnR>
+                    <a:noFill/>
+                  </a:tcPr>
+                </a:tc>
+                <a:tc>
+                  <a:txBody>
+                    <a:bodyPr/>
+                    <a:lstStyle/>
+                    <a:p>
+                      <a:pPr algn="ctr"/>
+                      <a:r>
+                        <a:rPr lang="en-US"/>
+                        <a:t>58</a:t>
+                      </a:r>
+                    </a:p>
+                  </a:txBody>
+                  <a:tcPr anchor="ctr">
+                    <a:lnL w="6350" cap="flat" cmpd="sng" algn="ctr">
+                      <a:solidFill>
+                        <a:schemeClr val="accent1"/>
+                      </a:solidFill>
+                      <a:prstDash val="solid"/>
+                      <a:round/>
+                      <a:headEnd type="none" w="med" len="med"/>
+                      <a:tailEnd type="none" w="med" len="med"/>
+                    </a:lnL>
+                    <a:lnR w="6350" cap="flat" cmpd="sng" algn="ctr">
+                      <a:solidFill>
+                        <a:schemeClr val="accent5"/>
+                      </a:solidFill>
+                      <a:prstDash val="solid"/>
+                      <a:round/>
+                      <a:headEnd type="none" w="med" len="med"/>
+                      <a:tailEnd type="none" w="med" len="med"/>
+                    </a:lnR>
+                    <a:noFill/>
+                  </a:tcPr>
+                </a:tc>
+                <a:tc>
+                  <a:txBody>
+                    <a:bodyPr/>
+                    <a:lstStyle/>
+                    <a:p>
+                      <a:pPr algn="ctr"/>
+                      <a:r>
+                        <a:rPr lang="en-US"/>
+                        <a:t>2082</a:t>
+                      </a:r>
+                    </a:p>
+                  </a:txBody>
+                  <a:tcPr anchor="ctr">
+                    <a:lnL w="6350" cap="flat" cmpd="sng" algn="ctr">
+                      <a:solidFill>
+                        <a:schemeClr val="accent5"/>
+                      </a:solidFill>
+                      <a:prstDash val="solid"/>
+                      <a:round/>
+                      <a:headEnd type="none" w="med" len="med"/>
+                      <a:tailEnd type="none" w="med" len="med"/>
+                    </a:lnL>
+                    <a:lnR w="6350" cap="flat" cmpd="sng" algn="ctr">
+                      <a:solidFill>
+                        <a:schemeClr val="accent3"/>
+                      </a:solidFill>
+                      <a:prstDash val="solid"/>
+                      <a:round/>
+                      <a:headEnd type="none" w="med" len="med"/>
+                      <a:tailEnd type="none" w="med" len="med"/>
+                    </a:lnR>
+                    <a:noFill/>
+                  </a:tcPr>
+                </a:tc>
+                <a:tc>
+                  <a:txBody>
+                    <a:bodyPr/>
+                    <a:lstStyle/>
+                    <a:p>
+                      <a:pPr algn="ctr"/>
+                      <a:r>
+                        <a:rPr lang="en-US"/>
+                        <a:t>35.9</a:t>
                       </a:r>
                     </a:p>
                   </a:txBody>
@@ -14863,7 +13898,7 @@
                       <a:pPr algn="ctr"/>
                       <a:r>
                         <a:rPr lang="en-US" dirty="0"/>
-                        <a:t>7</a:t>
+                        <a:t>448.7</a:t>
                       </a:r>
                     </a:p>
                   </a:txBody>
@@ -14882,7 +13917,7 @@
                 </a:tc>
                 <a:extLst>
                   <a:ext uri="{0D108BD9-81ED-4DB2-BD59-A6C34878D82A}">
-                    <a16:rowId xmlns:a16="http://schemas.microsoft.com/office/drawing/2014/main" val="567824203"/>
+                    <a16:rowId xmlns:a16="http://schemas.microsoft.com/office/drawing/2014/main" val="725966307"/>
                   </a:ext>
                 </a:extLst>
               </a:tr>
@@ -14922,9 +13957,9 @@
                   <a:schemeClr val="accent2"/>
                 </a:solidFill>
               </a:rPr>
-              <a:t>8</a:t>
+              <a:t>11</a:t>
             </a:fld>
-            <a:endParaRPr lang="en-US" b="1" cap="all" spc="100" dirty="0">
+            <a:endParaRPr lang="en-US" b="1" cap="all" spc="100">
               <a:solidFill>
                 <a:schemeClr val="accent2"/>
               </a:solidFill>
@@ -14935,7 +13970,7 @@
     </p:spTree>
     <p:extLst>
       <p:ext uri="{BB962C8B-B14F-4D97-AF65-F5344CB8AC3E}">
-        <p14:creationId xmlns:p14="http://schemas.microsoft.com/office/powerpoint/2010/main" val="277827655"/>
+        <p14:creationId xmlns:p14="http://schemas.microsoft.com/office/powerpoint/2010/main" val="683607201"/>
       </p:ext>
     </p:extLst>
   </p:cSld>
@@ -14945,7 +13980,7 @@
 </p:sld>
 </file>
 
-<file path=ppt/slides/slide9.xml><?xml version="1.0" encoding="utf-8"?>
+<file path=ppt/slides/slide12.xml><?xml version="1.0" encoding="utf-8"?>
 <p:sld xmlns:a="http://schemas.openxmlformats.org/drawingml/2006/main" xmlns:r="http://schemas.openxmlformats.org/officeDocument/2006/relationships" xmlns:p="http://schemas.openxmlformats.org/presentationml/2006/main">
   <p:cSld>
     <p:spTree>
@@ -14967,6 +14002,124 @@
           <p:cNvPr id="2" name="Title 1">
             <a:extLst>
               <a:ext uri="{FF2B5EF4-FFF2-40B4-BE49-F238E27FC236}">
+                <a16:creationId xmlns:a16="http://schemas.microsoft.com/office/drawing/2014/main" id="{D61945A8-197F-4A5A-8BCE-AEAABB4570AB}"/>
+              </a:ext>
+            </a:extLst>
+          </p:cNvPr>
+          <p:cNvSpPr>
+            <a:spLocks noGrp="1"/>
+          </p:cNvSpPr>
+          <p:nvPr>
+            <p:ph type="title"/>
+          </p:nvPr>
+        </p:nvSpPr>
+        <p:spPr/>
+        <p:txBody>
+          <a:bodyPr/>
+          <a:lstStyle/>
+          <a:p>
+            <a:r>
+              <a:rPr lang="en-US" dirty="0"/>
+              <a:t>Threshold </a:t>
+            </a:r>
+          </a:p>
+        </p:txBody>
+      </p:sp>
+      <p:graphicFrame>
+        <p:nvGraphicFramePr>
+          <p:cNvPr id="9" name="Content Placeholder 8">
+            <a:extLst>
+              <a:ext uri="{FF2B5EF4-FFF2-40B4-BE49-F238E27FC236}">
+                <a16:creationId xmlns:a16="http://schemas.microsoft.com/office/drawing/2014/main" id="{0D1D6461-C608-4093-B382-002256E8727A}"/>
+              </a:ext>
+            </a:extLst>
+          </p:cNvPr>
+          <p:cNvGraphicFramePr>
+            <a:graphicFrameLocks noGrp="1"/>
+          </p:cNvGraphicFramePr>
+          <p:nvPr>
+            <p:ph idx="1"/>
+            <p:extLst>
+              <p:ext uri="{D42A27DB-BD31-4B8C-83A1-F6EECF244321}">
+                <p14:modId xmlns:p14="http://schemas.microsoft.com/office/powerpoint/2010/main" val="1384502561"/>
+              </p:ext>
+            </p:extLst>
+          </p:nvPr>
+        </p:nvGraphicFramePr>
+        <p:xfrm>
+          <a:off x="838200" y="1825625"/>
+          <a:ext cx="10515600" cy="4351338"/>
+        </p:xfrm>
+        <a:graphic>
+          <a:graphicData uri="http://schemas.openxmlformats.org/drawingml/2006/chart">
+            <c:chart xmlns:c="http://schemas.openxmlformats.org/drawingml/2006/chart" xmlns:r="http://schemas.openxmlformats.org/officeDocument/2006/relationships" r:id="rId2"/>
+          </a:graphicData>
+        </a:graphic>
+      </p:graphicFrame>
+      <p:sp>
+        <p:nvSpPr>
+          <p:cNvPr id="4" name="Slide Number Placeholder 3">
+            <a:extLst>
+              <a:ext uri="{FF2B5EF4-FFF2-40B4-BE49-F238E27FC236}">
+                <a16:creationId xmlns:a16="http://schemas.microsoft.com/office/drawing/2014/main" id="{58B03321-AC7B-4624-A6D6-11CECBB63A09}"/>
+              </a:ext>
+            </a:extLst>
+          </p:cNvPr>
+          <p:cNvSpPr>
+            <a:spLocks noGrp="1"/>
+          </p:cNvSpPr>
+          <p:nvPr>
+            <p:ph type="sldNum" sz="quarter" idx="12"/>
+          </p:nvPr>
+        </p:nvSpPr>
+        <p:spPr/>
+        <p:txBody>
+          <a:bodyPr/>
+          <a:lstStyle/>
+          <a:p>
+            <a:fld id="{D8DA9DAA-006C-4F4B-980E-E3DF019B24E2}" type="slidenum">
+              <a:rPr lang="en-US" smtClean="0"/>
+              <a:t>12</a:t>
+            </a:fld>
+            <a:endParaRPr lang="en-US"/>
+          </a:p>
+        </p:txBody>
+      </p:sp>
+    </p:spTree>
+    <p:extLst>
+      <p:ext uri="{BB962C8B-B14F-4D97-AF65-F5344CB8AC3E}">
+        <p14:creationId xmlns:p14="http://schemas.microsoft.com/office/powerpoint/2010/main" val="2533246341"/>
+      </p:ext>
+    </p:extLst>
+  </p:cSld>
+  <p:clrMapOvr>
+    <a:masterClrMapping/>
+  </p:clrMapOvr>
+</p:sld>
+</file>
+
+<file path=ppt/slides/slide13.xml><?xml version="1.0" encoding="utf-8"?>
+<p:sld xmlns:a="http://schemas.openxmlformats.org/drawingml/2006/main" xmlns:r="http://schemas.openxmlformats.org/officeDocument/2006/relationships" xmlns:p="http://schemas.openxmlformats.org/presentationml/2006/main">
+  <p:cSld>
+    <p:spTree>
+      <p:nvGrpSpPr>
+        <p:cNvPr id="1" name=""/>
+        <p:cNvGrpSpPr/>
+        <p:nvPr/>
+      </p:nvGrpSpPr>
+      <p:grpSpPr>
+        <a:xfrm>
+          <a:off x="0" y="0"/>
+          <a:ext cx="0" cy="0"/>
+          <a:chOff x="0" y="0"/>
+          <a:chExt cx="0" cy="0"/>
+        </a:xfrm>
+      </p:grpSpPr>
+      <p:sp>
+        <p:nvSpPr>
+          <p:cNvPr id="2" name="Title 1">
+            <a:extLst>
+              <a:ext uri="{FF2B5EF4-FFF2-40B4-BE49-F238E27FC236}">
                 <a16:creationId xmlns:a16="http://schemas.microsoft.com/office/drawing/2014/main" id="{C5F2FB0B-15EC-453B-BC9B-69AD35DDCEA3}"/>
               </a:ext>
             </a:extLst>
@@ -14984,15 +14137,10 @@
           <a:lstStyle/>
           <a:p>
             <a:r>
-              <a:rPr lang="en-US" b="1" cap="all" spc="400" dirty="0">
-                <a:solidFill>
-                  <a:schemeClr val="bg1"/>
-                </a:solidFill>
-                <a:latin typeface="+mn-lt"/>
-              </a:rPr>
-              <a:t>Performance Evaluations</a:t>
+              <a:rPr lang="nb-NO" err="1"/>
+              <a:t>Conclusions</a:t>
             </a:r>
-            <a:endParaRPr lang="en-US" dirty="0"/>
+            <a:endParaRPr lang="en-US"/>
           </a:p>
         </p:txBody>
       </p:sp>
@@ -15017,22 +14165,2675 @@
           <a:bodyPr/>
           <a:lstStyle/>
           <a:p>
-            <a:r>
-              <a:rPr lang="en-US" sz="2000" dirty="0">
-                <a:solidFill>
-                  <a:schemeClr val="bg1"/>
-                </a:solidFill>
-              </a:rPr>
-              <a:t>Speedup and Efficiency</a:t>
-            </a:r>
-            <a:endParaRPr lang="en-US" dirty="0"/>
+            <a:endParaRPr lang="en-US"/>
           </a:p>
         </p:txBody>
       </p:sp>
     </p:spTree>
     <p:extLst>
       <p:ext uri="{BB962C8B-B14F-4D97-AF65-F5344CB8AC3E}">
-        <p14:creationId xmlns:p14="http://schemas.microsoft.com/office/powerpoint/2010/main" val="3196366112"/>
+        <p14:creationId xmlns:p14="http://schemas.microsoft.com/office/powerpoint/2010/main" val="378010570"/>
+      </p:ext>
+    </p:extLst>
+  </p:cSld>
+  <p:clrMapOvr>
+    <a:masterClrMapping/>
+  </p:clrMapOvr>
+</p:sld>
+</file>
+
+<file path=ppt/slides/slide14.xml><?xml version="1.0" encoding="utf-8"?>
+<p:sld xmlns:a="http://schemas.openxmlformats.org/drawingml/2006/main" xmlns:r="http://schemas.openxmlformats.org/officeDocument/2006/relationships" xmlns:p="http://schemas.openxmlformats.org/presentationml/2006/main">
+  <p:cSld>
+    <p:spTree>
+      <p:nvGrpSpPr>
+        <p:cNvPr id="1" name=""/>
+        <p:cNvGrpSpPr/>
+        <p:nvPr/>
+      </p:nvGrpSpPr>
+      <p:grpSpPr>
+        <a:xfrm>
+          <a:off x="0" y="0"/>
+          <a:ext cx="0" cy="0"/>
+          <a:chOff x="0" y="0"/>
+          <a:chExt cx="0" cy="0"/>
+        </a:xfrm>
+      </p:grpSpPr>
+      <p:sp>
+        <p:nvSpPr>
+          <p:cNvPr id="2" name="Title 1">
+            <a:extLst>
+              <a:ext uri="{FF2B5EF4-FFF2-40B4-BE49-F238E27FC236}">
+                <a16:creationId xmlns:a16="http://schemas.microsoft.com/office/drawing/2014/main" id="{CFACDA59-55A0-4EA5-B3E4-646D1D3B4CEB}"/>
+              </a:ext>
+            </a:extLst>
+          </p:cNvPr>
+          <p:cNvSpPr>
+            <a:spLocks noGrp="1"/>
+          </p:cNvSpPr>
+          <p:nvPr>
+            <p:ph type="title"/>
+          </p:nvPr>
+        </p:nvSpPr>
+        <p:spPr/>
+        <p:txBody>
+          <a:bodyPr>
+            <a:normAutofit/>
+          </a:bodyPr>
+          <a:lstStyle/>
+          <a:p>
+            <a:r>
+              <a:rPr lang="en-US" sz="5400"/>
+              <a:t>Conclusions</a:t>
+            </a:r>
+          </a:p>
+        </p:txBody>
+      </p:sp>
+      <p:sp>
+        <p:nvSpPr>
+          <p:cNvPr id="3" name="Text Placeholder 2">
+            <a:extLst>
+              <a:ext uri="{FF2B5EF4-FFF2-40B4-BE49-F238E27FC236}">
+                <a16:creationId xmlns:a16="http://schemas.microsoft.com/office/drawing/2014/main" id="{D14ABC42-7E22-4F59-A0B6-AD98B5CAE0C5}"/>
+              </a:ext>
+            </a:extLst>
+          </p:cNvPr>
+          <p:cNvSpPr>
+            <a:spLocks noGrp="1"/>
+          </p:cNvSpPr>
+          <p:nvPr>
+            <p:ph type="body" idx="1"/>
+          </p:nvPr>
+        </p:nvSpPr>
+        <p:spPr>
+          <a:xfrm>
+            <a:off x="1447800" y="1681163"/>
+            <a:ext cx="4549775" cy="823912"/>
+          </a:xfrm>
+        </p:spPr>
+        <p:txBody>
+          <a:bodyPr/>
+          <a:lstStyle/>
+          <a:p>
+            <a:r>
+              <a:rPr lang="en-US"/>
+              <a:t>Efficiency</a:t>
+            </a:r>
+          </a:p>
+        </p:txBody>
+      </p:sp>
+      <p:sp>
+        <p:nvSpPr>
+          <p:cNvPr id="4" name="Content Placeholder 3">
+            <a:extLst>
+              <a:ext uri="{FF2B5EF4-FFF2-40B4-BE49-F238E27FC236}">
+                <a16:creationId xmlns:a16="http://schemas.microsoft.com/office/drawing/2014/main" id="{1FE9CB6C-6FF8-4B8C-9B41-2DDD39B25DE3}"/>
+              </a:ext>
+            </a:extLst>
+          </p:cNvPr>
+          <p:cNvSpPr>
+            <a:spLocks noGrp="1"/>
+          </p:cNvSpPr>
+          <p:nvPr>
+            <p:ph sz="half" idx="2"/>
+          </p:nvPr>
+        </p:nvSpPr>
+        <p:spPr>
+          <a:xfrm>
+            <a:off x="1447800" y="2505075"/>
+            <a:ext cx="4549775" cy="3684588"/>
+          </a:xfrm>
+        </p:spPr>
+        <p:txBody>
+          <a:bodyPr vert="horz" lIns="91440" tIns="45720" rIns="91440" bIns="45720" rtlCol="0" anchor="t">
+            <a:normAutofit/>
+          </a:bodyPr>
+          <a:lstStyle/>
+          <a:p>
+            <a:r>
+              <a:rPr lang="en-US"/>
+              <a:t>Serial is superior</a:t>
+            </a:r>
+            <a:endParaRPr lang="en-US" sz="2000"/>
+          </a:p>
+          <a:p>
+            <a:r>
+              <a:rPr lang="en-US"/>
+              <a:t>Simplicity</a:t>
+            </a:r>
+            <a:endParaRPr lang="en-US" sz="2000"/>
+          </a:p>
+          <a:p>
+            <a:endParaRPr lang="en-US" sz="2000"/>
+          </a:p>
+        </p:txBody>
+      </p:sp>
+    </p:spTree>
+    <p:extLst>
+      <p:ext uri="{BB962C8B-B14F-4D97-AF65-F5344CB8AC3E}">
+        <p14:creationId xmlns:p14="http://schemas.microsoft.com/office/powerpoint/2010/main" val="3124766000"/>
+      </p:ext>
+    </p:extLst>
+  </p:cSld>
+  <p:clrMapOvr>
+    <a:masterClrMapping/>
+  </p:clrMapOvr>
+</p:sld>
+</file>
+
+<file path=ppt/slides/slide15.xml><?xml version="1.0" encoding="utf-8"?>
+<p:sld xmlns:a="http://schemas.openxmlformats.org/drawingml/2006/main" xmlns:r="http://schemas.openxmlformats.org/officeDocument/2006/relationships" xmlns:p="http://schemas.openxmlformats.org/presentationml/2006/main">
+  <p:cSld>
+    <p:spTree>
+      <p:nvGrpSpPr>
+        <p:cNvPr id="1" name=""/>
+        <p:cNvGrpSpPr/>
+        <p:nvPr/>
+      </p:nvGrpSpPr>
+      <p:grpSpPr>
+        <a:xfrm>
+          <a:off x="0" y="0"/>
+          <a:ext cx="0" cy="0"/>
+          <a:chOff x="0" y="0"/>
+          <a:chExt cx="0" cy="0"/>
+        </a:xfrm>
+      </p:grpSpPr>
+      <p:sp>
+        <p:nvSpPr>
+          <p:cNvPr id="24" name="Slide Number Placeholder 23">
+            <a:extLst>
+              <a:ext uri="{FF2B5EF4-FFF2-40B4-BE49-F238E27FC236}">
+                <a16:creationId xmlns:a16="http://schemas.microsoft.com/office/drawing/2014/main" id="{5D838446-B95D-4AB7-B8CA-D5804BB79A11}"/>
+              </a:ext>
+            </a:extLst>
+          </p:cNvPr>
+          <p:cNvSpPr>
+            <a:spLocks noGrp="1"/>
+          </p:cNvSpPr>
+          <p:nvPr>
+            <p:ph type="sldNum" sz="quarter" idx="12"/>
+          </p:nvPr>
+        </p:nvSpPr>
+        <p:spPr/>
+        <p:txBody>
+          <a:bodyPr/>
+          <a:lstStyle/>
+          <a:p>
+            <a:fld id="{D8DA9DAA-006C-4F4B-980E-E3DF019B24E2}" type="slidenum">
+              <a:rPr lang="en-US" smtClean="0"/>
+              <a:pPr/>
+              <a:t>15</a:t>
+            </a:fld>
+            <a:endParaRPr lang="en-US"/>
+          </a:p>
+        </p:txBody>
+      </p:sp>
+      <p:sp>
+        <p:nvSpPr>
+          <p:cNvPr id="23" name="Footer Placeholder 22">
+            <a:extLst>
+              <a:ext uri="{FF2B5EF4-FFF2-40B4-BE49-F238E27FC236}">
+                <a16:creationId xmlns:a16="http://schemas.microsoft.com/office/drawing/2014/main" id="{DE8D546E-0F46-4CC0-B2B1-8B2430D00C0C}"/>
+              </a:ext>
+            </a:extLst>
+          </p:cNvPr>
+          <p:cNvSpPr>
+            <a:spLocks noGrp="1"/>
+          </p:cNvSpPr>
+          <p:nvPr>
+            <p:ph type="ftr" sz="quarter" idx="11"/>
+          </p:nvPr>
+        </p:nvSpPr>
+        <p:spPr/>
+        <p:txBody>
+          <a:bodyPr/>
+          <a:lstStyle/>
+          <a:p>
+            <a:r>
+              <a:rPr lang="en-US"/>
+              <a:t>Min/Max</a:t>
+            </a:r>
+          </a:p>
+        </p:txBody>
+      </p:sp>
+      <p:pic>
+        <p:nvPicPr>
+          <p:cNvPr id="9" name="Picture Placeholder 8" descr="mountains at sunset">
+            <a:extLst>
+              <a:ext uri="{FF2B5EF4-FFF2-40B4-BE49-F238E27FC236}">
+                <a16:creationId xmlns:a16="http://schemas.microsoft.com/office/drawing/2014/main" id="{C82DA925-978C-48A9-98AD-0653B7A3D2D9}"/>
+              </a:ext>
+            </a:extLst>
+          </p:cNvPr>
+          <p:cNvPicPr>
+            <a:picLocks noGrp="1" noChangeAspect="1"/>
+          </p:cNvPicPr>
+          <p:nvPr>
+            <p:ph type="pic" sz="quarter" idx="14"/>
+          </p:nvPr>
+        </p:nvPicPr>
+        <p:blipFill rotWithShape="1">
+          <a:blip r:embed="rId2"/>
+          <a:srcRect t="41" b="41"/>
+          <a:stretch/>
+        </p:blipFill>
+        <p:spPr/>
+      </p:pic>
+      <p:pic>
+        <p:nvPicPr>
+          <p:cNvPr id="11" name="Picture Placeholder 10" descr="mountains at sunset">
+            <a:extLst>
+              <a:ext uri="{FF2B5EF4-FFF2-40B4-BE49-F238E27FC236}">
+                <a16:creationId xmlns:a16="http://schemas.microsoft.com/office/drawing/2014/main" id="{E63B7C3F-04A4-43F6-881D-FA11061CBAFA}"/>
+              </a:ext>
+            </a:extLst>
+          </p:cNvPr>
+          <p:cNvPicPr>
+            <a:picLocks noGrp="1" noChangeAspect="1"/>
+          </p:cNvPicPr>
+          <p:nvPr>
+            <p:ph type="pic" sz="quarter" idx="15"/>
+          </p:nvPr>
+        </p:nvPicPr>
+        <p:blipFill rotWithShape="1">
+          <a:blip r:embed="rId3"/>
+          <a:srcRect t="347" b="347"/>
+          <a:stretch/>
+        </p:blipFill>
+        <p:spPr/>
+      </p:pic>
+      <p:sp>
+        <p:nvSpPr>
+          <p:cNvPr id="6" name="Title 5">
+            <a:extLst>
+              <a:ext uri="{FF2B5EF4-FFF2-40B4-BE49-F238E27FC236}">
+                <a16:creationId xmlns:a16="http://schemas.microsoft.com/office/drawing/2014/main" id="{FF777B66-94CB-491C-AC6B-BDAC98E21D57}"/>
+              </a:ext>
+            </a:extLst>
+          </p:cNvPr>
+          <p:cNvSpPr>
+            <a:spLocks noGrp="1"/>
+          </p:cNvSpPr>
+          <p:nvPr>
+            <p:ph type="title"/>
+          </p:nvPr>
+        </p:nvSpPr>
+        <p:spPr/>
+        <p:txBody>
+          <a:bodyPr/>
+          <a:lstStyle/>
+          <a:p>
+            <a:r>
+              <a:rPr lang="en-US" dirty="0"/>
+              <a:t>Thank you</a:t>
+            </a:r>
+          </a:p>
+        </p:txBody>
+      </p:sp>
+      <p:sp>
+        <p:nvSpPr>
+          <p:cNvPr id="7" name="Text Placeholder 6">
+            <a:extLst>
+              <a:ext uri="{FF2B5EF4-FFF2-40B4-BE49-F238E27FC236}">
+                <a16:creationId xmlns:a16="http://schemas.microsoft.com/office/drawing/2014/main" id="{42AF1107-8D35-4E35-93C7-D3640946F742}"/>
+              </a:ext>
+            </a:extLst>
+          </p:cNvPr>
+          <p:cNvSpPr>
+            <a:spLocks noGrp="1"/>
+          </p:cNvSpPr>
+          <p:nvPr>
+            <p:ph type="body" sz="quarter" idx="13"/>
+          </p:nvPr>
+        </p:nvSpPr>
+        <p:spPr/>
+        <p:txBody>
+          <a:bodyPr vert="horz" lIns="91440" tIns="45720" rIns="91440" bIns="45720" rtlCol="0" anchor="t">
+            <a:normAutofit/>
+          </a:bodyPr>
+          <a:lstStyle/>
+          <a:p>
+            <a:endParaRPr lang="en-US"/>
+          </a:p>
+          <a:p>
+            <a:endParaRPr lang="en-US"/>
+          </a:p>
+        </p:txBody>
+      </p:sp>
+      <p:pic>
+        <p:nvPicPr>
+          <p:cNvPr id="15" name="Picture Placeholder 14" descr="mountains under near dusk sky">
+            <a:extLst>
+              <a:ext uri="{FF2B5EF4-FFF2-40B4-BE49-F238E27FC236}">
+                <a16:creationId xmlns:a16="http://schemas.microsoft.com/office/drawing/2014/main" id="{3D15FDC1-74B5-4FD8-BD17-0E2502C411A6}"/>
+              </a:ext>
+            </a:extLst>
+          </p:cNvPr>
+          <p:cNvPicPr>
+            <a:picLocks noGrp="1" noChangeAspect="1"/>
+          </p:cNvPicPr>
+          <p:nvPr>
+            <p:ph type="pic" sz="quarter" idx="17"/>
+          </p:nvPr>
+        </p:nvPicPr>
+        <p:blipFill rotWithShape="1">
+          <a:blip r:embed="rId4"/>
+          <a:srcRect l="16" r="16"/>
+          <a:stretch/>
+        </p:blipFill>
+        <p:spPr/>
+      </p:pic>
+      <p:pic>
+        <p:nvPicPr>
+          <p:cNvPr id="13" name="Picture Placeholder 12" descr="mountains under the night sky just before dawn">
+            <a:extLst>
+              <a:ext uri="{FF2B5EF4-FFF2-40B4-BE49-F238E27FC236}">
+                <a16:creationId xmlns:a16="http://schemas.microsoft.com/office/drawing/2014/main" id="{E02C4914-F076-4415-9C5D-A9BDB6CC6110}"/>
+              </a:ext>
+            </a:extLst>
+          </p:cNvPr>
+          <p:cNvPicPr>
+            <a:picLocks noGrp="1" noChangeAspect="1"/>
+          </p:cNvPicPr>
+          <p:nvPr>
+            <p:ph type="pic" sz="quarter" idx="16"/>
+          </p:nvPr>
+        </p:nvPicPr>
+        <p:blipFill rotWithShape="1">
+          <a:blip r:embed="rId5"/>
+          <a:srcRect t="108" b="108"/>
+          <a:stretch/>
+        </p:blipFill>
+        <p:spPr/>
+      </p:pic>
+      <p:sp>
+        <p:nvSpPr>
+          <p:cNvPr id="4" name="TextBox 3">
+            <a:extLst>
+              <a:ext uri="{FF2B5EF4-FFF2-40B4-BE49-F238E27FC236}">
+                <a16:creationId xmlns:a16="http://schemas.microsoft.com/office/drawing/2014/main" id="{B6801CC5-C9E0-4EE6-9959-C8826727F817}"/>
+              </a:ext>
+            </a:extLst>
+          </p:cNvPr>
+          <p:cNvSpPr txBox="1"/>
+          <p:nvPr/>
+        </p:nvSpPr>
+        <p:spPr>
+          <a:xfrm>
+            <a:off x="8133546" y="2992896"/>
+            <a:ext cx="954107" cy="369332"/>
+          </a:xfrm>
+          <a:prstGeom prst="rect">
+            <a:avLst/>
+          </a:prstGeom>
+          <a:noFill/>
+        </p:spPr>
+        <p:txBody>
+          <a:bodyPr wrap="none" rtlCol="0">
+            <a:spAutoFit/>
+          </a:bodyPr>
+          <a:lstStyle/>
+          <a:p>
+            <a:r>
+              <a:rPr lang="nb-NO" dirty="0">
+                <a:hlinkClick r:id="rId6"/>
+              </a:rPr>
+              <a:t>GitHub</a:t>
+            </a:r>
+            <a:endParaRPr lang="en-US" dirty="0"/>
+          </a:p>
+        </p:txBody>
+      </p:sp>
+    </p:spTree>
+    <p:extLst>
+      <p:ext uri="{BB962C8B-B14F-4D97-AF65-F5344CB8AC3E}">
+        <p14:creationId xmlns:p14="http://schemas.microsoft.com/office/powerpoint/2010/main" val="927313156"/>
+      </p:ext>
+    </p:extLst>
+  </p:cSld>
+  <p:clrMapOvr>
+    <a:masterClrMapping/>
+  </p:clrMapOvr>
+</p:sld>
+</file>
+
+<file path=ppt/slides/slide2.xml><?xml version="1.0" encoding="utf-8"?>
+<p:sld xmlns:a="http://schemas.openxmlformats.org/drawingml/2006/main" xmlns:r="http://schemas.openxmlformats.org/officeDocument/2006/relationships" xmlns:p="http://schemas.openxmlformats.org/presentationml/2006/main">
+  <p:cSld>
+    <p:spTree>
+      <p:nvGrpSpPr>
+        <p:cNvPr id="1" name=""/>
+        <p:cNvGrpSpPr/>
+        <p:nvPr/>
+      </p:nvGrpSpPr>
+      <p:grpSpPr>
+        <a:xfrm>
+          <a:off x="0" y="0"/>
+          <a:ext cx="0" cy="0"/>
+          <a:chOff x="0" y="0"/>
+          <a:chExt cx="0" cy="0"/>
+        </a:xfrm>
+      </p:grpSpPr>
+      <p:sp>
+        <p:nvSpPr>
+          <p:cNvPr id="3" name="Title 2">
+            <a:extLst>
+              <a:ext uri="{FF2B5EF4-FFF2-40B4-BE49-F238E27FC236}">
+                <a16:creationId xmlns:a16="http://schemas.microsoft.com/office/drawing/2014/main" id="{1DDBBC93-70DF-4E4E-98E3-08124185AB18}"/>
+              </a:ext>
+            </a:extLst>
+          </p:cNvPr>
+          <p:cNvSpPr>
+            <a:spLocks noGrp="1"/>
+          </p:cNvSpPr>
+          <p:nvPr>
+            <p:ph type="title"/>
+          </p:nvPr>
+        </p:nvSpPr>
+        <p:spPr/>
+        <p:txBody>
+          <a:bodyPr/>
+          <a:lstStyle/>
+          <a:p>
+            <a:r>
+              <a:rPr lang="en-US" b="1" cap="all" spc="400">
+                <a:solidFill>
+                  <a:schemeClr val="bg1"/>
+                </a:solidFill>
+                <a:latin typeface="+mn-lt"/>
+              </a:rPr>
+              <a:t>Agenda</a:t>
+            </a:r>
+            <a:endParaRPr lang="en-US"/>
+          </a:p>
+        </p:txBody>
+      </p:sp>
+      <p:sp>
+        <p:nvSpPr>
+          <p:cNvPr id="4" name="Text Placeholder 3">
+            <a:extLst>
+              <a:ext uri="{FF2B5EF4-FFF2-40B4-BE49-F238E27FC236}">
+                <a16:creationId xmlns:a16="http://schemas.microsoft.com/office/drawing/2014/main" id="{65DE74E9-AA78-46C1-845A-0B72FA8AF35E}"/>
+              </a:ext>
+            </a:extLst>
+          </p:cNvPr>
+          <p:cNvSpPr>
+            <a:spLocks noGrp="1"/>
+          </p:cNvSpPr>
+          <p:nvPr>
+            <p:ph type="body" sz="quarter" idx="13"/>
+          </p:nvPr>
+        </p:nvSpPr>
+        <p:spPr/>
+        <p:txBody>
+          <a:bodyPr/>
+          <a:lstStyle/>
+          <a:p>
+            <a:pPr algn="r"/>
+            <a:r>
+              <a:rPr lang="en-US" sz="1800">
+                <a:solidFill>
+                  <a:schemeClr val="bg1"/>
+                </a:solidFill>
+              </a:rPr>
+              <a:t>Problem statement</a:t>
+            </a:r>
+          </a:p>
+          <a:p>
+            <a:pPr algn="r"/>
+            <a:r>
+              <a:rPr lang="en-US" sz="1800">
+                <a:solidFill>
+                  <a:schemeClr val="bg1"/>
+                </a:solidFill>
+              </a:rPr>
+              <a:t>	Sequential Programming</a:t>
+            </a:r>
+          </a:p>
+          <a:p>
+            <a:pPr algn="r"/>
+            <a:r>
+              <a:rPr lang="en-US"/>
+              <a:t>Parallel Programming</a:t>
+            </a:r>
+          </a:p>
+          <a:p>
+            <a:pPr algn="r"/>
+            <a:r>
+              <a:rPr lang="en-US" sz="1800">
+                <a:solidFill>
+                  <a:schemeClr val="bg1"/>
+                </a:solidFill>
+              </a:rPr>
+              <a:t>Performance Evaluations</a:t>
+            </a:r>
+          </a:p>
+          <a:p>
+            <a:pPr algn="r"/>
+            <a:r>
+              <a:rPr lang="en-US"/>
+              <a:t>Conclusions</a:t>
+            </a:r>
+            <a:endParaRPr lang="en-US" sz="1800">
+              <a:solidFill>
+                <a:schemeClr val="bg1"/>
+              </a:solidFill>
+            </a:endParaRPr>
+          </a:p>
+        </p:txBody>
+      </p:sp>
+      <p:pic>
+        <p:nvPicPr>
+          <p:cNvPr id="6" name="Picture Placeholder 5" descr="mountains at sunset">
+            <a:hlinkClick r:id="" action="ppaction://hlinkshowjump?jump=nextslide"/>
+            <a:extLst>
+              <a:ext uri="{FF2B5EF4-FFF2-40B4-BE49-F238E27FC236}">
+                <a16:creationId xmlns:a16="http://schemas.microsoft.com/office/drawing/2014/main" id="{4642631A-6ABE-41EA-A308-9CF1230F1421}"/>
+              </a:ext>
+            </a:extLst>
+          </p:cNvPr>
+          <p:cNvPicPr>
+            <a:picLocks noGrp="1" noChangeAspect="1"/>
+          </p:cNvPicPr>
+          <p:nvPr>
+            <p:ph type="pic" sz="quarter" idx="14"/>
+          </p:nvPr>
+        </p:nvPicPr>
+        <p:blipFill rotWithShape="1">
+          <a:blip r:embed="rId2"/>
+          <a:srcRect/>
+          <a:stretch/>
+        </p:blipFill>
+        <p:spPr>
+          <a:xfrm>
+            <a:off x="1494964" y="2478304"/>
+            <a:ext cx="3707972" cy="3707971"/>
+          </a:xfrm>
+        </p:spPr>
+      </p:pic>
+      <p:sp>
+        <p:nvSpPr>
+          <p:cNvPr id="8" name="Footer Placeholder 7">
+            <a:extLst>
+              <a:ext uri="{FF2B5EF4-FFF2-40B4-BE49-F238E27FC236}">
+                <a16:creationId xmlns:a16="http://schemas.microsoft.com/office/drawing/2014/main" id="{AEEDFC2F-FF0A-4EC9-A0BB-0AA2B1E6BA4A}"/>
+              </a:ext>
+            </a:extLst>
+          </p:cNvPr>
+          <p:cNvSpPr>
+            <a:spLocks noGrp="1"/>
+          </p:cNvSpPr>
+          <p:nvPr>
+            <p:ph type="ftr" sz="quarter" idx="11"/>
+          </p:nvPr>
+        </p:nvSpPr>
+        <p:spPr/>
+        <p:txBody>
+          <a:bodyPr/>
+          <a:lstStyle/>
+          <a:p>
+            <a:r>
+              <a:rPr lang="en-US"/>
+              <a:t>Min/Max</a:t>
+            </a:r>
+          </a:p>
+        </p:txBody>
+      </p:sp>
+      <p:sp>
+        <p:nvSpPr>
+          <p:cNvPr id="9" name="Slide Number Placeholder 8">
+            <a:extLst>
+              <a:ext uri="{FF2B5EF4-FFF2-40B4-BE49-F238E27FC236}">
+                <a16:creationId xmlns:a16="http://schemas.microsoft.com/office/drawing/2014/main" id="{6DCF8D89-56D9-4E2B-9838-07DFB6E9D2BB}"/>
+              </a:ext>
+            </a:extLst>
+          </p:cNvPr>
+          <p:cNvSpPr>
+            <a:spLocks noGrp="1"/>
+          </p:cNvSpPr>
+          <p:nvPr>
+            <p:ph type="sldNum" sz="quarter" idx="12"/>
+          </p:nvPr>
+        </p:nvSpPr>
+        <p:spPr/>
+        <p:txBody>
+          <a:bodyPr/>
+          <a:lstStyle/>
+          <a:p>
+            <a:fld id="{D8DA9DAA-006C-4F4B-980E-E3DF019B24E2}" type="slidenum">
+              <a:rPr lang="en-US" smtClean="0"/>
+              <a:pPr/>
+              <a:t>2</a:t>
+            </a:fld>
+            <a:endParaRPr lang="en-US"/>
+          </a:p>
+        </p:txBody>
+      </p:sp>
+    </p:spTree>
+    <p:extLst>
+      <p:ext uri="{BB962C8B-B14F-4D97-AF65-F5344CB8AC3E}">
+        <p14:creationId xmlns:p14="http://schemas.microsoft.com/office/powerpoint/2010/main" val="1613598062"/>
+      </p:ext>
+    </p:extLst>
+  </p:cSld>
+  <p:clrMapOvr>
+    <a:masterClrMapping/>
+  </p:clrMapOvr>
+</p:sld>
+</file>
+
+<file path=ppt/slides/slide3.xml><?xml version="1.0" encoding="utf-8"?>
+<p:sld xmlns:a="http://schemas.openxmlformats.org/drawingml/2006/main" xmlns:r="http://schemas.openxmlformats.org/officeDocument/2006/relationships" xmlns:p="http://schemas.openxmlformats.org/presentationml/2006/main">
+  <p:cSld>
+    <p:spTree>
+      <p:nvGrpSpPr>
+        <p:cNvPr id="1" name=""/>
+        <p:cNvGrpSpPr/>
+        <p:nvPr/>
+      </p:nvGrpSpPr>
+      <p:grpSpPr>
+        <a:xfrm>
+          <a:off x="0" y="0"/>
+          <a:ext cx="0" cy="0"/>
+          <a:chOff x="0" y="0"/>
+          <a:chExt cx="0" cy="0"/>
+        </a:xfrm>
+      </p:grpSpPr>
+      <p:sp>
+        <p:nvSpPr>
+          <p:cNvPr id="2" name="Title 1">
+            <a:extLst>
+              <a:ext uri="{FF2B5EF4-FFF2-40B4-BE49-F238E27FC236}">
+                <a16:creationId xmlns:a16="http://schemas.microsoft.com/office/drawing/2014/main" id="{C5F2FB0B-15EC-453B-BC9B-69AD35DDCEA3}"/>
+              </a:ext>
+            </a:extLst>
+          </p:cNvPr>
+          <p:cNvSpPr>
+            <a:spLocks noGrp="1"/>
+          </p:cNvSpPr>
+          <p:nvPr>
+            <p:ph type="ctrTitle"/>
+          </p:nvPr>
+        </p:nvSpPr>
+        <p:spPr/>
+        <p:txBody>
+          <a:bodyPr/>
+          <a:lstStyle/>
+          <a:p>
+            <a:r>
+              <a:rPr lang="nb-NO"/>
+              <a:t>P</a:t>
+            </a:r>
+            <a:r>
+              <a:rPr lang="en-US" err="1"/>
+              <a:t>roblem</a:t>
+            </a:r>
+            <a:r>
+              <a:rPr lang="en-US"/>
+              <a:t> statement</a:t>
+            </a:r>
+          </a:p>
+        </p:txBody>
+      </p:sp>
+      <p:sp>
+        <p:nvSpPr>
+          <p:cNvPr id="3" name="Subtitle 2">
+            <a:extLst>
+              <a:ext uri="{FF2B5EF4-FFF2-40B4-BE49-F238E27FC236}">
+                <a16:creationId xmlns:a16="http://schemas.microsoft.com/office/drawing/2014/main" id="{05408798-0DB3-46BF-880E-7BB904D700F6}"/>
+              </a:ext>
+            </a:extLst>
+          </p:cNvPr>
+          <p:cNvSpPr>
+            <a:spLocks noGrp="1"/>
+          </p:cNvSpPr>
+          <p:nvPr>
+            <p:ph type="subTitle" idx="1"/>
+          </p:nvPr>
+        </p:nvSpPr>
+        <p:spPr/>
+        <p:txBody>
+          <a:bodyPr vert="horz" lIns="91440" tIns="45720" rIns="91440" bIns="45720" rtlCol="0" anchor="t">
+            <a:normAutofit/>
+          </a:bodyPr>
+          <a:lstStyle/>
+          <a:p>
+            <a:endParaRPr lang="en-US"/>
+          </a:p>
+        </p:txBody>
+      </p:sp>
+    </p:spTree>
+    <p:extLst>
+      <p:ext uri="{BB962C8B-B14F-4D97-AF65-F5344CB8AC3E}">
+        <p14:creationId xmlns:p14="http://schemas.microsoft.com/office/powerpoint/2010/main" val="2227882511"/>
+      </p:ext>
+    </p:extLst>
+  </p:cSld>
+  <p:clrMapOvr>
+    <a:masterClrMapping/>
+  </p:clrMapOvr>
+</p:sld>
+</file>
+
+<file path=ppt/slides/slide4.xml><?xml version="1.0" encoding="utf-8"?>
+<p:sld xmlns:a="http://schemas.openxmlformats.org/drawingml/2006/main" xmlns:r="http://schemas.openxmlformats.org/officeDocument/2006/relationships" xmlns:p="http://schemas.openxmlformats.org/presentationml/2006/main">
+  <p:cSld>
+    <p:bg>
+      <p:bgPr>
+        <a:solidFill>
+          <a:schemeClr val="bg1"/>
+        </a:solidFill>
+        <a:effectLst/>
+      </p:bgPr>
+    </p:bg>
+    <p:spTree>
+      <p:nvGrpSpPr>
+        <p:cNvPr id="1" name=""/>
+        <p:cNvGrpSpPr/>
+        <p:nvPr/>
+      </p:nvGrpSpPr>
+      <p:grpSpPr>
+        <a:xfrm>
+          <a:off x="0" y="0"/>
+          <a:ext cx="0" cy="0"/>
+          <a:chOff x="0" y="0"/>
+          <a:chExt cx="0" cy="0"/>
+        </a:xfrm>
+      </p:grpSpPr>
+      <p:cxnSp>
+        <p:nvCxnSpPr>
+          <p:cNvPr id="34" name="Straight Connector 19">
+            <a:extLst>
+              <a:ext uri="{FF2B5EF4-FFF2-40B4-BE49-F238E27FC236}">
+                <a16:creationId xmlns:a16="http://schemas.microsoft.com/office/drawing/2014/main" id="{5C05CAAB-DBA2-4548-AD5F-01BB97FBB207}"/>
+              </a:ext>
+              <a:ext uri="{C183D7F6-B498-43B3-948B-1728B52AA6E4}">
+                <adec:decorative xmlns:adec="http://schemas.microsoft.com/office/drawing/2017/decorative" val="1"/>
+              </a:ext>
+            </a:extLst>
+          </p:cNvPr>
+          <p:cNvCxnSpPr>
+            <a:cxnSpLocks noGrp="1" noRot="1" noChangeAspect="1" noMove="1" noResize="1" noEditPoints="1" noAdjustHandles="1" noChangeArrowheads="1" noChangeShapeType="1"/>
+          </p:cNvCxnSpPr>
+          <p:nvPr>
+            <p:extLst>
+              <p:ext uri="{386F3935-93C4-4BCD-93E2-E3B085C9AB24}">
+                <p16:designElem xmlns:p16="http://schemas.microsoft.com/office/powerpoint/2015/main" val="1"/>
+              </p:ext>
+            </p:extLst>
+          </p:nvPr>
+        </p:nvCxnSpPr>
+        <p:spPr>
+          <a:xfrm>
+            <a:off x="715890" y="356812"/>
+            <a:ext cx="0" cy="6492875"/>
+          </a:xfrm>
+          <a:prstGeom prst="line">
+            <a:avLst/>
+          </a:prstGeom>
+          <a:ln w="25400" cap="sq">
+            <a:gradFill flip="none" rotWithShape="1">
+              <a:gsLst>
+                <a:gs pos="0">
+                  <a:schemeClr val="accent2"/>
+                </a:gs>
+                <a:gs pos="100000">
+                  <a:schemeClr val="accent4"/>
+                </a:gs>
+              </a:gsLst>
+              <a:lin ang="16200000" scaled="1"/>
+              <a:tileRect/>
+            </a:gradFill>
+            <a:bevel/>
+          </a:ln>
+        </p:spPr>
+        <p:style>
+          <a:lnRef idx="1">
+            <a:schemeClr val="accent1"/>
+          </a:lnRef>
+          <a:fillRef idx="0">
+            <a:schemeClr val="accent1"/>
+          </a:fillRef>
+          <a:effectRef idx="0">
+            <a:schemeClr val="accent1"/>
+          </a:effectRef>
+          <a:fontRef idx="minor">
+            <a:schemeClr val="tx1"/>
+          </a:fontRef>
+        </p:style>
+      </p:cxnSp>
+      <p:sp useBgFill="1">
+        <p:nvSpPr>
+          <p:cNvPr id="35" name="Rectangle 21">
+            <a:extLst>
+              <a:ext uri="{FF2B5EF4-FFF2-40B4-BE49-F238E27FC236}">
+                <a16:creationId xmlns:a16="http://schemas.microsoft.com/office/drawing/2014/main" id="{A2679492-7988-4050-9056-542444452411}"/>
+              </a:ext>
+              <a:ext uri="{C183D7F6-B498-43B3-948B-1728B52AA6E4}">
+                <adec:decorative xmlns:adec="http://schemas.microsoft.com/office/drawing/2017/decorative" val="1"/>
+              </a:ext>
+            </a:extLst>
+          </p:cNvPr>
+          <p:cNvSpPr>
+            <a:spLocks noGrp="1" noRot="1" noChangeAspect="1" noMove="1" noResize="1" noEditPoints="1" noAdjustHandles="1" noChangeArrowheads="1" noChangeShapeType="1" noTextEdit="1"/>
+          </p:cNvSpPr>
+          <p:nvPr>
+            <p:extLst>
+              <p:ext uri="{386F3935-93C4-4BCD-93E2-E3B085C9AB24}">
+                <p16:designElem xmlns:p16="http://schemas.microsoft.com/office/powerpoint/2015/main" val="1"/>
+              </p:ext>
+            </p:extLst>
+          </p:nvPr>
+        </p:nvSpPr>
+        <p:spPr>
+          <a:xfrm>
+            <a:off x="0" y="0"/>
+            <a:ext cx="12192000" cy="6858000"/>
+          </a:xfrm>
+          <a:prstGeom prst="rect">
+            <a:avLst/>
+          </a:prstGeom>
+          <a:ln>
+            <a:noFill/>
+          </a:ln>
+        </p:spPr>
+        <p:style>
+          <a:lnRef idx="2">
+            <a:schemeClr val="accent1">
+              <a:shade val="50000"/>
+            </a:schemeClr>
+          </a:lnRef>
+          <a:fillRef idx="1">
+            <a:schemeClr val="accent1"/>
+          </a:fillRef>
+          <a:effectRef idx="0">
+            <a:schemeClr val="accent1"/>
+          </a:effectRef>
+          <a:fontRef idx="minor">
+            <a:schemeClr val="lt1"/>
+          </a:fontRef>
+        </p:style>
+        <p:txBody>
+          <a:bodyPr rtlCol="0" anchor="ctr"/>
+          <a:lstStyle/>
+          <a:p>
+            <a:pPr algn="ctr"/>
+            <a:endParaRPr lang="en-US"/>
+          </a:p>
+        </p:txBody>
+      </p:sp>
+      <p:sp>
+        <p:nvSpPr>
+          <p:cNvPr id="3" name="Title 2">
+            <a:extLst>
+              <a:ext uri="{FF2B5EF4-FFF2-40B4-BE49-F238E27FC236}">
+                <a16:creationId xmlns:a16="http://schemas.microsoft.com/office/drawing/2014/main" id="{0115FF41-AFA4-4D25-AB42-AB034F4B4FEC}"/>
+              </a:ext>
+            </a:extLst>
+          </p:cNvPr>
+          <p:cNvSpPr>
+            <a:spLocks noGrp="1"/>
+          </p:cNvSpPr>
+          <p:nvPr>
+            <p:ph type="title"/>
+          </p:nvPr>
+        </p:nvSpPr>
+        <p:spPr>
+          <a:xfrm>
+            <a:off x="6412091" y="501651"/>
+            <a:ext cx="4395340" cy="1716255"/>
+          </a:xfrm>
+        </p:spPr>
+        <p:txBody>
+          <a:bodyPr vert="horz" lIns="91440" tIns="45720" rIns="91440" bIns="45720" rtlCol="0" anchor="b">
+            <a:normAutofit/>
+          </a:bodyPr>
+          <a:lstStyle/>
+          <a:p>
+            <a:r>
+              <a:rPr lang="en-US" kern="1200">
+                <a:solidFill>
+                  <a:schemeClr val="tx1"/>
+                </a:solidFill>
+                <a:latin typeface="+mj-lt"/>
+                <a:ea typeface="+mj-ea"/>
+                <a:cs typeface="+mj-cs"/>
+              </a:rPr>
+              <a:t>Min/Max</a:t>
+            </a:r>
+          </a:p>
+        </p:txBody>
+      </p:sp>
+      <p:sp>
+        <p:nvSpPr>
+          <p:cNvPr id="36" name="Rectangle 23">
+            <a:extLst>
+              <a:ext uri="{FF2B5EF4-FFF2-40B4-BE49-F238E27FC236}">
+                <a16:creationId xmlns:a16="http://schemas.microsoft.com/office/drawing/2014/main" id="{B091B163-7D61-4891-ABCF-5C13D9C418D0}"/>
+              </a:ext>
+              <a:ext uri="{C183D7F6-B498-43B3-948B-1728B52AA6E4}">
+                <adec:decorative xmlns:adec="http://schemas.microsoft.com/office/drawing/2017/decorative" val="1"/>
+              </a:ext>
+            </a:extLst>
+          </p:cNvPr>
+          <p:cNvSpPr>
+            <a:spLocks noGrp="1" noRot="1" noChangeAspect="1" noMove="1" noResize="1" noEditPoints="1" noAdjustHandles="1" noChangeArrowheads="1" noChangeShapeType="1" noTextEdit="1"/>
+          </p:cNvSpPr>
+          <p:nvPr>
+            <p:extLst>
+              <p:ext uri="{386F3935-93C4-4BCD-93E2-E3B085C9AB24}">
+                <p16:designElem xmlns:p16="http://schemas.microsoft.com/office/powerpoint/2015/main" val="1"/>
+              </p:ext>
+            </p:extLst>
+          </p:nvPr>
+        </p:nvSpPr>
+        <p:spPr>
+          <a:xfrm>
+            <a:off x="0" y="0"/>
+            <a:ext cx="5779911" cy="6858000"/>
+          </a:xfrm>
+          <a:prstGeom prst="rect">
+            <a:avLst/>
+          </a:prstGeom>
+          <a:gradFill flip="none" rotWithShape="1">
+            <a:gsLst>
+              <a:gs pos="100000">
+                <a:schemeClr val="accent4"/>
+              </a:gs>
+              <a:gs pos="0">
+                <a:schemeClr val="accent2"/>
+              </a:gs>
+            </a:gsLst>
+            <a:lin ang="2700000" scaled="1"/>
+            <a:tileRect/>
+          </a:gradFill>
+          <a:ln>
+            <a:noFill/>
+          </a:ln>
+        </p:spPr>
+        <p:style>
+          <a:lnRef idx="2">
+            <a:schemeClr val="accent1">
+              <a:shade val="50000"/>
+            </a:schemeClr>
+          </a:lnRef>
+          <a:fillRef idx="1">
+            <a:schemeClr val="accent1"/>
+          </a:fillRef>
+          <a:effectRef idx="0">
+            <a:schemeClr val="accent1"/>
+          </a:effectRef>
+          <a:fontRef idx="minor">
+            <a:schemeClr val="lt1"/>
+          </a:fontRef>
+        </p:style>
+        <p:txBody>
+          <a:bodyPr rtlCol="0" anchor="ctr"/>
+          <a:lstStyle/>
+          <a:p>
+            <a:pPr algn="ctr"/>
+            <a:endParaRPr lang="en-US"/>
+          </a:p>
+        </p:txBody>
+      </p:sp>
+      <p:pic>
+        <p:nvPicPr>
+          <p:cNvPr id="15" name="Picture Placeholder 14">
+            <a:extLst>
+              <a:ext uri="{FF2B5EF4-FFF2-40B4-BE49-F238E27FC236}">
+                <a16:creationId xmlns:a16="http://schemas.microsoft.com/office/drawing/2014/main" id="{01D6FDDC-3429-4D33-BEF0-908648922FFA}"/>
+              </a:ext>
+            </a:extLst>
+          </p:cNvPr>
+          <p:cNvPicPr>
+            <a:picLocks noGrp="1" noChangeAspect="1"/>
+          </p:cNvPicPr>
+          <p:nvPr>
+            <p:ph type="pic" sz="quarter" idx="13"/>
+          </p:nvPr>
+        </p:nvPicPr>
+        <p:blipFill rotWithShape="1">
+          <a:blip r:embed="rId2"/>
+          <a:srcRect l="10627" r="10627"/>
+          <a:stretch/>
+        </p:blipFill>
+        <p:spPr>
+          <a:xfrm>
+            <a:off x="279143" y="818055"/>
+            <a:ext cx="5221625" cy="5221891"/>
+          </a:xfrm>
+          <a:prstGeom prst="rect">
+            <a:avLst/>
+          </a:prstGeom>
+        </p:spPr>
+      </p:pic>
+      <p:sp>
+        <p:nvSpPr>
+          <p:cNvPr id="4" name="Content Placeholder 3">
+            <a:extLst>
+              <a:ext uri="{FF2B5EF4-FFF2-40B4-BE49-F238E27FC236}">
+                <a16:creationId xmlns:a16="http://schemas.microsoft.com/office/drawing/2014/main" id="{B0881FA9-F3B0-4912-B0E1-352094195C30}"/>
+              </a:ext>
+            </a:extLst>
+          </p:cNvPr>
+          <p:cNvSpPr>
+            <a:spLocks noGrp="1"/>
+          </p:cNvSpPr>
+          <p:nvPr>
+            <p:ph idx="1"/>
+          </p:nvPr>
+        </p:nvSpPr>
+        <p:spPr>
+          <a:xfrm>
+            <a:off x="6392583" y="2645922"/>
+            <a:ext cx="4434721" cy="3710427"/>
+          </a:xfrm>
+        </p:spPr>
+        <p:txBody>
+          <a:bodyPr vert="horz" lIns="91440" tIns="45720" rIns="91440" bIns="45720" rtlCol="0" anchor="t">
+            <a:normAutofit/>
+          </a:bodyPr>
+          <a:lstStyle/>
+          <a:p>
+            <a:pPr>
+              <a:lnSpc>
+                <a:spcPct val="90000"/>
+              </a:lnSpc>
+            </a:pPr>
+            <a:r>
+              <a:rPr lang="en-US" sz="1800"/>
+              <a:t>Our problem statement is "project 6". We had to make a program that finds the smallest and the highest value, in our case we decided to give the data through a txt file.</a:t>
+            </a:r>
+            <a:endParaRPr lang="nb-NO"/>
+          </a:p>
+          <a:p>
+            <a:pPr indent="-228600">
+              <a:lnSpc>
+                <a:spcPct val="90000"/>
+              </a:lnSpc>
+              <a:buFont typeface="Arial" panose="020B0604020202020204" pitchFamily="34" charset="0"/>
+              <a:buChar char="•"/>
+            </a:pPr>
+            <a:endParaRPr lang="en-US" sz="1800"/>
+          </a:p>
+        </p:txBody>
+      </p:sp>
+      <p:sp>
+        <p:nvSpPr>
+          <p:cNvPr id="10" name="Footer Placeholder 9">
+            <a:extLst>
+              <a:ext uri="{FF2B5EF4-FFF2-40B4-BE49-F238E27FC236}">
+                <a16:creationId xmlns:a16="http://schemas.microsoft.com/office/drawing/2014/main" id="{A8C7C3A0-5E78-49C8-B8D4-F3DF62B2BC93}"/>
+              </a:ext>
+            </a:extLst>
+          </p:cNvPr>
+          <p:cNvSpPr>
+            <a:spLocks noGrp="1"/>
+          </p:cNvSpPr>
+          <p:nvPr>
+            <p:ph type="ftr" sz="quarter" idx="11"/>
+          </p:nvPr>
+        </p:nvSpPr>
+        <p:spPr>
+          <a:xfrm rot="16200000">
+            <a:off x="9812115" y="1591485"/>
+            <a:ext cx="3548094" cy="365125"/>
+          </a:xfrm>
+        </p:spPr>
+        <p:txBody>
+          <a:bodyPr vert="horz" lIns="91440" tIns="45720" rIns="91440" bIns="45720" rtlCol="0" anchor="ctr">
+            <a:normAutofit/>
+          </a:bodyPr>
+          <a:lstStyle/>
+          <a:p>
+            <a:pPr>
+              <a:spcAft>
+                <a:spcPts val="600"/>
+              </a:spcAft>
+            </a:pPr>
+            <a:r>
+              <a:rPr lang="en-US"/>
+              <a:t>Min/Max</a:t>
+            </a:r>
+            <a:endParaRPr lang="en-US" b="1" i="0" kern="1200" cap="all" spc="100" baseline="0">
+              <a:latin typeface="+mn-lt"/>
+              <a:ea typeface="+mn-ea"/>
+              <a:cs typeface="+mn-cs"/>
+            </a:endParaRPr>
+          </a:p>
+        </p:txBody>
+      </p:sp>
+      <p:sp>
+        <p:nvSpPr>
+          <p:cNvPr id="11" name="Slide Number Placeholder 10">
+            <a:extLst>
+              <a:ext uri="{FF2B5EF4-FFF2-40B4-BE49-F238E27FC236}">
+                <a16:creationId xmlns:a16="http://schemas.microsoft.com/office/drawing/2014/main" id="{56AE2454-CE9A-4A6B-AB5A-349E0D967654}"/>
+              </a:ext>
+            </a:extLst>
+          </p:cNvPr>
+          <p:cNvSpPr>
+            <a:spLocks noGrp="1"/>
+          </p:cNvSpPr>
+          <p:nvPr>
+            <p:ph type="sldNum" sz="quarter" idx="12"/>
+          </p:nvPr>
+        </p:nvSpPr>
+        <p:spPr>
+          <a:xfrm>
+            <a:off x="8610600" y="6356350"/>
+            <a:ext cx="2743200" cy="365125"/>
+          </a:xfrm>
+        </p:spPr>
+        <p:txBody>
+          <a:bodyPr vert="horz" lIns="91440" tIns="45720" rIns="91440" bIns="45720" rtlCol="0" anchor="ctr">
+            <a:normAutofit/>
+          </a:bodyPr>
+          <a:lstStyle/>
+          <a:p>
+            <a:pPr>
+              <a:spcAft>
+                <a:spcPts val="600"/>
+              </a:spcAft>
+            </a:pPr>
+            <a:fld id="{D8DA9DAA-006C-4F4B-980E-E3DF019B24E2}" type="slidenum">
+              <a:rPr lang="en-US" smtClean="0"/>
+              <a:pPr>
+                <a:spcAft>
+                  <a:spcPts val="600"/>
+                </a:spcAft>
+              </a:pPr>
+              <a:t>4</a:t>
+            </a:fld>
+            <a:endParaRPr lang="en-US"/>
+          </a:p>
+        </p:txBody>
+      </p:sp>
+      <p:cxnSp>
+        <p:nvCxnSpPr>
+          <p:cNvPr id="37" name="Straight Connector 25">
+            <a:extLst>
+              <a:ext uri="{FF2B5EF4-FFF2-40B4-BE49-F238E27FC236}">
+                <a16:creationId xmlns:a16="http://schemas.microsoft.com/office/drawing/2014/main" id="{C49DA8F6-BCC1-4447-B54C-57856834B94B}"/>
+              </a:ext>
+              <a:ext uri="{C183D7F6-B498-43B3-948B-1728B52AA6E4}">
+                <adec:decorative xmlns:adec="http://schemas.microsoft.com/office/drawing/2017/decorative" val="1"/>
+              </a:ext>
+            </a:extLst>
+          </p:cNvPr>
+          <p:cNvCxnSpPr>
+            <a:cxnSpLocks noGrp="1" noRot="1" noChangeAspect="1" noMove="1" noResize="1" noEditPoints="1" noAdjustHandles="1" noChangeArrowheads="1" noChangeShapeType="1"/>
+          </p:cNvCxnSpPr>
+          <p:nvPr>
+            <p:extLst>
+              <p:ext uri="{386F3935-93C4-4BCD-93E2-E3B085C9AB24}">
+                <p16:designElem xmlns:p16="http://schemas.microsoft.com/office/powerpoint/2015/main" val="1"/>
+              </p:ext>
+            </p:extLst>
+          </p:nvPr>
+        </p:nvCxnSpPr>
+        <p:spPr>
+          <a:xfrm>
+            <a:off x="11586162" y="3610394"/>
+            <a:ext cx="0" cy="3238728"/>
+          </a:xfrm>
+          <a:prstGeom prst="line">
+            <a:avLst/>
+          </a:prstGeom>
+          <a:ln w="25400" cap="sq">
+            <a:gradFill flip="none" rotWithShape="1">
+              <a:gsLst>
+                <a:gs pos="0">
+                  <a:schemeClr val="accent2"/>
+                </a:gs>
+                <a:gs pos="100000">
+                  <a:schemeClr val="accent4"/>
+                </a:gs>
+              </a:gsLst>
+              <a:lin ang="16200000" scaled="1"/>
+              <a:tileRect/>
+            </a:gradFill>
+            <a:bevel/>
+          </a:ln>
+        </p:spPr>
+        <p:style>
+          <a:lnRef idx="1">
+            <a:schemeClr val="accent1"/>
+          </a:lnRef>
+          <a:fillRef idx="0">
+            <a:schemeClr val="accent1"/>
+          </a:fillRef>
+          <a:effectRef idx="0">
+            <a:schemeClr val="accent1"/>
+          </a:effectRef>
+          <a:fontRef idx="minor">
+            <a:schemeClr val="tx1"/>
+          </a:fontRef>
+        </p:style>
+      </p:cxnSp>
+    </p:spTree>
+    <p:extLst>
+      <p:ext uri="{BB962C8B-B14F-4D97-AF65-F5344CB8AC3E}">
+        <p14:creationId xmlns:p14="http://schemas.microsoft.com/office/powerpoint/2010/main" val="365334912"/>
+      </p:ext>
+    </p:extLst>
+  </p:cSld>
+  <p:clrMapOvr>
+    <a:masterClrMapping/>
+  </p:clrMapOvr>
+</p:sld>
+</file>
+
+<file path=ppt/slides/slide5.xml><?xml version="1.0" encoding="utf-8"?>
+<p:sld xmlns:a="http://schemas.openxmlformats.org/drawingml/2006/main" xmlns:r="http://schemas.openxmlformats.org/officeDocument/2006/relationships" xmlns:p="http://schemas.openxmlformats.org/presentationml/2006/main">
+  <p:cSld>
+    <p:spTree>
+      <p:nvGrpSpPr>
+        <p:cNvPr id="1" name=""/>
+        <p:cNvGrpSpPr/>
+        <p:nvPr/>
+      </p:nvGrpSpPr>
+      <p:grpSpPr>
+        <a:xfrm>
+          <a:off x="0" y="0"/>
+          <a:ext cx="0" cy="0"/>
+          <a:chOff x="0" y="0"/>
+          <a:chExt cx="0" cy="0"/>
+        </a:xfrm>
+      </p:grpSpPr>
+      <p:sp>
+        <p:nvSpPr>
+          <p:cNvPr id="2" name="Title 1">
+            <a:extLst>
+              <a:ext uri="{FF2B5EF4-FFF2-40B4-BE49-F238E27FC236}">
+                <a16:creationId xmlns:a16="http://schemas.microsoft.com/office/drawing/2014/main" id="{C5F2FB0B-15EC-453B-BC9B-69AD35DDCEA3}"/>
+              </a:ext>
+            </a:extLst>
+          </p:cNvPr>
+          <p:cNvSpPr>
+            <a:spLocks noGrp="1"/>
+          </p:cNvSpPr>
+          <p:nvPr>
+            <p:ph type="ctrTitle"/>
+          </p:nvPr>
+        </p:nvSpPr>
+        <p:spPr/>
+        <p:txBody>
+          <a:bodyPr/>
+          <a:lstStyle/>
+          <a:p>
+            <a:r>
+              <a:rPr lang="en-US" b="1" cap="all" spc="400">
+                <a:solidFill>
+                  <a:schemeClr val="bg1"/>
+                </a:solidFill>
+                <a:latin typeface="+mn-lt"/>
+              </a:rPr>
+              <a:t>Sequential programming</a:t>
+            </a:r>
+            <a:endParaRPr lang="en-US"/>
+          </a:p>
+        </p:txBody>
+      </p:sp>
+      <p:sp>
+        <p:nvSpPr>
+          <p:cNvPr id="5" name="Subtitle 4">
+            <a:extLst>
+              <a:ext uri="{FF2B5EF4-FFF2-40B4-BE49-F238E27FC236}">
+                <a16:creationId xmlns:a16="http://schemas.microsoft.com/office/drawing/2014/main" id="{6672777C-F41D-46F3-8DE8-6E6F7D693210}"/>
+              </a:ext>
+            </a:extLst>
+          </p:cNvPr>
+          <p:cNvSpPr>
+            <a:spLocks noGrp="1"/>
+          </p:cNvSpPr>
+          <p:nvPr>
+            <p:ph type="subTitle" idx="1"/>
+          </p:nvPr>
+        </p:nvSpPr>
+        <p:spPr/>
+        <p:txBody>
+          <a:bodyPr/>
+          <a:lstStyle/>
+          <a:p>
+            <a:endParaRPr lang="en-US"/>
+          </a:p>
+        </p:txBody>
+      </p:sp>
+    </p:spTree>
+    <p:extLst>
+      <p:ext uri="{BB962C8B-B14F-4D97-AF65-F5344CB8AC3E}">
+        <p14:creationId xmlns:p14="http://schemas.microsoft.com/office/powerpoint/2010/main" val="3038824661"/>
+      </p:ext>
+    </p:extLst>
+  </p:cSld>
+  <p:clrMapOvr>
+    <a:masterClrMapping/>
+  </p:clrMapOvr>
+</p:sld>
+</file>
+
+<file path=ppt/slides/slide6.xml><?xml version="1.0" encoding="utf-8"?>
+<p:sld xmlns:a="http://schemas.openxmlformats.org/drawingml/2006/main" xmlns:r="http://schemas.openxmlformats.org/officeDocument/2006/relationships" xmlns:p="http://schemas.openxmlformats.org/presentationml/2006/main">
+  <p:cSld>
+    <p:bg>
+      <p:bgPr>
+        <a:solidFill>
+          <a:schemeClr val="bg1"/>
+        </a:solidFill>
+        <a:effectLst/>
+      </p:bgPr>
+    </p:bg>
+    <p:spTree>
+      <p:nvGrpSpPr>
+        <p:cNvPr id="1" name=""/>
+        <p:cNvGrpSpPr/>
+        <p:nvPr/>
+      </p:nvGrpSpPr>
+      <p:grpSpPr>
+        <a:xfrm>
+          <a:off x="0" y="0"/>
+          <a:ext cx="0" cy="0"/>
+          <a:chOff x="0" y="0"/>
+          <a:chExt cx="0" cy="0"/>
+        </a:xfrm>
+      </p:grpSpPr>
+      <p:sp useBgFill="1">
+        <p:nvSpPr>
+          <p:cNvPr id="55" name="Rectangle 54">
+            <a:extLst>
+              <a:ext uri="{FF2B5EF4-FFF2-40B4-BE49-F238E27FC236}">
+                <a16:creationId xmlns:a16="http://schemas.microsoft.com/office/drawing/2014/main" id="{A2679492-7988-4050-9056-542444452411}"/>
+              </a:ext>
+              <a:ext uri="{C183D7F6-B498-43B3-948B-1728B52AA6E4}">
+                <adec:decorative xmlns:adec="http://schemas.microsoft.com/office/drawing/2017/decorative" val="1"/>
+              </a:ext>
+            </a:extLst>
+          </p:cNvPr>
+          <p:cNvSpPr>
+            <a:spLocks noGrp="1" noRot="1" noChangeAspect="1" noMove="1" noResize="1" noEditPoints="1" noAdjustHandles="1" noChangeArrowheads="1" noChangeShapeType="1" noTextEdit="1"/>
+          </p:cNvSpPr>
+          <p:nvPr>
+            <p:extLst>
+              <p:ext uri="{386F3935-93C4-4BCD-93E2-E3B085C9AB24}">
+                <p16:designElem xmlns:p16="http://schemas.microsoft.com/office/powerpoint/2015/main" val="1"/>
+              </p:ext>
+            </p:extLst>
+          </p:nvPr>
+        </p:nvSpPr>
+        <p:spPr>
+          <a:xfrm>
+            <a:off x="0" y="0"/>
+            <a:ext cx="12192000" cy="6858000"/>
+          </a:xfrm>
+          <a:prstGeom prst="rect">
+            <a:avLst/>
+          </a:prstGeom>
+          <a:ln>
+            <a:noFill/>
+          </a:ln>
+        </p:spPr>
+        <p:style>
+          <a:lnRef idx="2">
+            <a:schemeClr val="accent1">
+              <a:shade val="50000"/>
+            </a:schemeClr>
+          </a:lnRef>
+          <a:fillRef idx="1">
+            <a:schemeClr val="accent1"/>
+          </a:fillRef>
+          <a:effectRef idx="0">
+            <a:schemeClr val="accent1"/>
+          </a:effectRef>
+          <a:fontRef idx="minor">
+            <a:schemeClr val="lt1"/>
+          </a:fontRef>
+        </p:style>
+        <p:txBody>
+          <a:bodyPr rtlCol="0" anchor="ctr"/>
+          <a:lstStyle/>
+          <a:p>
+            <a:pPr algn="ctr"/>
+            <a:endParaRPr lang="en-US"/>
+          </a:p>
+        </p:txBody>
+      </p:sp>
+      <p:sp>
+        <p:nvSpPr>
+          <p:cNvPr id="2" name="Tittel 1">
+            <a:extLst>
+              <a:ext uri="{FF2B5EF4-FFF2-40B4-BE49-F238E27FC236}">
+                <a16:creationId xmlns:a16="http://schemas.microsoft.com/office/drawing/2014/main" id="{4C312102-DF03-65CA-F72D-A9D88E8E966F}"/>
+              </a:ext>
+            </a:extLst>
+          </p:cNvPr>
+          <p:cNvSpPr>
+            <a:spLocks noGrp="1"/>
+          </p:cNvSpPr>
+          <p:nvPr>
+            <p:ph type="title"/>
+          </p:nvPr>
+        </p:nvSpPr>
+        <p:spPr>
+          <a:xfrm>
+            <a:off x="6392583" y="501651"/>
+            <a:ext cx="4414848" cy="1716255"/>
+          </a:xfrm>
+        </p:spPr>
+        <p:txBody>
+          <a:bodyPr anchor="b">
+            <a:normAutofit/>
+          </a:bodyPr>
+          <a:lstStyle/>
+          <a:p>
+            <a:endParaRPr lang="nb-NO"/>
+          </a:p>
+        </p:txBody>
+      </p:sp>
+      <p:sp>
+        <p:nvSpPr>
+          <p:cNvPr id="57" name="Rectangle 56">
+            <a:extLst>
+              <a:ext uri="{FF2B5EF4-FFF2-40B4-BE49-F238E27FC236}">
+                <a16:creationId xmlns:a16="http://schemas.microsoft.com/office/drawing/2014/main" id="{B091B163-7D61-4891-ABCF-5C13D9C418D0}"/>
+              </a:ext>
+              <a:ext uri="{C183D7F6-B498-43B3-948B-1728B52AA6E4}">
+                <adec:decorative xmlns:adec="http://schemas.microsoft.com/office/drawing/2017/decorative" val="1"/>
+              </a:ext>
+            </a:extLst>
+          </p:cNvPr>
+          <p:cNvSpPr>
+            <a:spLocks noGrp="1" noRot="1" noChangeAspect="1" noMove="1" noResize="1" noEditPoints="1" noAdjustHandles="1" noChangeArrowheads="1" noChangeShapeType="1" noTextEdit="1"/>
+          </p:cNvSpPr>
+          <p:nvPr>
+            <p:extLst>
+              <p:ext uri="{386F3935-93C4-4BCD-93E2-E3B085C9AB24}">
+                <p16:designElem xmlns:p16="http://schemas.microsoft.com/office/powerpoint/2015/main" val="1"/>
+              </p:ext>
+            </p:extLst>
+          </p:nvPr>
+        </p:nvSpPr>
+        <p:spPr>
+          <a:xfrm>
+            <a:off x="0" y="0"/>
+            <a:ext cx="5779911" cy="6858000"/>
+          </a:xfrm>
+          <a:prstGeom prst="rect">
+            <a:avLst/>
+          </a:prstGeom>
+          <a:gradFill flip="none" rotWithShape="1">
+            <a:gsLst>
+              <a:gs pos="100000">
+                <a:schemeClr val="accent4"/>
+              </a:gs>
+              <a:gs pos="0">
+                <a:schemeClr val="accent2"/>
+              </a:gs>
+            </a:gsLst>
+            <a:lin ang="2700000" scaled="1"/>
+            <a:tileRect/>
+          </a:gradFill>
+          <a:ln>
+            <a:noFill/>
+          </a:ln>
+        </p:spPr>
+        <p:style>
+          <a:lnRef idx="2">
+            <a:schemeClr val="accent1">
+              <a:shade val="50000"/>
+            </a:schemeClr>
+          </a:lnRef>
+          <a:fillRef idx="1">
+            <a:schemeClr val="accent1"/>
+          </a:fillRef>
+          <a:effectRef idx="0">
+            <a:schemeClr val="accent1"/>
+          </a:effectRef>
+          <a:fontRef idx="minor">
+            <a:schemeClr val="lt1"/>
+          </a:fontRef>
+        </p:style>
+        <p:txBody>
+          <a:bodyPr rtlCol="0" anchor="ctr"/>
+          <a:lstStyle/>
+          <a:p>
+            <a:pPr algn="ctr"/>
+            <a:endParaRPr lang="en-US"/>
+          </a:p>
+        </p:txBody>
+      </p:sp>
+      <p:pic>
+        <p:nvPicPr>
+          <p:cNvPr id="10" name="Picture 9">
+            <a:extLst>
+              <a:ext uri="{FF2B5EF4-FFF2-40B4-BE49-F238E27FC236}">
+                <a16:creationId xmlns:a16="http://schemas.microsoft.com/office/drawing/2014/main" id="{EEEE6F1A-799C-4190-BC91-54D14D30564E}"/>
+              </a:ext>
+            </a:extLst>
+          </p:cNvPr>
+          <p:cNvPicPr>
+            <a:picLocks noChangeAspect="1"/>
+          </p:cNvPicPr>
+          <p:nvPr/>
+        </p:nvPicPr>
+        <p:blipFill rotWithShape="1">
+          <a:blip r:embed="rId3"/>
+          <a:srcRect l="13568" r="3217" b="2"/>
+          <a:stretch/>
+        </p:blipFill>
+        <p:spPr>
+          <a:xfrm>
+            <a:off x="279143" y="299509"/>
+            <a:ext cx="5221625" cy="6258983"/>
+          </a:xfrm>
+          <a:prstGeom prst="rect">
+            <a:avLst/>
+          </a:prstGeom>
+        </p:spPr>
+      </p:pic>
+      <p:sp>
+        <p:nvSpPr>
+          <p:cNvPr id="3" name="Plassholder for innhold 2">
+            <a:extLst>
+              <a:ext uri="{FF2B5EF4-FFF2-40B4-BE49-F238E27FC236}">
+                <a16:creationId xmlns:a16="http://schemas.microsoft.com/office/drawing/2014/main" id="{57DB2D07-79E2-8798-80F5-1E0102380E2F}"/>
+              </a:ext>
+            </a:extLst>
+          </p:cNvPr>
+          <p:cNvSpPr>
+            <a:spLocks noGrp="1"/>
+          </p:cNvSpPr>
+          <p:nvPr>
+            <p:ph idx="1"/>
+          </p:nvPr>
+        </p:nvSpPr>
+        <p:spPr>
+          <a:xfrm>
+            <a:off x="6392583" y="2645922"/>
+            <a:ext cx="4434721" cy="3710427"/>
+          </a:xfrm>
+        </p:spPr>
+        <p:txBody>
+          <a:bodyPr anchor="t">
+            <a:normAutofit/>
+          </a:bodyPr>
+          <a:lstStyle/>
+          <a:p>
+            <a:r>
+              <a:rPr lang="nb-NO" sz="1800" dirty="0"/>
+              <a:t>Our </a:t>
+            </a:r>
+            <a:r>
+              <a:rPr lang="nb-NO" sz="1800" dirty="0" err="1"/>
+              <a:t>solution</a:t>
+            </a:r>
+            <a:endParaRPr lang="nb-NO" sz="1800" dirty="0"/>
+          </a:p>
+          <a:p>
+            <a:pPr lvl="1"/>
+            <a:r>
+              <a:rPr lang="nb-NO" sz="1400" dirty="0" err="1"/>
+              <a:t>Integer</a:t>
+            </a:r>
+            <a:r>
+              <a:rPr lang="nb-NO" sz="1400" dirty="0"/>
+              <a:t> </a:t>
+            </a:r>
+            <a:r>
+              <a:rPr lang="nb-NO" sz="1400" dirty="0" err="1"/>
+              <a:t>array</a:t>
+            </a:r>
+            <a:endParaRPr lang="nb-NO" sz="1400" dirty="0"/>
+          </a:p>
+          <a:p>
+            <a:pPr lvl="1"/>
+            <a:r>
+              <a:rPr lang="nb-NO" sz="1400" dirty="0"/>
+              <a:t>For loop</a:t>
+            </a:r>
+          </a:p>
+        </p:txBody>
+      </p:sp>
+      <p:sp>
+        <p:nvSpPr>
+          <p:cNvPr id="4" name="Plassholder for lysbildenummer 3">
+            <a:extLst>
+              <a:ext uri="{FF2B5EF4-FFF2-40B4-BE49-F238E27FC236}">
+                <a16:creationId xmlns:a16="http://schemas.microsoft.com/office/drawing/2014/main" id="{92A6A28E-0D6F-F078-1D55-54F4890BA262}"/>
+              </a:ext>
+            </a:extLst>
+          </p:cNvPr>
+          <p:cNvSpPr>
+            <a:spLocks noGrp="1"/>
+          </p:cNvSpPr>
+          <p:nvPr>
+            <p:ph type="sldNum" sz="quarter" idx="12"/>
+          </p:nvPr>
+        </p:nvSpPr>
+        <p:spPr>
+          <a:xfrm>
+            <a:off x="8610600" y="6356350"/>
+            <a:ext cx="2743200" cy="365125"/>
+          </a:xfrm>
+        </p:spPr>
+        <p:txBody>
+          <a:bodyPr>
+            <a:normAutofit/>
+          </a:bodyPr>
+          <a:lstStyle/>
+          <a:p>
+            <a:pPr>
+              <a:spcAft>
+                <a:spcPts val="600"/>
+              </a:spcAft>
+            </a:pPr>
+            <a:fld id="{D8DA9DAA-006C-4F4B-980E-E3DF019B24E2}" type="slidenum">
+              <a:rPr lang="en-US">
+                <a:solidFill>
+                  <a:schemeClr val="accent2"/>
+                </a:solidFill>
+              </a:rPr>
+              <a:pPr>
+                <a:spcAft>
+                  <a:spcPts val="600"/>
+                </a:spcAft>
+              </a:pPr>
+              <a:t>6</a:t>
+            </a:fld>
+            <a:endParaRPr lang="en-US">
+              <a:solidFill>
+                <a:schemeClr val="accent2"/>
+              </a:solidFill>
+            </a:endParaRPr>
+          </a:p>
+        </p:txBody>
+      </p:sp>
+      <p:cxnSp>
+        <p:nvCxnSpPr>
+          <p:cNvPr id="59" name="!!Straight Connector">
+            <a:extLst>
+              <a:ext uri="{FF2B5EF4-FFF2-40B4-BE49-F238E27FC236}">
+                <a16:creationId xmlns:a16="http://schemas.microsoft.com/office/drawing/2014/main" id="{C49DA8F6-BCC1-4447-B54C-57856834B94B}"/>
+              </a:ext>
+              <a:ext uri="{C183D7F6-B498-43B3-948B-1728B52AA6E4}">
+                <adec:decorative xmlns:adec="http://schemas.microsoft.com/office/drawing/2017/decorative" val="1"/>
+              </a:ext>
+            </a:extLst>
+          </p:cNvPr>
+          <p:cNvCxnSpPr>
+            <a:cxnSpLocks noGrp="1" noRot="1" noChangeAspect="1" noMove="1" noResize="1" noEditPoints="1" noAdjustHandles="1" noChangeArrowheads="1" noChangeShapeType="1"/>
+          </p:cNvCxnSpPr>
+          <p:nvPr>
+            <p:extLst>
+              <p:ext uri="{386F3935-93C4-4BCD-93E2-E3B085C9AB24}">
+                <p16:designElem xmlns:p16="http://schemas.microsoft.com/office/powerpoint/2015/main" val="1"/>
+              </p:ext>
+            </p:extLst>
+          </p:nvPr>
+        </p:nvCxnSpPr>
+        <p:spPr>
+          <a:xfrm>
+            <a:off x="11586162" y="3619272"/>
+            <a:ext cx="0" cy="3238728"/>
+          </a:xfrm>
+          <a:prstGeom prst="line">
+            <a:avLst/>
+          </a:prstGeom>
+          <a:ln w="25400" cap="sq">
+            <a:gradFill flip="none" rotWithShape="1">
+              <a:gsLst>
+                <a:gs pos="0">
+                  <a:schemeClr val="accent2"/>
+                </a:gs>
+                <a:gs pos="100000">
+                  <a:schemeClr val="accent4"/>
+                </a:gs>
+              </a:gsLst>
+              <a:lin ang="16200000" scaled="1"/>
+              <a:tileRect/>
+            </a:gradFill>
+            <a:bevel/>
+          </a:ln>
+        </p:spPr>
+        <p:style>
+          <a:lnRef idx="1">
+            <a:schemeClr val="accent1"/>
+          </a:lnRef>
+          <a:fillRef idx="0">
+            <a:schemeClr val="accent1"/>
+          </a:fillRef>
+          <a:effectRef idx="0">
+            <a:schemeClr val="accent1"/>
+          </a:effectRef>
+          <a:fontRef idx="minor">
+            <a:schemeClr val="tx1"/>
+          </a:fontRef>
+        </p:style>
+      </p:cxnSp>
+    </p:spTree>
+    <p:extLst>
+      <p:ext uri="{BB962C8B-B14F-4D97-AF65-F5344CB8AC3E}">
+        <p14:creationId xmlns:p14="http://schemas.microsoft.com/office/powerpoint/2010/main" val="67962670"/>
+      </p:ext>
+    </p:extLst>
+  </p:cSld>
+  <p:clrMapOvr>
+    <a:masterClrMapping/>
+  </p:clrMapOvr>
+</p:sld>
+</file>
+
+<file path=ppt/slides/slide7.xml><?xml version="1.0" encoding="utf-8"?>
+<p:sld xmlns:a="http://schemas.openxmlformats.org/drawingml/2006/main" xmlns:r="http://schemas.openxmlformats.org/officeDocument/2006/relationships" xmlns:p="http://schemas.openxmlformats.org/presentationml/2006/main">
+  <p:cSld>
+    <p:spTree>
+      <p:nvGrpSpPr>
+        <p:cNvPr id="1" name=""/>
+        <p:cNvGrpSpPr/>
+        <p:nvPr/>
+      </p:nvGrpSpPr>
+      <p:grpSpPr>
+        <a:xfrm>
+          <a:off x="0" y="0"/>
+          <a:ext cx="0" cy="0"/>
+          <a:chOff x="0" y="0"/>
+          <a:chExt cx="0" cy="0"/>
+        </a:xfrm>
+      </p:grpSpPr>
+      <p:sp>
+        <p:nvSpPr>
+          <p:cNvPr id="2" name="Title 1">
+            <a:extLst>
+              <a:ext uri="{FF2B5EF4-FFF2-40B4-BE49-F238E27FC236}">
+                <a16:creationId xmlns:a16="http://schemas.microsoft.com/office/drawing/2014/main" id="{C5F2FB0B-15EC-453B-BC9B-69AD35DDCEA3}"/>
+              </a:ext>
+            </a:extLst>
+          </p:cNvPr>
+          <p:cNvSpPr>
+            <a:spLocks noGrp="1"/>
+          </p:cNvSpPr>
+          <p:nvPr>
+            <p:ph type="ctrTitle"/>
+          </p:nvPr>
+        </p:nvSpPr>
+        <p:spPr/>
+        <p:txBody>
+          <a:bodyPr/>
+          <a:lstStyle/>
+          <a:p>
+            <a:r>
+              <a:rPr lang="en-US" b="1" cap="all" spc="400">
+                <a:solidFill>
+                  <a:schemeClr val="bg1"/>
+                </a:solidFill>
+                <a:latin typeface="+mn-lt"/>
+              </a:rPr>
+              <a:t>Parallel Programming</a:t>
+            </a:r>
+            <a:endParaRPr lang="en-US"/>
+          </a:p>
+        </p:txBody>
+      </p:sp>
+      <p:sp>
+        <p:nvSpPr>
+          <p:cNvPr id="3" name="Subtitle 2">
+            <a:extLst>
+              <a:ext uri="{FF2B5EF4-FFF2-40B4-BE49-F238E27FC236}">
+                <a16:creationId xmlns:a16="http://schemas.microsoft.com/office/drawing/2014/main" id="{05408798-0DB3-46BF-880E-7BB904D700F6}"/>
+              </a:ext>
+            </a:extLst>
+          </p:cNvPr>
+          <p:cNvSpPr>
+            <a:spLocks noGrp="1"/>
+          </p:cNvSpPr>
+          <p:nvPr>
+            <p:ph type="subTitle" idx="1"/>
+          </p:nvPr>
+        </p:nvSpPr>
+        <p:spPr/>
+        <p:txBody>
+          <a:bodyPr/>
+          <a:lstStyle/>
+          <a:p>
+            <a:endParaRPr lang="en-US"/>
+          </a:p>
+        </p:txBody>
+      </p:sp>
+    </p:spTree>
+    <p:extLst>
+      <p:ext uri="{BB962C8B-B14F-4D97-AF65-F5344CB8AC3E}">
+        <p14:creationId xmlns:p14="http://schemas.microsoft.com/office/powerpoint/2010/main" val="1064640400"/>
+      </p:ext>
+    </p:extLst>
+  </p:cSld>
+  <p:clrMapOvr>
+    <a:masterClrMapping/>
+  </p:clrMapOvr>
+</p:sld>
+</file>
+
+<file path=ppt/slides/slide8.xml><?xml version="1.0" encoding="utf-8"?>
+<p:sld xmlns:a="http://schemas.openxmlformats.org/drawingml/2006/main" xmlns:r="http://schemas.openxmlformats.org/officeDocument/2006/relationships" xmlns:p="http://schemas.openxmlformats.org/presentationml/2006/main">
+  <p:cSld>
+    <p:bg>
+      <p:bgPr>
+        <a:solidFill>
+          <a:schemeClr val="bg1"/>
+        </a:solidFill>
+        <a:effectLst/>
+      </p:bgPr>
+    </p:bg>
+    <p:spTree>
+      <p:nvGrpSpPr>
+        <p:cNvPr id="1" name=""/>
+        <p:cNvGrpSpPr/>
+        <p:nvPr/>
+      </p:nvGrpSpPr>
+      <p:grpSpPr>
+        <a:xfrm>
+          <a:off x="0" y="0"/>
+          <a:ext cx="0" cy="0"/>
+          <a:chOff x="0" y="0"/>
+          <a:chExt cx="0" cy="0"/>
+        </a:xfrm>
+      </p:grpSpPr>
+      <p:sp useBgFill="1">
+        <p:nvSpPr>
+          <p:cNvPr id="48" name="Rectangle 47">
+            <a:extLst>
+              <a:ext uri="{FF2B5EF4-FFF2-40B4-BE49-F238E27FC236}">
+                <a16:creationId xmlns:a16="http://schemas.microsoft.com/office/drawing/2014/main" id="{A2679492-7988-4050-9056-542444452411}"/>
+              </a:ext>
+              <a:ext uri="{C183D7F6-B498-43B3-948B-1728B52AA6E4}">
+                <adec:decorative xmlns:adec="http://schemas.microsoft.com/office/drawing/2017/decorative" val="1"/>
+              </a:ext>
+            </a:extLst>
+          </p:cNvPr>
+          <p:cNvSpPr>
+            <a:spLocks noGrp="1" noRot="1" noChangeAspect="1" noMove="1" noResize="1" noEditPoints="1" noAdjustHandles="1" noChangeArrowheads="1" noChangeShapeType="1" noTextEdit="1"/>
+          </p:cNvSpPr>
+          <p:nvPr>
+            <p:extLst>
+              <p:ext uri="{386F3935-93C4-4BCD-93E2-E3B085C9AB24}">
+                <p16:designElem xmlns:p16="http://schemas.microsoft.com/office/powerpoint/2015/main" val="1"/>
+              </p:ext>
+            </p:extLst>
+          </p:nvPr>
+        </p:nvSpPr>
+        <p:spPr>
+          <a:xfrm>
+            <a:off x="0" y="0"/>
+            <a:ext cx="12192000" cy="6858000"/>
+          </a:xfrm>
+          <a:prstGeom prst="rect">
+            <a:avLst/>
+          </a:prstGeom>
+          <a:ln>
+            <a:noFill/>
+          </a:ln>
+        </p:spPr>
+        <p:style>
+          <a:lnRef idx="2">
+            <a:schemeClr val="accent1">
+              <a:shade val="50000"/>
+            </a:schemeClr>
+          </a:lnRef>
+          <a:fillRef idx="1">
+            <a:schemeClr val="accent1"/>
+          </a:fillRef>
+          <a:effectRef idx="0">
+            <a:schemeClr val="accent1"/>
+          </a:effectRef>
+          <a:fontRef idx="minor">
+            <a:schemeClr val="lt1"/>
+          </a:fontRef>
+        </p:style>
+        <p:txBody>
+          <a:bodyPr rtlCol="0" anchor="ctr"/>
+          <a:lstStyle/>
+          <a:p>
+            <a:pPr algn="ctr"/>
+            <a:endParaRPr lang="en-US"/>
+          </a:p>
+        </p:txBody>
+      </p:sp>
+      <p:sp>
+        <p:nvSpPr>
+          <p:cNvPr id="50" name="Rectangle 49">
+            <a:extLst>
+              <a:ext uri="{FF2B5EF4-FFF2-40B4-BE49-F238E27FC236}">
+                <a16:creationId xmlns:a16="http://schemas.microsoft.com/office/drawing/2014/main" id="{B091B163-7D61-4891-ABCF-5C13D9C418D0}"/>
+              </a:ext>
+              <a:ext uri="{C183D7F6-B498-43B3-948B-1728B52AA6E4}">
+                <adec:decorative xmlns:adec="http://schemas.microsoft.com/office/drawing/2017/decorative" val="1"/>
+              </a:ext>
+            </a:extLst>
+          </p:cNvPr>
+          <p:cNvSpPr>
+            <a:spLocks noGrp="1" noRot="1" noChangeAspect="1" noMove="1" noResize="1" noEditPoints="1" noAdjustHandles="1" noChangeArrowheads="1" noChangeShapeType="1" noTextEdit="1"/>
+          </p:cNvSpPr>
+          <p:nvPr>
+            <p:extLst>
+              <p:ext uri="{386F3935-93C4-4BCD-93E2-E3B085C9AB24}">
+                <p16:designElem xmlns:p16="http://schemas.microsoft.com/office/powerpoint/2015/main" val="1"/>
+              </p:ext>
+            </p:extLst>
+          </p:nvPr>
+        </p:nvSpPr>
+        <p:spPr>
+          <a:xfrm>
+            <a:off x="0" y="0"/>
+            <a:ext cx="5779911" cy="6858000"/>
+          </a:xfrm>
+          <a:prstGeom prst="rect">
+            <a:avLst/>
+          </a:prstGeom>
+          <a:gradFill flip="none" rotWithShape="1">
+            <a:gsLst>
+              <a:gs pos="100000">
+                <a:schemeClr val="accent4"/>
+              </a:gs>
+              <a:gs pos="0">
+                <a:schemeClr val="accent2"/>
+              </a:gs>
+            </a:gsLst>
+            <a:lin ang="2700000" scaled="1"/>
+            <a:tileRect/>
+          </a:gradFill>
+          <a:ln>
+            <a:noFill/>
+          </a:ln>
+        </p:spPr>
+        <p:style>
+          <a:lnRef idx="2">
+            <a:schemeClr val="accent1">
+              <a:shade val="50000"/>
+            </a:schemeClr>
+          </a:lnRef>
+          <a:fillRef idx="1">
+            <a:schemeClr val="accent1"/>
+          </a:fillRef>
+          <a:effectRef idx="0">
+            <a:schemeClr val="accent1"/>
+          </a:effectRef>
+          <a:fontRef idx="minor">
+            <a:schemeClr val="lt1"/>
+          </a:fontRef>
+        </p:style>
+        <p:txBody>
+          <a:bodyPr rtlCol="0" anchor="ctr"/>
+          <a:lstStyle/>
+          <a:p>
+            <a:pPr algn="ctr"/>
+            <a:endParaRPr lang="en-US"/>
+          </a:p>
+        </p:txBody>
+      </p:sp>
+      <p:pic>
+        <p:nvPicPr>
+          <p:cNvPr id="6" name="Picture 5" descr="Text&#10;&#10;Description automatically generated">
+            <a:extLst>
+              <a:ext uri="{FF2B5EF4-FFF2-40B4-BE49-F238E27FC236}">
+                <a16:creationId xmlns:a16="http://schemas.microsoft.com/office/drawing/2014/main" id="{C1D5DDA4-9741-4923-9052-4900ADE6A137}"/>
+              </a:ext>
+            </a:extLst>
+          </p:cNvPr>
+          <p:cNvPicPr>
+            <a:picLocks noChangeAspect="1"/>
+          </p:cNvPicPr>
+          <p:nvPr/>
+        </p:nvPicPr>
+        <p:blipFill rotWithShape="1">
+          <a:blip r:embed="rId2"/>
+          <a:srcRect t="11464" b="15326"/>
+          <a:stretch/>
+        </p:blipFill>
+        <p:spPr>
+          <a:xfrm>
+            <a:off x="279143" y="299508"/>
+            <a:ext cx="5221625" cy="3010397"/>
+          </a:xfrm>
+          <a:prstGeom prst="rect">
+            <a:avLst/>
+          </a:prstGeom>
+        </p:spPr>
+      </p:pic>
+      <p:pic>
+        <p:nvPicPr>
+          <p:cNvPr id="10" name="Picture 9">
+            <a:extLst>
+              <a:ext uri="{FF2B5EF4-FFF2-40B4-BE49-F238E27FC236}">
+                <a16:creationId xmlns:a16="http://schemas.microsoft.com/office/drawing/2014/main" id="{79D78F88-4155-48B0-9B58-59DA7D571368}"/>
+              </a:ext>
+            </a:extLst>
+          </p:cNvPr>
+          <p:cNvPicPr>
+            <a:picLocks noChangeAspect="1"/>
+          </p:cNvPicPr>
+          <p:nvPr/>
+        </p:nvPicPr>
+        <p:blipFill rotWithShape="1">
+          <a:blip r:embed="rId3"/>
+          <a:srcRect t="45" b="24096"/>
+          <a:stretch/>
+        </p:blipFill>
+        <p:spPr>
+          <a:xfrm>
+            <a:off x="279143" y="3548095"/>
+            <a:ext cx="5221625" cy="3010397"/>
+          </a:xfrm>
+          <a:prstGeom prst="rect">
+            <a:avLst/>
+          </a:prstGeom>
+        </p:spPr>
+      </p:pic>
+      <p:sp>
+        <p:nvSpPr>
+          <p:cNvPr id="3" name="Plassholder for innhold 2">
+            <a:extLst>
+              <a:ext uri="{FF2B5EF4-FFF2-40B4-BE49-F238E27FC236}">
+                <a16:creationId xmlns:a16="http://schemas.microsoft.com/office/drawing/2014/main" id="{290AF8A5-8DE6-CB8C-6E42-B7D5873E31D4}"/>
+              </a:ext>
+            </a:extLst>
+          </p:cNvPr>
+          <p:cNvSpPr>
+            <a:spLocks noGrp="1"/>
+          </p:cNvSpPr>
+          <p:nvPr>
+            <p:ph idx="1"/>
+          </p:nvPr>
+        </p:nvSpPr>
+        <p:spPr>
+          <a:xfrm>
+            <a:off x="6392583" y="2645922"/>
+            <a:ext cx="4434721" cy="3710427"/>
+          </a:xfrm>
+        </p:spPr>
+        <p:txBody>
+          <a:bodyPr anchor="t">
+            <a:normAutofit/>
+          </a:bodyPr>
+          <a:lstStyle/>
+          <a:p>
+            <a:r>
+              <a:rPr lang="nb-NO" sz="1800"/>
+              <a:t>Introduction</a:t>
+            </a:r>
+            <a:endParaRPr lang="nb-NO" sz="1800" dirty="0"/>
+          </a:p>
+          <a:p>
+            <a:r>
+              <a:rPr lang="nb-NO" sz="1800" dirty="0"/>
+              <a:t>Solution</a:t>
+            </a:r>
+          </a:p>
+        </p:txBody>
+      </p:sp>
+      <p:sp>
+        <p:nvSpPr>
+          <p:cNvPr id="4" name="Plassholder for lysbildenummer 3">
+            <a:extLst>
+              <a:ext uri="{FF2B5EF4-FFF2-40B4-BE49-F238E27FC236}">
+                <a16:creationId xmlns:a16="http://schemas.microsoft.com/office/drawing/2014/main" id="{EB0C6E7D-127A-3392-B63F-39BD2178D1B1}"/>
+              </a:ext>
+            </a:extLst>
+          </p:cNvPr>
+          <p:cNvSpPr>
+            <a:spLocks noGrp="1"/>
+          </p:cNvSpPr>
+          <p:nvPr>
+            <p:ph type="sldNum" sz="quarter" idx="12"/>
+          </p:nvPr>
+        </p:nvSpPr>
+        <p:spPr>
+          <a:xfrm>
+            <a:off x="8610600" y="6356350"/>
+            <a:ext cx="2743200" cy="365125"/>
+          </a:xfrm>
+        </p:spPr>
+        <p:txBody>
+          <a:bodyPr>
+            <a:normAutofit/>
+          </a:bodyPr>
+          <a:lstStyle/>
+          <a:p>
+            <a:pPr>
+              <a:spcAft>
+                <a:spcPts val="600"/>
+              </a:spcAft>
+            </a:pPr>
+            <a:fld id="{D8DA9DAA-006C-4F4B-980E-E3DF019B24E2}" type="slidenum">
+              <a:rPr lang="en-US">
+                <a:solidFill>
+                  <a:schemeClr val="accent2"/>
+                </a:solidFill>
+              </a:rPr>
+              <a:pPr>
+                <a:spcAft>
+                  <a:spcPts val="600"/>
+                </a:spcAft>
+              </a:pPr>
+              <a:t>8</a:t>
+            </a:fld>
+            <a:endParaRPr lang="en-US">
+              <a:solidFill>
+                <a:schemeClr val="accent2"/>
+              </a:solidFill>
+            </a:endParaRPr>
+          </a:p>
+        </p:txBody>
+      </p:sp>
+      <p:cxnSp>
+        <p:nvCxnSpPr>
+          <p:cNvPr id="52" name="Straight Connector 51">
+            <a:extLst>
+              <a:ext uri="{FF2B5EF4-FFF2-40B4-BE49-F238E27FC236}">
+                <a16:creationId xmlns:a16="http://schemas.microsoft.com/office/drawing/2014/main" id="{C49DA8F6-BCC1-4447-B54C-57856834B94B}"/>
+              </a:ext>
+              <a:ext uri="{C183D7F6-B498-43B3-948B-1728B52AA6E4}">
+                <adec:decorative xmlns:adec="http://schemas.microsoft.com/office/drawing/2017/decorative" val="1"/>
+              </a:ext>
+            </a:extLst>
+          </p:cNvPr>
+          <p:cNvCxnSpPr>
+            <a:cxnSpLocks noGrp="1" noRot="1" noChangeAspect="1" noMove="1" noResize="1" noEditPoints="1" noAdjustHandles="1" noChangeArrowheads="1" noChangeShapeType="1"/>
+          </p:cNvCxnSpPr>
+          <p:nvPr>
+            <p:extLst>
+              <p:ext uri="{386F3935-93C4-4BCD-93E2-E3B085C9AB24}">
+                <p16:designElem xmlns:p16="http://schemas.microsoft.com/office/powerpoint/2015/main" val="1"/>
+              </p:ext>
+            </p:extLst>
+          </p:nvPr>
+        </p:nvCxnSpPr>
+        <p:spPr>
+          <a:xfrm>
+            <a:off x="11586162" y="3613893"/>
+            <a:ext cx="0" cy="3238728"/>
+          </a:xfrm>
+          <a:prstGeom prst="line">
+            <a:avLst/>
+          </a:prstGeom>
+          <a:ln w="25400" cap="sq">
+            <a:gradFill flip="none" rotWithShape="1">
+              <a:gsLst>
+                <a:gs pos="0">
+                  <a:schemeClr val="accent2"/>
+                </a:gs>
+                <a:gs pos="100000">
+                  <a:schemeClr val="accent4"/>
+                </a:gs>
+              </a:gsLst>
+              <a:lin ang="16200000" scaled="1"/>
+              <a:tileRect/>
+            </a:gradFill>
+            <a:bevel/>
+          </a:ln>
+        </p:spPr>
+        <p:style>
+          <a:lnRef idx="1">
+            <a:schemeClr val="accent1"/>
+          </a:lnRef>
+          <a:fillRef idx="0">
+            <a:schemeClr val="accent1"/>
+          </a:fillRef>
+          <a:effectRef idx="0">
+            <a:schemeClr val="accent1"/>
+          </a:effectRef>
+          <a:fontRef idx="minor">
+            <a:schemeClr val="tx1"/>
+          </a:fontRef>
+        </p:style>
+      </p:cxnSp>
+    </p:spTree>
+    <p:extLst>
+      <p:ext uri="{BB962C8B-B14F-4D97-AF65-F5344CB8AC3E}">
+        <p14:creationId xmlns:p14="http://schemas.microsoft.com/office/powerpoint/2010/main" val="4051782069"/>
+      </p:ext>
+    </p:extLst>
+  </p:cSld>
+  <p:clrMapOvr>
+    <a:masterClrMapping/>
+  </p:clrMapOvr>
+</p:sld>
+</file>
+
+<file path=ppt/slides/slide9.xml><?xml version="1.0" encoding="utf-8"?>
+<p:sld xmlns:a="http://schemas.openxmlformats.org/drawingml/2006/main" xmlns:r="http://schemas.openxmlformats.org/officeDocument/2006/relationships" xmlns:p="http://schemas.openxmlformats.org/presentationml/2006/main">
+  <p:cSld>
+    <p:bg>
+      <p:bgPr>
+        <a:solidFill>
+          <a:schemeClr val="bg1"/>
+        </a:solidFill>
+        <a:effectLst/>
+      </p:bgPr>
+    </p:bg>
+    <p:spTree>
+      <p:nvGrpSpPr>
+        <p:cNvPr id="1" name=""/>
+        <p:cNvGrpSpPr/>
+        <p:nvPr/>
+      </p:nvGrpSpPr>
+      <p:grpSpPr>
+        <a:xfrm>
+          <a:off x="0" y="0"/>
+          <a:ext cx="0" cy="0"/>
+          <a:chOff x="0" y="0"/>
+          <a:chExt cx="0" cy="0"/>
+        </a:xfrm>
+      </p:grpSpPr>
+      <p:sp useBgFill="1">
+        <p:nvSpPr>
+          <p:cNvPr id="21" name="Rectangle 23">
+            <a:extLst>
+              <a:ext uri="{FF2B5EF4-FFF2-40B4-BE49-F238E27FC236}">
+                <a16:creationId xmlns:a16="http://schemas.microsoft.com/office/drawing/2014/main" id="{A2679492-7988-4050-9056-542444452411}"/>
+              </a:ext>
+              <a:ext uri="{C183D7F6-B498-43B3-948B-1728B52AA6E4}">
+                <adec:decorative xmlns:adec="http://schemas.microsoft.com/office/drawing/2017/decorative" val="1"/>
+              </a:ext>
+            </a:extLst>
+          </p:cNvPr>
+          <p:cNvSpPr>
+            <a:spLocks noGrp="1" noRot="1" noChangeAspect="1" noMove="1" noResize="1" noEditPoints="1" noAdjustHandles="1" noChangeArrowheads="1" noChangeShapeType="1" noTextEdit="1"/>
+          </p:cNvSpPr>
+          <p:nvPr>
+            <p:extLst>
+              <p:ext uri="{386F3935-93C4-4BCD-93E2-E3B085C9AB24}">
+                <p16:designElem xmlns:p16="http://schemas.microsoft.com/office/powerpoint/2015/main" val="1"/>
+              </p:ext>
+            </p:extLst>
+          </p:nvPr>
+        </p:nvSpPr>
+        <p:spPr>
+          <a:xfrm>
+            <a:off x="0" y="0"/>
+            <a:ext cx="12192000" cy="6858000"/>
+          </a:xfrm>
+          <a:prstGeom prst="rect">
+            <a:avLst/>
+          </a:prstGeom>
+          <a:ln>
+            <a:noFill/>
+          </a:ln>
+        </p:spPr>
+        <p:style>
+          <a:lnRef idx="2">
+            <a:schemeClr val="accent1">
+              <a:shade val="50000"/>
+            </a:schemeClr>
+          </a:lnRef>
+          <a:fillRef idx="1">
+            <a:schemeClr val="accent1"/>
+          </a:fillRef>
+          <a:effectRef idx="0">
+            <a:schemeClr val="accent1"/>
+          </a:effectRef>
+          <a:fontRef idx="minor">
+            <a:schemeClr val="lt1"/>
+          </a:fontRef>
+        </p:style>
+        <p:txBody>
+          <a:bodyPr rtlCol="0" anchor="ctr"/>
+          <a:lstStyle/>
+          <a:p>
+            <a:pPr algn="ctr"/>
+            <a:endParaRPr lang="en-US"/>
+          </a:p>
+        </p:txBody>
+      </p:sp>
+      <p:sp>
+        <p:nvSpPr>
+          <p:cNvPr id="2" name="Title 1">
+            <a:extLst>
+              <a:ext uri="{FF2B5EF4-FFF2-40B4-BE49-F238E27FC236}">
+                <a16:creationId xmlns:a16="http://schemas.microsoft.com/office/drawing/2014/main" id="{1C5EFDBC-BA7D-4259-AD65-42501C97A546}"/>
+              </a:ext>
+            </a:extLst>
+          </p:cNvPr>
+          <p:cNvSpPr>
+            <a:spLocks noGrp="1"/>
+          </p:cNvSpPr>
+          <p:nvPr>
+            <p:ph type="title"/>
+          </p:nvPr>
+        </p:nvSpPr>
+        <p:spPr>
+          <a:xfrm>
+            <a:off x="6392583" y="501651"/>
+            <a:ext cx="4434720" cy="1716255"/>
+          </a:xfrm>
+        </p:spPr>
+        <p:txBody>
+          <a:bodyPr anchor="b">
+            <a:normAutofit/>
+          </a:bodyPr>
+          <a:lstStyle/>
+          <a:p>
+            <a:r>
+              <a:rPr lang="nb-NO" dirty="0" err="1"/>
+              <a:t>ForkJoin</a:t>
+            </a:r>
+            <a:endParaRPr lang="en-US" dirty="0"/>
+          </a:p>
+        </p:txBody>
+      </p:sp>
+      <p:sp>
+        <p:nvSpPr>
+          <p:cNvPr id="23" name="Rectangle 25">
+            <a:extLst>
+              <a:ext uri="{FF2B5EF4-FFF2-40B4-BE49-F238E27FC236}">
+                <a16:creationId xmlns:a16="http://schemas.microsoft.com/office/drawing/2014/main" id="{B091B163-7D61-4891-ABCF-5C13D9C418D0}"/>
+              </a:ext>
+              <a:ext uri="{C183D7F6-B498-43B3-948B-1728B52AA6E4}">
+                <adec:decorative xmlns:adec="http://schemas.microsoft.com/office/drawing/2017/decorative" val="1"/>
+              </a:ext>
+            </a:extLst>
+          </p:cNvPr>
+          <p:cNvSpPr>
+            <a:spLocks noGrp="1" noRot="1" noChangeAspect="1" noMove="1" noResize="1" noEditPoints="1" noAdjustHandles="1" noChangeArrowheads="1" noChangeShapeType="1" noTextEdit="1"/>
+          </p:cNvSpPr>
+          <p:nvPr>
+            <p:extLst>
+              <p:ext uri="{386F3935-93C4-4BCD-93E2-E3B085C9AB24}">
+                <p16:designElem xmlns:p16="http://schemas.microsoft.com/office/powerpoint/2015/main" val="1"/>
+              </p:ext>
+            </p:extLst>
+          </p:nvPr>
+        </p:nvSpPr>
+        <p:spPr>
+          <a:xfrm>
+            <a:off x="0" y="0"/>
+            <a:ext cx="5779911" cy="6858000"/>
+          </a:xfrm>
+          <a:prstGeom prst="rect">
+            <a:avLst/>
+          </a:prstGeom>
+          <a:gradFill flip="none" rotWithShape="1">
+            <a:gsLst>
+              <a:gs pos="100000">
+                <a:schemeClr val="accent4"/>
+              </a:gs>
+              <a:gs pos="0">
+                <a:schemeClr val="accent2"/>
+              </a:gs>
+            </a:gsLst>
+            <a:lin ang="2700000" scaled="1"/>
+            <a:tileRect/>
+          </a:gradFill>
+          <a:ln>
+            <a:noFill/>
+          </a:ln>
+        </p:spPr>
+        <p:style>
+          <a:lnRef idx="2">
+            <a:schemeClr val="accent1">
+              <a:shade val="50000"/>
+            </a:schemeClr>
+          </a:lnRef>
+          <a:fillRef idx="1">
+            <a:schemeClr val="accent1"/>
+          </a:fillRef>
+          <a:effectRef idx="0">
+            <a:schemeClr val="accent1"/>
+          </a:effectRef>
+          <a:fontRef idx="minor">
+            <a:schemeClr val="lt1"/>
+          </a:fontRef>
+        </p:style>
+        <p:txBody>
+          <a:bodyPr rtlCol="0" anchor="ctr"/>
+          <a:lstStyle/>
+          <a:p>
+            <a:pPr algn="ctr"/>
+            <a:endParaRPr lang="en-US"/>
+          </a:p>
+        </p:txBody>
+      </p:sp>
+      <p:pic>
+        <p:nvPicPr>
+          <p:cNvPr id="19" name="Picture 18">
+            <a:extLst>
+              <a:ext uri="{FF2B5EF4-FFF2-40B4-BE49-F238E27FC236}">
+                <a16:creationId xmlns:a16="http://schemas.microsoft.com/office/drawing/2014/main" id="{21983D05-E644-4DCA-A49D-A66E93E233D9}"/>
+              </a:ext>
+            </a:extLst>
+          </p:cNvPr>
+          <p:cNvPicPr>
+            <a:picLocks noChangeAspect="1"/>
+          </p:cNvPicPr>
+          <p:nvPr/>
+        </p:nvPicPr>
+        <p:blipFill rotWithShape="1">
+          <a:blip r:embed="rId2"/>
+          <a:srcRect r="1244" b="1"/>
+          <a:stretch/>
+        </p:blipFill>
+        <p:spPr>
+          <a:xfrm>
+            <a:off x="279140" y="2798868"/>
+            <a:ext cx="5221625" cy="3010397"/>
+          </a:xfrm>
+          <a:prstGeom prst="rect">
+            <a:avLst/>
+          </a:prstGeom>
+        </p:spPr>
+      </p:pic>
+      <p:sp>
+        <p:nvSpPr>
+          <p:cNvPr id="3" name="Content Placeholder 2">
+            <a:extLst>
+              <a:ext uri="{FF2B5EF4-FFF2-40B4-BE49-F238E27FC236}">
+                <a16:creationId xmlns:a16="http://schemas.microsoft.com/office/drawing/2014/main" id="{8051B8B5-D07B-41F2-96D4-9E55BAA43299}"/>
+              </a:ext>
+            </a:extLst>
+          </p:cNvPr>
+          <p:cNvSpPr>
+            <a:spLocks noGrp="1"/>
+          </p:cNvSpPr>
+          <p:nvPr>
+            <p:ph idx="1"/>
+          </p:nvPr>
+        </p:nvSpPr>
+        <p:spPr>
+          <a:xfrm>
+            <a:off x="6392583" y="2645922"/>
+            <a:ext cx="4434721" cy="3710427"/>
+          </a:xfrm>
+        </p:spPr>
+        <p:txBody>
+          <a:bodyPr anchor="t">
+            <a:normAutofit/>
+          </a:bodyPr>
+          <a:lstStyle/>
+          <a:p>
+            <a:r>
+              <a:rPr lang="nb-NO" sz="1800" dirty="0" err="1"/>
+              <a:t>Recursive</a:t>
+            </a:r>
+            <a:r>
+              <a:rPr lang="nb-NO" sz="1800" dirty="0"/>
+              <a:t> Action</a:t>
+            </a:r>
+          </a:p>
+          <a:p>
+            <a:pPr lvl="1"/>
+            <a:r>
+              <a:rPr lang="nb-NO" sz="1800" dirty="0"/>
+              <a:t>Fork()</a:t>
+            </a:r>
+          </a:p>
+          <a:p>
+            <a:pPr lvl="1"/>
+            <a:r>
+              <a:rPr lang="nb-NO" sz="1800" dirty="0" err="1"/>
+              <a:t>Join</a:t>
+            </a:r>
+            <a:r>
+              <a:rPr lang="nb-NO" sz="1800" dirty="0"/>
+              <a:t>()</a:t>
+            </a:r>
+            <a:endParaRPr lang="nb-NO" sz="1400" dirty="0"/>
+          </a:p>
+          <a:p>
+            <a:r>
+              <a:rPr lang="en-US" sz="1800" dirty="0"/>
+              <a:t>Tried Recursive Task</a:t>
+            </a:r>
+          </a:p>
+        </p:txBody>
+      </p:sp>
+      <p:sp>
+        <p:nvSpPr>
+          <p:cNvPr id="4" name="Slide Number Placeholder 3">
+            <a:extLst>
+              <a:ext uri="{FF2B5EF4-FFF2-40B4-BE49-F238E27FC236}">
+                <a16:creationId xmlns:a16="http://schemas.microsoft.com/office/drawing/2014/main" id="{0515626E-8405-462C-9639-62C70122C622}"/>
+              </a:ext>
+            </a:extLst>
+          </p:cNvPr>
+          <p:cNvSpPr>
+            <a:spLocks noGrp="1"/>
+          </p:cNvSpPr>
+          <p:nvPr>
+            <p:ph type="sldNum" sz="quarter" idx="12"/>
+          </p:nvPr>
+        </p:nvSpPr>
+        <p:spPr>
+          <a:xfrm>
+            <a:off x="8610600" y="6356350"/>
+            <a:ext cx="2743200" cy="365125"/>
+          </a:xfrm>
+        </p:spPr>
+        <p:txBody>
+          <a:bodyPr>
+            <a:normAutofit/>
+          </a:bodyPr>
+          <a:lstStyle/>
+          <a:p>
+            <a:pPr>
+              <a:spcAft>
+                <a:spcPts val="600"/>
+              </a:spcAft>
+            </a:pPr>
+            <a:fld id="{D8DA9DAA-006C-4F4B-980E-E3DF019B24E2}" type="slidenum">
+              <a:rPr lang="en-US">
+                <a:solidFill>
+                  <a:schemeClr val="accent2"/>
+                </a:solidFill>
+              </a:rPr>
+              <a:pPr>
+                <a:spcAft>
+                  <a:spcPts val="600"/>
+                </a:spcAft>
+              </a:pPr>
+              <a:t>9</a:t>
+            </a:fld>
+            <a:endParaRPr lang="en-US">
+              <a:solidFill>
+                <a:schemeClr val="accent2"/>
+              </a:solidFill>
+            </a:endParaRPr>
+          </a:p>
+        </p:txBody>
+      </p:sp>
+      <p:cxnSp>
+        <p:nvCxnSpPr>
+          <p:cNvPr id="28" name="Straight Connector 27">
+            <a:extLst>
+              <a:ext uri="{FF2B5EF4-FFF2-40B4-BE49-F238E27FC236}">
+                <a16:creationId xmlns:a16="http://schemas.microsoft.com/office/drawing/2014/main" id="{C49DA8F6-BCC1-4447-B54C-57856834B94B}"/>
+              </a:ext>
+              <a:ext uri="{C183D7F6-B498-43B3-948B-1728B52AA6E4}">
+                <adec:decorative xmlns:adec="http://schemas.microsoft.com/office/drawing/2017/decorative" val="1"/>
+              </a:ext>
+            </a:extLst>
+          </p:cNvPr>
+          <p:cNvCxnSpPr>
+            <a:cxnSpLocks noGrp="1" noRot="1" noChangeAspect="1" noMove="1" noResize="1" noEditPoints="1" noAdjustHandles="1" noChangeArrowheads="1" noChangeShapeType="1"/>
+          </p:cNvCxnSpPr>
+          <p:nvPr>
+            <p:extLst>
+              <p:ext uri="{386F3935-93C4-4BCD-93E2-E3B085C9AB24}">
+                <p16:designElem xmlns:p16="http://schemas.microsoft.com/office/powerpoint/2015/main" val="1"/>
+              </p:ext>
+            </p:extLst>
+          </p:nvPr>
+        </p:nvCxnSpPr>
+        <p:spPr>
+          <a:xfrm>
+            <a:off x="11586162" y="3613893"/>
+            <a:ext cx="0" cy="3238728"/>
+          </a:xfrm>
+          <a:prstGeom prst="line">
+            <a:avLst/>
+          </a:prstGeom>
+          <a:ln w="25400" cap="sq">
+            <a:gradFill flip="none" rotWithShape="1">
+              <a:gsLst>
+                <a:gs pos="0">
+                  <a:schemeClr val="accent2"/>
+                </a:gs>
+                <a:gs pos="100000">
+                  <a:schemeClr val="accent4"/>
+                </a:gs>
+              </a:gsLst>
+              <a:lin ang="16200000" scaled="1"/>
+              <a:tileRect/>
+            </a:gradFill>
+            <a:bevel/>
+          </a:ln>
+        </p:spPr>
+        <p:style>
+          <a:lnRef idx="1">
+            <a:schemeClr val="accent1"/>
+          </a:lnRef>
+          <a:fillRef idx="0">
+            <a:schemeClr val="accent1"/>
+          </a:fillRef>
+          <a:effectRef idx="0">
+            <a:schemeClr val="accent1"/>
+          </a:effectRef>
+          <a:fontRef idx="minor">
+            <a:schemeClr val="tx1"/>
+          </a:fontRef>
+        </p:style>
+      </p:cxnSp>
+      <p:pic>
+        <p:nvPicPr>
+          <p:cNvPr id="25" name="Picture 24">
+            <a:extLst>
+              <a:ext uri="{FF2B5EF4-FFF2-40B4-BE49-F238E27FC236}">
+                <a16:creationId xmlns:a16="http://schemas.microsoft.com/office/drawing/2014/main" id="{D3D4F9F0-0448-4691-BB06-8E60A027768B}"/>
+              </a:ext>
+            </a:extLst>
+          </p:cNvPr>
+          <p:cNvPicPr>
+            <a:picLocks noChangeAspect="1"/>
+          </p:cNvPicPr>
+          <p:nvPr/>
+        </p:nvPicPr>
+        <p:blipFill>
+          <a:blip r:embed="rId3"/>
+          <a:stretch>
+            <a:fillRect/>
+          </a:stretch>
+        </p:blipFill>
+        <p:spPr>
+          <a:xfrm>
+            <a:off x="279139" y="1636800"/>
+            <a:ext cx="5221625" cy="581106"/>
+          </a:xfrm>
+          <a:prstGeom prst="rect">
+            <a:avLst/>
+          </a:prstGeom>
+        </p:spPr>
+      </p:pic>
+    </p:spTree>
+    <p:extLst>
+      <p:ext uri="{BB962C8B-B14F-4D97-AF65-F5344CB8AC3E}">
+        <p14:creationId xmlns:p14="http://schemas.microsoft.com/office/powerpoint/2010/main" val="3415948703"/>
       </p:ext>
     </p:extLst>
   </p:cSld>
@@ -15539,46 +17340,26 @@
 </file>
 
 <file path=customXml/item1.xml><?xml version="1.0" encoding="utf-8"?>
-<p:properties xmlns:p="http://schemas.microsoft.com/office/2006/metadata/properties" xmlns:xsi="http://www.w3.org/2001/XMLSchema-instance" xmlns:pc="http://schemas.microsoft.com/office/infopath/2007/PartnerControls">
-  <documentManagement>
-    <Status xmlns="71af3243-3dd4-4a8d-8c0d-dd76da1f02a5">Not started</Status>
-    <MediaServiceKeyPoints xmlns="71af3243-3dd4-4a8d-8c0d-dd76da1f02a5" xsi:nil="true"/>
-  </documentManagement>
-</p:properties>
-</file>
-
-<file path=customXml/item2.xml><?xml version="1.0" encoding="utf-8"?>
-<?mso-contentType ?>
-<FormTemplates xmlns="http://schemas.microsoft.com/sharepoint/v3/contenttype/forms">
-  <Display>DocumentLibraryForm</Display>
-  <Edit>DocumentLibraryForm</Edit>
-  <New>DocumentLibraryForm</New>
-</FormTemplates>
-</file>
-
-<file path=customXml/item3.xml><?xml version="1.0" encoding="utf-8"?>
-<ct:contentTypeSchema xmlns:ct="http://schemas.microsoft.com/office/2006/metadata/contentType" xmlns:ma="http://schemas.microsoft.com/office/2006/metadata/properties/metaAttributes" ct:_="" ma:_="" ma:contentTypeName="Document" ma:contentTypeID="0x01010079F111ED35F8CC479449609E8A0923A6" ma:contentTypeVersion="12" ma:contentTypeDescription="Create a new document." ma:contentTypeScope="" ma:versionID="426e97fa315356fffbdcd9876fe988c2">
-  <xsd:schema xmlns:xsd="http://www.w3.org/2001/XMLSchema" xmlns:xs="http://www.w3.org/2001/XMLSchema" xmlns:p="http://schemas.microsoft.com/office/2006/metadata/properties" xmlns:ns2="71af3243-3dd4-4a8d-8c0d-dd76da1f02a5" xmlns:ns3="16c05727-aa75-4e4a-9b5f-8a80a1165891" targetNamespace="http://schemas.microsoft.com/office/2006/metadata/properties" ma:root="true" ma:fieldsID="14b8f0def80e6d70ce3def20c90759ae" ns2:_="" ns3:_="">
-    <xsd:import namespace="71af3243-3dd4-4a8d-8c0d-dd76da1f02a5"/>
-    <xsd:import namespace="16c05727-aa75-4e4a-9b5f-8a80a1165891"/>
+<ct:contentTypeSchema xmlns:ct="http://schemas.microsoft.com/office/2006/metadata/contentType" xmlns:ma="http://schemas.microsoft.com/office/2006/metadata/properties/metaAttributes" ct:_="" ma:_="" ma:contentTypeName="Dokument" ma:contentTypeID="0x01010044CF37245D41224792737AA340440B05" ma:contentTypeVersion="10" ma:contentTypeDescription="Opprett et nytt dokument." ma:contentTypeScope="" ma:versionID="e008b1adfdc144fd4bcb557baaf9b461">
+  <xsd:schema xmlns:xsd="http://www.w3.org/2001/XMLSchema" xmlns:xs="http://www.w3.org/2001/XMLSchema" xmlns:p="http://schemas.microsoft.com/office/2006/metadata/properties" xmlns:ns3="574415da-b876-4733-b587-ac50867c1266" xmlns:ns4="f62cd15e-fe55-4167-9b05-f37f1a220082" targetNamespace="http://schemas.microsoft.com/office/2006/metadata/properties" ma:root="true" ma:fieldsID="e73ceb10d8cef8f3c205939d07bea9c4" ns3:_="" ns4:_="">
+    <xsd:import namespace="574415da-b876-4733-b587-ac50867c1266"/>
+    <xsd:import namespace="f62cd15e-fe55-4167-9b05-f37f1a220082"/>
     <xsd:element name="properties">
       <xsd:complexType>
         <xsd:sequence>
           <xsd:element name="documentManagement">
             <xsd:complexType>
               <xsd:all>
-                <xsd:element ref="ns2:MediaServiceMetadata" minOccurs="0"/>
-                <xsd:element ref="ns2:MediaServiceFastMetadata" minOccurs="0"/>
-                <xsd:element ref="ns2:MediaServiceOCR" minOccurs="0"/>
-                <xsd:element ref="ns2:MediaServiceAutoTags" minOccurs="0"/>
-                <xsd:element ref="ns2:MediaServiceEventHashCode" minOccurs="0"/>
-                <xsd:element ref="ns2:MediaServiceGenerationTime" minOccurs="0"/>
-                <xsd:element ref="ns3:SharedWithUsers" minOccurs="0"/>
-                <xsd:element ref="ns3:SharedWithDetails" minOccurs="0"/>
-                <xsd:element ref="ns2:MediaServiceAutoKeyPoints" minOccurs="0"/>
-                <xsd:element ref="ns2:MediaServiceKeyPoints" minOccurs="0"/>
-                <xsd:element ref="ns2:MediaServiceDateTaken" minOccurs="0"/>
-                <xsd:element ref="ns2:Status" minOccurs="0"/>
+                <xsd:element ref="ns3:MediaServiceMetadata" minOccurs="0"/>
+                <xsd:element ref="ns3:MediaServiceFastMetadata" minOccurs="0"/>
+                <xsd:element ref="ns3:MediaServiceAutoTags" minOccurs="0"/>
+                <xsd:element ref="ns3:MediaServiceGenerationTime" minOccurs="0"/>
+                <xsd:element ref="ns3:MediaServiceEventHashCode" minOccurs="0"/>
+                <xsd:element ref="ns4:SharedWithUsers" minOccurs="0"/>
+                <xsd:element ref="ns4:SharedWithDetails" minOccurs="0"/>
+                <xsd:element ref="ns4:SharingHintHash" minOccurs="0"/>
+                <xsd:element ref="ns3:MediaServiceAutoKeyPoints" minOccurs="0"/>
+                <xsd:element ref="ns3:MediaServiceKeyPoints" minOccurs="0"/>
               </xsd:all>
             </xsd:complexType>
           </xsd:element>
@@ -15586,7 +17367,7 @@
       </xsd:complexType>
     </xsd:element>
   </xsd:schema>
-  <xsd:schema xmlns:xsd="http://www.w3.org/2001/XMLSchema" xmlns:xs="http://www.w3.org/2001/XMLSchema" xmlns:dms="http://schemas.microsoft.com/office/2006/documentManagement/types" xmlns:pc="http://schemas.microsoft.com/office/infopath/2007/PartnerControls" targetNamespace="71af3243-3dd4-4a8d-8c0d-dd76da1f02a5" elementFormDefault="qualified">
+  <xsd:schema xmlns:xsd="http://www.w3.org/2001/XMLSchema" xmlns:xs="http://www.w3.org/2001/XMLSchema" xmlns:dms="http://schemas.microsoft.com/office/2006/documentManagement/types" xmlns:pc="http://schemas.microsoft.com/office/infopath/2007/PartnerControls" targetNamespace="574415da-b876-4733-b587-ac50867c1266" elementFormDefault="qualified">
     <xsd:import namespace="http://schemas.microsoft.com/office/2006/documentManagement/types"/>
     <xsd:import namespace="http://schemas.microsoft.com/office/infopath/2007/PartnerControls"/>
     <xsd:element name="MediaServiceMetadata" ma:index="8" nillable="true" ma:displayName="MediaServiceMetadata" ma:hidden="true" ma:internalName="MediaServiceMetadata" ma:readOnly="true">
@@ -15599,14 +17380,12 @@
         <xsd:restriction base="dms:Note"/>
       </xsd:simpleType>
     </xsd:element>
-    <xsd:element name="MediaServiceOCR" ma:index="10" nillable="true" ma:displayName="MediaServiceOCR" ma:internalName="MediaServiceOCR" ma:readOnly="true">
+    <xsd:element name="MediaServiceAutoTags" ma:index="10" nillable="true" ma:displayName="Tags" ma:internalName="MediaServiceAutoTags" ma:readOnly="true">
       <xsd:simpleType>
-        <xsd:restriction base="dms:Note">
-          <xsd:maxLength value="255"/>
-        </xsd:restriction>
+        <xsd:restriction base="dms:Text"/>
       </xsd:simpleType>
     </xsd:element>
-    <xsd:element name="MediaServiceAutoTags" ma:index="11" nillable="true" ma:displayName="MediaServiceAutoTags" ma:internalName="MediaServiceAutoTags" ma:readOnly="true">
+    <xsd:element name="MediaServiceGenerationTime" ma:index="11" nillable="true" ma:displayName="MediaServiceGenerationTime" ma:hidden="true" ma:internalName="MediaServiceGenerationTime" ma:readOnly="true">
       <xsd:simpleType>
         <xsd:restriction base="dms:Text"/>
       </xsd:simpleType>
@@ -15616,42 +17395,23 @@
         <xsd:restriction base="dms:Text"/>
       </xsd:simpleType>
     </xsd:element>
-    <xsd:element name="MediaServiceGenerationTime" ma:index="13" nillable="true" ma:displayName="MediaServiceGenerationTime" ma:hidden="true" ma:internalName="MediaServiceGenerationTime" ma:readOnly="true">
-      <xsd:simpleType>
-        <xsd:restriction base="dms:Text"/>
-      </xsd:simpleType>
-    </xsd:element>
     <xsd:element name="MediaServiceAutoKeyPoints" ma:index="16" nillable="true" ma:displayName="MediaServiceAutoKeyPoints" ma:hidden="true" ma:internalName="MediaServiceAutoKeyPoints" ma:readOnly="true">
       <xsd:simpleType>
         <xsd:restriction base="dms:Note"/>
       </xsd:simpleType>
     </xsd:element>
-    <xsd:element name="MediaServiceKeyPoints" ma:index="17" nillable="true" ma:displayName="KeyPoints" ma:internalName="MediaServiceKeyPoints" ma:readOnly="false">
+    <xsd:element name="MediaServiceKeyPoints" ma:index="17" nillable="true" ma:displayName="KeyPoints" ma:internalName="MediaServiceKeyPoints" ma:readOnly="true">
       <xsd:simpleType>
         <xsd:restriction base="dms:Note">
           <xsd:maxLength value="255"/>
         </xsd:restriction>
       </xsd:simpleType>
     </xsd:element>
-    <xsd:element name="MediaServiceDateTaken" ma:index="18" nillable="true" ma:displayName="MediaServiceDateTaken" ma:hidden="true" ma:internalName="MediaServiceDateTaken" ma:readOnly="true">
-      <xsd:simpleType>
-        <xsd:restriction base="dms:Text"/>
-      </xsd:simpleType>
-    </xsd:element>
-    <xsd:element name="Status" ma:index="19" nillable="true" ma:displayName="Status" ma:default="Not started" ma:format="Dropdown" ma:internalName="Status">
-      <xsd:simpleType>
-        <xsd:restriction base="dms:Choice">
-          <xsd:enumeration value="Not started"/>
-          <xsd:enumeration value="In Progress"/>
-          <xsd:enumeration value="Completed"/>
-        </xsd:restriction>
-      </xsd:simpleType>
-    </xsd:element>
   </xsd:schema>
-  <xsd:schema xmlns:xsd="http://www.w3.org/2001/XMLSchema" xmlns:xs="http://www.w3.org/2001/XMLSchema" xmlns:dms="http://schemas.microsoft.com/office/2006/documentManagement/types" xmlns:pc="http://schemas.microsoft.com/office/infopath/2007/PartnerControls" targetNamespace="16c05727-aa75-4e4a-9b5f-8a80a1165891" elementFormDefault="qualified">
+  <xsd:schema xmlns:xsd="http://www.w3.org/2001/XMLSchema" xmlns:xs="http://www.w3.org/2001/XMLSchema" xmlns:dms="http://schemas.microsoft.com/office/2006/documentManagement/types" xmlns:pc="http://schemas.microsoft.com/office/infopath/2007/PartnerControls" targetNamespace="f62cd15e-fe55-4167-9b05-f37f1a220082" elementFormDefault="qualified">
     <xsd:import namespace="http://schemas.microsoft.com/office/2006/documentManagement/types"/>
     <xsd:import namespace="http://schemas.microsoft.com/office/infopath/2007/PartnerControls"/>
-    <xsd:element name="SharedWithUsers" ma:index="14" nillable="true" ma:displayName="Shared With" ma:internalName="SharedWithUsers" ma:readOnly="true">
+    <xsd:element name="SharedWithUsers" ma:index="13" nillable="true" ma:displayName="Delt med" ma:internalName="SharedWithUsers" ma:readOnly="true">
       <xsd:complexType>
         <xsd:complexContent>
           <xsd:extension base="dms:UserMulti">
@@ -15670,11 +17430,16 @@
         </xsd:complexContent>
       </xsd:complexType>
     </xsd:element>
-    <xsd:element name="SharedWithDetails" ma:index="15" nillable="true" ma:displayName="Shared With Details" ma:internalName="SharedWithDetails" ma:readOnly="true">
+    <xsd:element name="SharedWithDetails" ma:index="14" nillable="true" ma:displayName="Delingsdetaljer" ma:internalName="SharedWithDetails" ma:readOnly="true">
       <xsd:simpleType>
         <xsd:restriction base="dms:Note">
           <xsd:maxLength value="255"/>
         </xsd:restriction>
+      </xsd:simpleType>
+    </xsd:element>
+    <xsd:element name="SharingHintHash" ma:index="15" nillable="true" ma:displayName="Hash for deling av tips" ma:hidden="true" ma:internalName="SharingHintHash" ma:readOnly="true">
+      <xsd:simpleType>
+        <xsd:restriction base="dms:Text"/>
       </xsd:simpleType>
     </xsd:element>
   </xsd:schema>
@@ -15687,8 +17452,8 @@
         <xsd:element ref="dc:creator" minOccurs="0" maxOccurs="1"/>
         <xsd:element ref="dcterms:created" minOccurs="0" maxOccurs="1"/>
         <xsd:element ref="dc:identifier" minOccurs="0" maxOccurs="1"/>
-        <xsd:element name="contentType" minOccurs="0" maxOccurs="1" type="xsd:string" ma:index="0" ma:displayName="Content Type"/>
-        <xsd:element ref="dc:title" minOccurs="0" maxOccurs="1" ma:index="4" ma:displayName="Title"/>
+        <xsd:element name="contentType" minOccurs="0" maxOccurs="1" type="xsd:string" ma:index="0" ma:displayName="Innholdstype"/>
+        <xsd:element ref="dc:title" minOccurs="0" maxOccurs="1" ma:index="4" ma:displayName="Tittel"/>
         <xsd:element ref="dc:subject" minOccurs="0" maxOccurs="1"/>
         <xsd:element ref="dc:description" minOccurs="0" maxOccurs="1"/>
         <xsd:element name="keywords" minOccurs="0" maxOccurs="1" type="xsd:string"/>
@@ -15777,12 +17542,38 @@
 </ct:contentTypeSchema>
 </file>
 
+<file path=customXml/item2.xml><?xml version="1.0" encoding="utf-8"?>
+<?mso-contentType ?>
+<FormTemplates xmlns="http://schemas.microsoft.com/sharepoint/v3/contenttype/forms">
+  <Display>DocumentLibraryForm</Display>
+  <Edit>DocumentLibraryForm</Edit>
+  <New>DocumentLibraryForm</New>
+</FormTemplates>
+</file>
+
+<file path=customXml/item3.xml><?xml version="1.0" encoding="utf-8"?>
+<p:properties xmlns:p="http://schemas.microsoft.com/office/2006/metadata/properties" xmlns:xsi="http://www.w3.org/2001/XMLSchema-instance" xmlns:pc="http://schemas.microsoft.com/office/infopath/2007/PartnerControls">
+  <documentManagement>
+    <MediaServiceKeyPoints xmlns="574415da-b876-4733-b587-ac50867c1266" xsi:nil="true"/>
+  </documentManagement>
+</p:properties>
+</file>
+
 <file path=customXml/itemProps1.xml><?xml version="1.0" encoding="utf-8"?>
-<ds:datastoreItem xmlns:ds="http://schemas.openxmlformats.org/officeDocument/2006/customXml" ds:itemID="{99919F73-B6C2-4A43-95E2-833EC48925FE}">
+<ds:datastoreItem xmlns:ds="http://schemas.openxmlformats.org/officeDocument/2006/customXml" ds:itemID="{AA58FF09-A2DA-46F3-AAED-85B624B42A08}">
   <ds:schemaRefs>
+    <ds:schemaRef ds:uri="574415da-b876-4733-b587-ac50867c1266"/>
+    <ds:schemaRef ds:uri="f62cd15e-fe55-4167-9b05-f37f1a220082"/>
+    <ds:schemaRef ds:uri="http://purl.org/dc/elements/1.1/"/>
+    <ds:schemaRef ds:uri="http://purl.org/dc/terms/"/>
+    <ds:schemaRef ds:uri="http://schemas.microsoft.com/internal/obd"/>
+    <ds:schemaRef ds:uri="http://schemas.microsoft.com/office/2006/documentManagement/types"/>
+    <ds:schemaRef ds:uri="http://schemas.microsoft.com/office/2006/metadata/contentType"/>
     <ds:schemaRef ds:uri="http://schemas.microsoft.com/office/2006/metadata/properties"/>
+    <ds:schemaRef ds:uri="http://schemas.microsoft.com/office/2006/metadata/properties/metaAttributes"/>
     <ds:schemaRef ds:uri="http://schemas.microsoft.com/office/infopath/2007/PartnerControls"/>
-    <ds:schemaRef ds:uri="71af3243-3dd4-4a8d-8c0d-dd76da1f02a5"/>
+    <ds:schemaRef ds:uri="http://schemas.openxmlformats.org/package/2006/metadata/core-properties"/>
+    <ds:schemaRef ds:uri="http://www.w3.org/2001/XMLSchema"/>
   </ds:schemaRefs>
 </ds:datastoreItem>
 </file>
@@ -15796,20 +17587,18 @@
 </file>
 
 <file path=customXml/itemProps3.xml><?xml version="1.0" encoding="utf-8"?>
-<ds:datastoreItem xmlns:ds="http://schemas.openxmlformats.org/officeDocument/2006/customXml" ds:itemID="{ABC329F5-30EE-4BF7-AA2A-B837B51416B4}">
+<ds:datastoreItem xmlns:ds="http://schemas.openxmlformats.org/officeDocument/2006/customXml" ds:itemID="{99919F73-B6C2-4A43-95E2-833EC48925FE}">
   <ds:schemaRefs>
-    <ds:schemaRef ds:uri="http://schemas.microsoft.com/office/2006/metadata/contentType"/>
-    <ds:schemaRef ds:uri="http://schemas.microsoft.com/office/2006/metadata/properties/metaAttributes"/>
-    <ds:schemaRef ds:uri="http://www.w3.org/2001/XMLSchema"/>
+    <ds:schemaRef ds:uri="574415da-b876-4733-b587-ac50867c1266"/>
+    <ds:schemaRef ds:uri="f62cd15e-fe55-4167-9b05-f37f1a220082"/>
+    <ds:schemaRef ds:uri="http://purl.org/dc/dcmitype/"/>
+    <ds:schemaRef ds:uri="http://purl.org/dc/elements/1.1/"/>
+    <ds:schemaRef ds:uri="http://purl.org/dc/terms/"/>
+    <ds:schemaRef ds:uri="http://schemas.microsoft.com/office/2006/documentManagement/types"/>
     <ds:schemaRef ds:uri="http://schemas.microsoft.com/office/2006/metadata/properties"/>
-    <ds:schemaRef ds:uri="71af3243-3dd4-4a8d-8c0d-dd76da1f02a5"/>
-    <ds:schemaRef ds:uri="16c05727-aa75-4e4a-9b5f-8a80a1165891"/>
-    <ds:schemaRef ds:uri="http://schemas.microsoft.com/office/2006/documentManagement/types"/>
     <ds:schemaRef ds:uri="http://schemas.microsoft.com/office/infopath/2007/PartnerControls"/>
     <ds:schemaRef ds:uri="http://schemas.openxmlformats.org/package/2006/metadata/core-properties"/>
-    <ds:schemaRef ds:uri="http://purl.org/dc/elements/1.1/"/>
-    <ds:schemaRef ds:uri="http://purl.org/dc/terms/"/>
-    <ds:schemaRef ds:uri="http://schemas.microsoft.com/internal/obd"/>
+    <ds:schemaRef ds:uri="http://www.w3.org/XML/1998/namespace"/>
   </ds:schemaRefs>
 </ds:datastoreItem>
 </file>